--- a/results ppt.pptx
+++ b/results ppt.pptx
@@ -5,33 +5,34 @@
     <p:sldMasterId id="2147483648" r:id="rId1"/>
   </p:sldMasterIdLst>
   <p:notesMasterIdLst>
-    <p:notesMasterId r:id="rId26"/>
+    <p:notesMasterId r:id="rId27"/>
   </p:notesMasterIdLst>
   <p:sldIdLst>
-    <p:sldId id="256" r:id="rId2"/>
-    <p:sldId id="257" r:id="rId3"/>
-    <p:sldId id="258" r:id="rId4"/>
-    <p:sldId id="259" r:id="rId5"/>
-    <p:sldId id="262" r:id="rId6"/>
-    <p:sldId id="265" r:id="rId7"/>
-    <p:sldId id="266" r:id="rId8"/>
-    <p:sldId id="264" r:id="rId9"/>
-    <p:sldId id="263" r:id="rId10"/>
-    <p:sldId id="267" r:id="rId11"/>
-    <p:sldId id="268" r:id="rId12"/>
-    <p:sldId id="270" r:id="rId13"/>
-    <p:sldId id="271" r:id="rId14"/>
-    <p:sldId id="272" r:id="rId15"/>
-    <p:sldId id="273" r:id="rId16"/>
-    <p:sldId id="274" r:id="rId17"/>
-    <p:sldId id="276" r:id="rId18"/>
-    <p:sldId id="275" r:id="rId19"/>
-    <p:sldId id="280" r:id="rId20"/>
-    <p:sldId id="281" r:id="rId21"/>
-    <p:sldId id="282" r:id="rId22"/>
-    <p:sldId id="278" r:id="rId23"/>
-    <p:sldId id="277" r:id="rId24"/>
-    <p:sldId id="284" r:id="rId25"/>
+    <p:sldId id="257" r:id="rId2"/>
+    <p:sldId id="258" r:id="rId3"/>
+    <p:sldId id="259" r:id="rId4"/>
+    <p:sldId id="262" r:id="rId5"/>
+    <p:sldId id="265" r:id="rId6"/>
+    <p:sldId id="266" r:id="rId7"/>
+    <p:sldId id="264" r:id="rId8"/>
+    <p:sldId id="263" r:id="rId9"/>
+    <p:sldId id="267" r:id="rId10"/>
+    <p:sldId id="268" r:id="rId11"/>
+    <p:sldId id="270" r:id="rId12"/>
+    <p:sldId id="271" r:id="rId13"/>
+    <p:sldId id="272" r:id="rId14"/>
+    <p:sldId id="273" r:id="rId15"/>
+    <p:sldId id="274" r:id="rId16"/>
+    <p:sldId id="276" r:id="rId17"/>
+    <p:sldId id="275" r:id="rId18"/>
+    <p:sldId id="280" r:id="rId19"/>
+    <p:sldId id="281" r:id="rId20"/>
+    <p:sldId id="282" r:id="rId21"/>
+    <p:sldId id="278" r:id="rId22"/>
+    <p:sldId id="277" r:id="rId23"/>
+    <p:sldId id="284" r:id="rId24"/>
+    <p:sldId id="286" r:id="rId25"/>
+    <p:sldId id="285" r:id="rId26"/>
   </p:sldIdLst>
   <p:sldSz cx="12192000" cy="6858000"/>
   <p:notesSz cx="6858000" cy="9144000"/>
@@ -301,7 +302,7 @@
           <a:p>
             <a:fld id="{80D2A4A8-07A9-409C-828F-59B9281364FD}" type="datetimeFigureOut">
               <a:rPr lang="en-US" smtClean="0"/>
-              <a:t>2/3/2023</a:t>
+              <a:t>2/17/2023</a:t>
             </a:fld>
             <a:endParaRPr lang="en-US"/>
           </a:p>
@@ -650,7 +651,7 @@
           <a:p>
             <a:fld id="{D4B93CBD-2F76-429C-ABFF-169BA564DB10}" type="slidenum">
               <a:rPr lang="en-US" smtClean="0"/>
-              <a:t>14</a:t>
+              <a:t>13</a:t>
             </a:fld>
             <a:endParaRPr lang="en-US"/>
           </a:p>
@@ -737,7 +738,7 @@
           <a:p>
             <a:fld id="{D4B93CBD-2F76-429C-ABFF-169BA564DB10}" type="slidenum">
               <a:rPr lang="en-US" smtClean="0"/>
-              <a:t>15</a:t>
+              <a:t>14</a:t>
             </a:fld>
             <a:endParaRPr lang="en-US"/>
           </a:p>
@@ -824,7 +825,7 @@
           <a:p>
             <a:fld id="{D4B93CBD-2F76-429C-ABFF-169BA564DB10}" type="slidenum">
               <a:rPr lang="en-US" smtClean="0"/>
-              <a:t>16</a:t>
+              <a:t>15</a:t>
             </a:fld>
             <a:endParaRPr lang="en-US"/>
           </a:p>
@@ -911,7 +912,7 @@
           <a:p>
             <a:fld id="{D4B93CBD-2F76-429C-ABFF-169BA564DB10}" type="slidenum">
               <a:rPr lang="en-US" smtClean="0"/>
-              <a:t>20</a:t>
+              <a:t>19</a:t>
             </a:fld>
             <a:endParaRPr lang="en-US"/>
           </a:p>
@@ -998,7 +999,7 @@
           <a:p>
             <a:fld id="{D4B93CBD-2F76-429C-ABFF-169BA564DB10}" type="slidenum">
               <a:rPr lang="en-US" smtClean="0"/>
-              <a:t>21</a:t>
+              <a:t>20</a:t>
             </a:fld>
             <a:endParaRPr lang="en-US"/>
           </a:p>
@@ -1085,7 +1086,7 @@
           <a:p>
             <a:fld id="{D4B93CBD-2F76-429C-ABFF-169BA564DB10}" type="slidenum">
               <a:rPr lang="en-US" smtClean="0"/>
-              <a:t>22</a:t>
+              <a:t>21</a:t>
             </a:fld>
             <a:endParaRPr lang="en-US"/>
           </a:p>
@@ -1251,7 +1252,7 @@
           <a:p>
             <a:fld id="{3E9B6599-F8BC-4976-B412-8CB0DEC78F76}" type="datetimeFigureOut">
               <a:rPr lang="en-US" smtClean="0"/>
-              <a:t>2/3/2023</a:t>
+              <a:t>2/17/2023</a:t>
             </a:fld>
             <a:endParaRPr lang="en-US"/>
           </a:p>
@@ -1449,7 +1450,7 @@
           <a:p>
             <a:fld id="{3E9B6599-F8BC-4976-B412-8CB0DEC78F76}" type="datetimeFigureOut">
               <a:rPr lang="en-US" smtClean="0"/>
-              <a:t>2/3/2023</a:t>
+              <a:t>2/17/2023</a:t>
             </a:fld>
             <a:endParaRPr lang="en-US"/>
           </a:p>
@@ -1657,7 +1658,7 @@
           <a:p>
             <a:fld id="{3E9B6599-F8BC-4976-B412-8CB0DEC78F76}" type="datetimeFigureOut">
               <a:rPr lang="en-US" smtClean="0"/>
-              <a:t>2/3/2023</a:t>
+              <a:t>2/17/2023</a:t>
             </a:fld>
             <a:endParaRPr lang="en-US"/>
           </a:p>
@@ -1855,7 +1856,7 @@
           <a:p>
             <a:fld id="{3E9B6599-F8BC-4976-B412-8CB0DEC78F76}" type="datetimeFigureOut">
               <a:rPr lang="en-US" smtClean="0"/>
-              <a:t>2/3/2023</a:t>
+              <a:t>2/17/2023</a:t>
             </a:fld>
             <a:endParaRPr lang="en-US"/>
           </a:p>
@@ -2130,7 +2131,7 @@
           <a:p>
             <a:fld id="{3E9B6599-F8BC-4976-B412-8CB0DEC78F76}" type="datetimeFigureOut">
               <a:rPr lang="en-US" smtClean="0"/>
-              <a:t>2/3/2023</a:t>
+              <a:t>2/17/2023</a:t>
             </a:fld>
             <a:endParaRPr lang="en-US"/>
           </a:p>
@@ -2395,7 +2396,7 @@
           <a:p>
             <a:fld id="{3E9B6599-F8BC-4976-B412-8CB0DEC78F76}" type="datetimeFigureOut">
               <a:rPr lang="en-US" smtClean="0"/>
-              <a:t>2/3/2023</a:t>
+              <a:t>2/17/2023</a:t>
             </a:fld>
             <a:endParaRPr lang="en-US"/>
           </a:p>
@@ -2807,7 +2808,7 @@
           <a:p>
             <a:fld id="{3E9B6599-F8BC-4976-B412-8CB0DEC78F76}" type="datetimeFigureOut">
               <a:rPr lang="en-US" smtClean="0"/>
-              <a:t>2/3/2023</a:t>
+              <a:t>2/17/2023</a:t>
             </a:fld>
             <a:endParaRPr lang="en-US"/>
           </a:p>
@@ -2948,7 +2949,7 @@
           <a:p>
             <a:fld id="{3E9B6599-F8BC-4976-B412-8CB0DEC78F76}" type="datetimeFigureOut">
               <a:rPr lang="en-US" smtClean="0"/>
-              <a:t>2/3/2023</a:t>
+              <a:t>2/17/2023</a:t>
             </a:fld>
             <a:endParaRPr lang="en-US"/>
           </a:p>
@@ -3061,7 +3062,7 @@
           <a:p>
             <a:fld id="{3E9B6599-F8BC-4976-B412-8CB0DEC78F76}" type="datetimeFigureOut">
               <a:rPr lang="en-US" smtClean="0"/>
-              <a:t>2/3/2023</a:t>
+              <a:t>2/17/2023</a:t>
             </a:fld>
             <a:endParaRPr lang="en-US"/>
           </a:p>
@@ -3372,7 +3373,7 @@
           <a:p>
             <a:fld id="{3E9B6599-F8BC-4976-B412-8CB0DEC78F76}" type="datetimeFigureOut">
               <a:rPr lang="en-US" smtClean="0"/>
-              <a:t>2/3/2023</a:t>
+              <a:t>2/17/2023</a:t>
             </a:fld>
             <a:endParaRPr lang="en-US"/>
           </a:p>
@@ -3660,7 +3661,7 @@
           <a:p>
             <a:fld id="{3E9B6599-F8BC-4976-B412-8CB0DEC78F76}" type="datetimeFigureOut">
               <a:rPr lang="en-US" smtClean="0"/>
-              <a:t>2/3/2023</a:t>
+              <a:t>2/17/2023</a:t>
             </a:fld>
             <a:endParaRPr lang="en-US"/>
           </a:p>
@@ -3901,7 +3902,7 @@
           <a:p>
             <a:fld id="{3E9B6599-F8BC-4976-B412-8CB0DEC78F76}" type="datetimeFigureOut">
               <a:rPr lang="en-US" smtClean="0"/>
-              <a:t>2/3/2023</a:t>
+              <a:t>2/17/2023</a:t>
             </a:fld>
             <a:endParaRPr lang="en-US"/>
           </a:p>
@@ -4318,60 +4319,268 @@
           <a:chExt cx="0" cy="0"/>
         </a:xfrm>
       </p:grpSpPr>
-      <p:sp>
-        <p:nvSpPr>
-          <p:cNvPr id="2" name="Title 1">
-            <a:extLst>
-              <a:ext uri="{FF2B5EF4-FFF2-40B4-BE49-F238E27FC236}">
-                <a16:creationId xmlns:a16="http://schemas.microsoft.com/office/drawing/2014/main" id="{A68D76FB-C61E-CF78-16C9-00C0E38CA4E6}"/>
-              </a:ext>
-            </a:extLst>
-          </p:cNvPr>
-          <p:cNvSpPr>
-            <a:spLocks noGrp="1"/>
-          </p:cNvSpPr>
-          <p:nvPr>
-            <p:ph type="ctrTitle"/>
-          </p:nvPr>
-        </p:nvSpPr>
-        <p:spPr/>
-        <p:txBody>
-          <a:bodyPr/>
-          <a:lstStyle/>
-          <a:p>
-            <a:endParaRPr lang="en-US"/>
-          </a:p>
-        </p:txBody>
-      </p:sp>
-      <p:sp>
-        <p:nvSpPr>
-          <p:cNvPr id="3" name="Subtitle 2">
-            <a:extLst>
-              <a:ext uri="{FF2B5EF4-FFF2-40B4-BE49-F238E27FC236}">
-                <a16:creationId xmlns:a16="http://schemas.microsoft.com/office/drawing/2014/main" id="{6DADE47A-F3A0-3867-174C-4529BC81E7F7}"/>
-              </a:ext>
-            </a:extLst>
-          </p:cNvPr>
-          <p:cNvSpPr>
-            <a:spLocks noGrp="1"/>
-          </p:cNvSpPr>
-          <p:nvPr>
-            <p:ph type="subTitle" idx="1"/>
-          </p:nvPr>
-        </p:nvSpPr>
-        <p:spPr/>
-        <p:txBody>
-          <a:bodyPr/>
-          <a:lstStyle/>
-          <a:p>
-            <a:endParaRPr lang="en-US"/>
-          </a:p>
-        </p:txBody>
-      </p:sp>
+      <p:pic>
+        <p:nvPicPr>
+          <p:cNvPr id="5" name="Picture 4" descr="Diagram&#10;&#10;Description automatically generated">
+            <a:extLst>
+              <a:ext uri="{FF2B5EF4-FFF2-40B4-BE49-F238E27FC236}">
+                <a16:creationId xmlns:a16="http://schemas.microsoft.com/office/drawing/2014/main" id="{50FFD33D-D78A-BA4D-0462-84E53321BCB8}"/>
+              </a:ext>
+            </a:extLst>
+          </p:cNvPr>
+          <p:cNvPicPr>
+            <a:picLocks noChangeAspect="1"/>
+          </p:cNvPicPr>
+          <p:nvPr/>
+        </p:nvPicPr>
+        <p:blipFill rotWithShape="1">
+          <a:blip r:embed="rId2">
+            <a:extLst>
+              <a:ext uri="{28A0092B-C50C-407E-A947-70E740481C1C}">
+                <a14:useLocalDpi xmlns:a14="http://schemas.microsoft.com/office/drawing/2010/main" val="0"/>
+              </a:ext>
+            </a:extLst>
+          </a:blip>
+          <a:srcRect t="8588"/>
+          <a:stretch/>
+        </p:blipFill>
+        <p:spPr>
+          <a:xfrm>
+            <a:off x="-2" y="1394345"/>
+            <a:ext cx="12192000" cy="5311258"/>
+          </a:xfrm>
+          <a:prstGeom prst="rect">
+            <a:avLst/>
+          </a:prstGeom>
+        </p:spPr>
+      </p:pic>
+      <p:sp>
+        <p:nvSpPr>
+          <p:cNvPr id="8" name="TextBox 7">
+            <a:extLst>
+              <a:ext uri="{FF2B5EF4-FFF2-40B4-BE49-F238E27FC236}">
+                <a16:creationId xmlns:a16="http://schemas.microsoft.com/office/drawing/2014/main" id="{4AE5835C-C2B1-DEF3-9C41-311F614153D2}"/>
+              </a:ext>
+            </a:extLst>
+          </p:cNvPr>
+          <p:cNvSpPr txBox="1"/>
+          <p:nvPr/>
+        </p:nvSpPr>
+        <p:spPr>
+          <a:xfrm rot="16200000">
+            <a:off x="-379155" y="3615812"/>
+            <a:ext cx="1127642" cy="369332"/>
+          </a:xfrm>
+          <a:prstGeom prst="rect">
+            <a:avLst/>
+          </a:prstGeom>
+          <a:noFill/>
+        </p:spPr>
+        <p:txBody>
+          <a:bodyPr wrap="square" rtlCol="0">
+            <a:spAutoFit/>
+          </a:bodyPr>
+          <a:lstStyle/>
+          <a:p>
+            <a:r>
+              <a:rPr lang="en-US" dirty="0" err="1"/>
+              <a:t>Nbandits</a:t>
+            </a:r>
+            <a:endParaRPr lang="en-US" dirty="0"/>
+          </a:p>
+        </p:txBody>
+      </p:sp>
+      <p:sp>
+        <p:nvSpPr>
+          <p:cNvPr id="11" name="TextBox 10">
+            <a:extLst>
+              <a:ext uri="{FF2B5EF4-FFF2-40B4-BE49-F238E27FC236}">
+                <a16:creationId xmlns:a16="http://schemas.microsoft.com/office/drawing/2014/main" id="{F49EDC3E-7669-2675-9AB9-1A594E11A8ED}"/>
+              </a:ext>
+            </a:extLst>
+          </p:cNvPr>
+          <p:cNvSpPr txBox="1"/>
+          <p:nvPr/>
+        </p:nvSpPr>
+        <p:spPr>
+          <a:xfrm>
+            <a:off x="5065246" y="791416"/>
+            <a:ext cx="2061507" cy="369332"/>
+          </a:xfrm>
+          <a:prstGeom prst="rect">
+            <a:avLst/>
+          </a:prstGeom>
+          <a:noFill/>
+        </p:spPr>
+        <p:txBody>
+          <a:bodyPr wrap="square" rtlCol="0">
+            <a:spAutoFit/>
+          </a:bodyPr>
+          <a:lstStyle/>
+          <a:p>
+            <a:pPr algn="ctr"/>
+            <a:r>
+              <a:rPr lang="en-US" dirty="0" err="1"/>
+              <a:t>Ndirections</a:t>
+            </a:r>
+            <a:endParaRPr lang="en-US" dirty="0"/>
+          </a:p>
+        </p:txBody>
+      </p:sp>
+      <p:sp>
+        <p:nvSpPr>
+          <p:cNvPr id="12" name="TextBox 11">
+            <a:extLst>
+              <a:ext uri="{FF2B5EF4-FFF2-40B4-BE49-F238E27FC236}">
+                <a16:creationId xmlns:a16="http://schemas.microsoft.com/office/drawing/2014/main" id="{0F17461B-3C3D-4D1F-4132-279BB735817E}"/>
+              </a:ext>
+            </a:extLst>
+          </p:cNvPr>
+          <p:cNvSpPr txBox="1"/>
+          <p:nvPr/>
+        </p:nvSpPr>
+        <p:spPr>
+          <a:xfrm>
+            <a:off x="1500190" y="1145389"/>
+            <a:ext cx="9808368" cy="382072"/>
+          </a:xfrm>
+          <a:prstGeom prst="rect">
+            <a:avLst/>
+          </a:prstGeom>
+          <a:noFill/>
+        </p:spPr>
+        <p:txBody>
+          <a:bodyPr wrap="square" rtlCol="0">
+            <a:spAutoFit/>
+          </a:bodyPr>
+          <a:lstStyle/>
+          <a:p>
+            <a:r>
+              <a:rPr lang="en-US" dirty="0"/>
+              <a:t>	2				3				4</a:t>
+            </a:r>
+          </a:p>
+        </p:txBody>
+      </p:sp>
+      <p:sp>
+        <p:nvSpPr>
+          <p:cNvPr id="13" name="TextBox 12">
+            <a:extLst>
+              <a:ext uri="{FF2B5EF4-FFF2-40B4-BE49-F238E27FC236}">
+                <a16:creationId xmlns:a16="http://schemas.microsoft.com/office/drawing/2014/main" id="{9DFFD345-DDD3-D77A-CDB4-BADB19806CA6}"/>
+              </a:ext>
+            </a:extLst>
+          </p:cNvPr>
+          <p:cNvSpPr txBox="1"/>
+          <p:nvPr/>
+        </p:nvSpPr>
+        <p:spPr>
+          <a:xfrm rot="16200000">
+            <a:off x="-1844576" y="3813992"/>
+            <a:ext cx="5311258" cy="369332"/>
+          </a:xfrm>
+          <a:prstGeom prst="rect">
+            <a:avLst/>
+          </a:prstGeom>
+          <a:noFill/>
+        </p:spPr>
+        <p:txBody>
+          <a:bodyPr wrap="square" rtlCol="0">
+            <a:spAutoFit/>
+          </a:bodyPr>
+          <a:lstStyle/>
+          <a:p>
+            <a:r>
+              <a:rPr lang="en-US" dirty="0"/>
+              <a:t>	5		4		3</a:t>
+            </a:r>
+          </a:p>
+        </p:txBody>
+      </p:sp>
+      <p:pic>
+        <p:nvPicPr>
+          <p:cNvPr id="14" name="Picture 13" descr="Diagram&#10;&#10;Description automatically generated">
+            <a:extLst>
+              <a:ext uri="{FF2B5EF4-FFF2-40B4-BE49-F238E27FC236}">
+                <a16:creationId xmlns:a16="http://schemas.microsoft.com/office/drawing/2014/main" id="{85131E2A-6EAB-1A6C-5B78-64848A72C1DF}"/>
+              </a:ext>
+            </a:extLst>
+          </p:cNvPr>
+          <p:cNvPicPr>
+            <a:picLocks noChangeAspect="1"/>
+          </p:cNvPicPr>
+          <p:nvPr/>
+        </p:nvPicPr>
+        <p:blipFill rotWithShape="1">
+          <a:blip r:embed="rId2">
+            <a:extLst>
+              <a:ext uri="{28A0092B-C50C-407E-A947-70E740481C1C}">
+                <a14:useLocalDpi xmlns:a14="http://schemas.microsoft.com/office/drawing/2010/main" val="0"/>
+              </a:ext>
+            </a:extLst>
+          </a:blip>
+          <a:srcRect l="44688" t="778" r="44824" b="91598"/>
+          <a:stretch/>
+        </p:blipFill>
+        <p:spPr>
+          <a:xfrm>
+            <a:off x="5528070" y="246342"/>
+            <a:ext cx="1278731" cy="442913"/>
+          </a:xfrm>
+          <a:prstGeom prst="rect">
+            <a:avLst/>
+          </a:prstGeom>
+        </p:spPr>
+      </p:pic>
+      <p:pic>
+        <p:nvPicPr>
+          <p:cNvPr id="1026" name="Picture 2">
+            <a:extLst>
+              <a:ext uri="{FF2B5EF4-FFF2-40B4-BE49-F238E27FC236}">
+                <a16:creationId xmlns:a16="http://schemas.microsoft.com/office/drawing/2014/main" id="{14F028CA-CADC-779B-ED3E-B7CC5B191AC5}"/>
+              </a:ext>
+            </a:extLst>
+          </p:cNvPr>
+          <p:cNvPicPr>
+            <a:picLocks noChangeAspect="1" noChangeArrowheads="1"/>
+          </p:cNvPicPr>
+          <p:nvPr/>
+        </p:nvPicPr>
+        <p:blipFill rotWithShape="1">
+          <a:blip r:embed="rId3">
+            <a:extLst>
+              <a:ext uri="{28A0092B-C50C-407E-A947-70E740481C1C}">
+                <a14:useLocalDpi xmlns:a14="http://schemas.microsoft.com/office/drawing/2010/main" val="0"/>
+              </a:ext>
+            </a:extLst>
+          </a:blip>
+          <a:srcRect l="78457" t="10697" r="10059" b="70656"/>
+          <a:stretch/>
+        </p:blipFill>
+        <p:spPr bwMode="auto">
+          <a:xfrm>
+            <a:off x="10691809" y="434351"/>
+            <a:ext cx="1400176" cy="1083461"/>
+          </a:xfrm>
+          <a:prstGeom prst="rect">
+            <a:avLst/>
+          </a:prstGeom>
+          <a:noFill/>
+          <a:extLst>
+            <a:ext uri="{909E8E84-426E-40DD-AFC4-6F175D3DCCD1}">
+              <a14:hiddenFill xmlns:a14="http://schemas.microsoft.com/office/drawing/2010/main">
+                <a:solidFill>
+                  <a:srgbClr val="FFFFFF"/>
+                </a:solidFill>
+              </a14:hiddenFill>
+            </a:ext>
+          </a:extLst>
+        </p:spPr>
+      </p:pic>
     </p:spTree>
     <p:extLst>
       <p:ext uri="{BB962C8B-B14F-4D97-AF65-F5344CB8AC3E}">
-        <p14:creationId xmlns:p14="http://schemas.microsoft.com/office/powerpoint/2010/main" val="1202360991"/>
+        <p14:creationId xmlns:p14="http://schemas.microsoft.com/office/powerpoint/2010/main" val="883006534"/>
       </p:ext>
     </p:extLst>
   </p:cSld>
@@ -4400,7 +4609,7 @@
       </p:grpSpPr>
       <p:pic>
         <p:nvPicPr>
-          <p:cNvPr id="5" name="Picture 4" descr="Chart&#10;&#10;Description automatically generated with low confidence">
+          <p:cNvPr id="5" name="Picture 4">
             <a:extLst>
               <a:ext uri="{FF2B5EF4-FFF2-40B4-BE49-F238E27FC236}">
                 <a16:creationId xmlns:a16="http://schemas.microsoft.com/office/drawing/2014/main" id="{F356E627-3294-D62D-B924-6377EFB2EF46}"/>
@@ -4420,9 +4629,8 @@
               </a:ext>
             </a:extLst>
           </a:blip>
-          <a:stretch>
-            <a:fillRect/>
-          </a:stretch>
+          <a:srcRect/>
+          <a:stretch/>
         </p:blipFill>
         <p:spPr>
           <a:xfrm>
@@ -4507,10 +4715,10 @@
       </p:sp>
       <p:pic>
         <p:nvPicPr>
-          <p:cNvPr id="8" name="Picture 2">
-            <a:extLst>
-              <a:ext uri="{FF2B5EF4-FFF2-40B4-BE49-F238E27FC236}">
-                <a16:creationId xmlns:a16="http://schemas.microsoft.com/office/drawing/2014/main" id="{F6712759-A2DE-85B0-0A5D-F84EFDEEE47A}"/>
+          <p:cNvPr id="3" name="Picture 2">
+            <a:extLst>
+              <a:ext uri="{FF2B5EF4-FFF2-40B4-BE49-F238E27FC236}">
+                <a16:creationId xmlns:a16="http://schemas.microsoft.com/office/drawing/2014/main" id="{74067708-7F51-9E2A-08AD-82506169B853}"/>
               </a:ext>
             </a:extLst>
           </p:cNvPr>
@@ -4552,10 +4760,10 @@
       </p:pic>
       <p:sp>
         <p:nvSpPr>
-          <p:cNvPr id="9" name="TextBox 8">
-            <a:extLst>
-              <a:ext uri="{FF2B5EF4-FFF2-40B4-BE49-F238E27FC236}">
-                <a16:creationId xmlns:a16="http://schemas.microsoft.com/office/drawing/2014/main" id="{325334D5-3BA4-A903-4965-EA2EB6BDBF73}"/>
+          <p:cNvPr id="4" name="TextBox 3">
+            <a:extLst>
+              <a:ext uri="{FF2B5EF4-FFF2-40B4-BE49-F238E27FC236}">
+                <a16:creationId xmlns:a16="http://schemas.microsoft.com/office/drawing/2014/main" id="{1C17BDEC-945B-6F4E-F228-D49F969684D5}"/>
               </a:ext>
             </a:extLst>
           </p:cNvPr>
@@ -4588,7 +4796,7 @@
     </p:spTree>
     <p:extLst>
       <p:ext uri="{BB962C8B-B14F-4D97-AF65-F5344CB8AC3E}">
-        <p14:creationId xmlns:p14="http://schemas.microsoft.com/office/powerpoint/2010/main" val="3422505291"/>
+        <p14:creationId xmlns:p14="http://schemas.microsoft.com/office/powerpoint/2010/main" val="1704226866"/>
       </p:ext>
     </p:extLst>
   </p:cSld>
@@ -4615,196 +4823,63 @@
           <a:chExt cx="0" cy="0"/>
         </a:xfrm>
       </p:grpSpPr>
-      <p:pic>
-        <p:nvPicPr>
-          <p:cNvPr id="5" name="Picture 4">
-            <a:extLst>
-              <a:ext uri="{FF2B5EF4-FFF2-40B4-BE49-F238E27FC236}">
-                <a16:creationId xmlns:a16="http://schemas.microsoft.com/office/drawing/2014/main" id="{F356E627-3294-D62D-B924-6377EFB2EF46}"/>
-              </a:ext>
-            </a:extLst>
-          </p:cNvPr>
-          <p:cNvPicPr>
-            <a:picLocks noChangeAspect="1"/>
-          </p:cNvPicPr>
-          <p:nvPr/>
-        </p:nvPicPr>
-        <p:blipFill>
-          <a:blip r:embed="rId2">
-            <a:extLst>
-              <a:ext uri="{28A0092B-C50C-407E-A947-70E740481C1C}">
-                <a14:useLocalDpi xmlns:a14="http://schemas.microsoft.com/office/drawing/2010/main" val="0"/>
-              </a:ext>
-            </a:extLst>
-          </a:blip>
-          <a:srcRect/>
-          <a:stretch/>
-        </p:blipFill>
-        <p:spPr>
-          <a:xfrm>
-            <a:off x="0" y="523875"/>
-            <a:ext cx="12192000" cy="5810250"/>
-          </a:xfrm>
-          <a:prstGeom prst="rect">
-            <a:avLst/>
-          </a:prstGeom>
-        </p:spPr>
-      </p:pic>
-      <p:sp>
-        <p:nvSpPr>
-          <p:cNvPr id="6" name="TextBox 5">
-            <a:extLst>
-              <a:ext uri="{FF2B5EF4-FFF2-40B4-BE49-F238E27FC236}">
-                <a16:creationId xmlns:a16="http://schemas.microsoft.com/office/drawing/2014/main" id="{F4C0F5D5-ED7A-53CE-C249-C399633A3490}"/>
-              </a:ext>
-            </a:extLst>
-          </p:cNvPr>
-          <p:cNvSpPr txBox="1"/>
-          <p:nvPr/>
-        </p:nvSpPr>
-        <p:spPr>
-          <a:xfrm rot="16200000">
-            <a:off x="-14824" y="3422931"/>
-            <a:ext cx="1127642" cy="369332"/>
-          </a:xfrm>
-          <a:prstGeom prst="rect">
-            <a:avLst/>
-          </a:prstGeom>
-          <a:noFill/>
-        </p:spPr>
-        <p:txBody>
-          <a:bodyPr wrap="square" rtlCol="0">
-            <a:spAutoFit/>
-          </a:bodyPr>
-          <a:lstStyle/>
-          <a:p>
-            <a:r>
-              <a:rPr lang="en-US" dirty="0" err="1"/>
-              <a:t>Nbandits</a:t>
-            </a:r>
-            <a:endParaRPr lang="en-US" dirty="0"/>
-          </a:p>
-        </p:txBody>
-      </p:sp>
-      <p:sp>
-        <p:nvSpPr>
-          <p:cNvPr id="7" name="TextBox 6">
-            <a:extLst>
-              <a:ext uri="{FF2B5EF4-FFF2-40B4-BE49-F238E27FC236}">
-                <a16:creationId xmlns:a16="http://schemas.microsoft.com/office/drawing/2014/main" id="{C73238A2-8839-1C79-0805-C096B68F43AC}"/>
-              </a:ext>
-            </a:extLst>
-          </p:cNvPr>
-          <p:cNvSpPr txBox="1"/>
-          <p:nvPr/>
-        </p:nvSpPr>
-        <p:spPr>
-          <a:xfrm rot="16200000">
-            <a:off x="-1480245" y="3621111"/>
-            <a:ext cx="5311258" cy="369332"/>
-          </a:xfrm>
-          <a:prstGeom prst="rect">
-            <a:avLst/>
-          </a:prstGeom>
-          <a:noFill/>
-        </p:spPr>
-        <p:txBody>
-          <a:bodyPr wrap="square" rtlCol="0">
-            <a:spAutoFit/>
-          </a:bodyPr>
+      <p:sp>
+        <p:nvSpPr>
+          <p:cNvPr id="2" name="Title 1">
+            <a:extLst>
+              <a:ext uri="{FF2B5EF4-FFF2-40B4-BE49-F238E27FC236}">
+                <a16:creationId xmlns:a16="http://schemas.microsoft.com/office/drawing/2014/main" id="{E15F9192-5008-E394-9850-E38449AA9526}"/>
+              </a:ext>
+            </a:extLst>
+          </p:cNvPr>
+          <p:cNvSpPr>
+            <a:spLocks noGrp="1"/>
+          </p:cNvSpPr>
+          <p:nvPr>
+            <p:ph type="title"/>
+          </p:nvPr>
+        </p:nvSpPr>
+        <p:spPr/>
+        <p:txBody>
+          <a:bodyPr/>
           <a:lstStyle/>
           <a:p>
             <a:r>
               <a:rPr lang="en-US" dirty="0"/>
-              <a:t>	5		4		3</a:t>
-            </a:r>
-          </a:p>
-        </p:txBody>
-      </p:sp>
-      <p:pic>
-        <p:nvPicPr>
-          <p:cNvPr id="3" name="Picture 2">
-            <a:extLst>
-              <a:ext uri="{FF2B5EF4-FFF2-40B4-BE49-F238E27FC236}">
-                <a16:creationId xmlns:a16="http://schemas.microsoft.com/office/drawing/2014/main" id="{74067708-7F51-9E2A-08AD-82506169B853}"/>
-              </a:ext>
-            </a:extLst>
-          </p:cNvPr>
-          <p:cNvPicPr>
-            <a:picLocks noChangeAspect="1" noChangeArrowheads="1"/>
-          </p:cNvPicPr>
-          <p:nvPr/>
-        </p:nvPicPr>
-        <p:blipFill rotWithShape="1">
-          <a:blip r:embed="rId3">
-            <a:extLst>
-              <a:ext uri="{28A0092B-C50C-407E-A947-70E740481C1C}">
-                <a14:useLocalDpi xmlns:a14="http://schemas.microsoft.com/office/drawing/2010/main" val="0"/>
-              </a:ext>
-            </a:extLst>
-          </a:blip>
-          <a:srcRect l="78457" t="10697" r="10059" b="70656"/>
-          <a:stretch/>
-        </p:blipFill>
-        <p:spPr bwMode="auto">
-          <a:xfrm>
-            <a:off x="10691809" y="220037"/>
-            <a:ext cx="1400176" cy="1083461"/>
-          </a:xfrm>
-          <a:prstGeom prst="rect">
-            <a:avLst/>
-          </a:prstGeom>
-          <a:noFill/>
-          <a:extLst>
-            <a:ext uri="{909E8E84-426E-40DD-AFC4-6F175D3DCCD1}">
-              <a14:hiddenFill xmlns:a14="http://schemas.microsoft.com/office/drawing/2010/main">
-                <a:solidFill>
-                  <a:srgbClr val="FFFFFF"/>
-                </a:solidFill>
-              </a14:hiddenFill>
-            </a:ext>
-          </a:extLst>
-        </p:spPr>
-      </p:pic>
-      <p:sp>
-        <p:nvSpPr>
-          <p:cNvPr id="4" name="TextBox 3">
-            <a:extLst>
-              <a:ext uri="{FF2B5EF4-FFF2-40B4-BE49-F238E27FC236}">
-                <a16:creationId xmlns:a16="http://schemas.microsoft.com/office/drawing/2014/main" id="{1C17BDEC-945B-6F4E-F228-D49F969684D5}"/>
-              </a:ext>
-            </a:extLst>
-          </p:cNvPr>
-          <p:cNvSpPr txBox="1"/>
-          <p:nvPr/>
-        </p:nvSpPr>
-        <p:spPr>
-          <a:xfrm>
-            <a:off x="990717" y="813141"/>
-            <a:ext cx="9841232" cy="369332"/>
-          </a:xfrm>
-          <a:prstGeom prst="rect">
-            <a:avLst/>
-          </a:prstGeom>
-          <a:noFill/>
-        </p:spPr>
-        <p:txBody>
-          <a:bodyPr wrap="square" rtlCol="0">
-            <a:spAutoFit/>
-          </a:bodyPr>
-          <a:lstStyle/>
-          <a:p>
-            <a:r>
-              <a:rPr lang="en-US" dirty="0"/>
-              <a:t>		Reward					          Bandit (old vs new)</a:t>
-            </a:r>
+              <a:t>New Stimuli Generation</a:t>
+            </a:r>
+          </a:p>
+        </p:txBody>
+      </p:sp>
+      <p:sp>
+        <p:nvSpPr>
+          <p:cNvPr id="3" name="Text Placeholder 2">
+            <a:extLst>
+              <a:ext uri="{FF2B5EF4-FFF2-40B4-BE49-F238E27FC236}">
+                <a16:creationId xmlns:a16="http://schemas.microsoft.com/office/drawing/2014/main" id="{785EE8F7-6E2A-A65C-A010-B44392054022}"/>
+              </a:ext>
+            </a:extLst>
+          </p:cNvPr>
+          <p:cNvSpPr>
+            <a:spLocks noGrp="1"/>
+          </p:cNvSpPr>
+          <p:nvPr>
+            <p:ph type="body" idx="1"/>
+          </p:nvPr>
+        </p:nvSpPr>
+        <p:spPr/>
+        <p:txBody>
+          <a:bodyPr/>
+          <a:lstStyle/>
+          <a:p>
+            <a:endParaRPr lang="en-US"/>
           </a:p>
         </p:txBody>
       </p:sp>
     </p:spTree>
     <p:extLst>
       <p:ext uri="{BB962C8B-B14F-4D97-AF65-F5344CB8AC3E}">
-        <p14:creationId xmlns:p14="http://schemas.microsoft.com/office/powerpoint/2010/main" val="1704226866"/>
+        <p14:creationId xmlns:p14="http://schemas.microsoft.com/office/powerpoint/2010/main" val="1981261291"/>
       </p:ext>
     </p:extLst>
   </p:cSld>
@@ -4833,10 +4908,10 @@
       </p:grpSpPr>
       <p:sp>
         <p:nvSpPr>
-          <p:cNvPr id="2" name="Title 1">
-            <a:extLst>
-              <a:ext uri="{FF2B5EF4-FFF2-40B4-BE49-F238E27FC236}">
-                <a16:creationId xmlns:a16="http://schemas.microsoft.com/office/drawing/2014/main" id="{E15F9192-5008-E394-9850-E38449AA9526}"/>
+          <p:cNvPr id="10" name="Title 1">
+            <a:extLst>
+              <a:ext uri="{FF2B5EF4-FFF2-40B4-BE49-F238E27FC236}">
+                <a16:creationId xmlns:a16="http://schemas.microsoft.com/office/drawing/2014/main" id="{4CC68E07-EAC6-DED6-407E-5CFE5E179358}"/>
               </a:ext>
             </a:extLst>
           </p:cNvPr>
@@ -4847,47 +4922,230 @@
             <p:ph type="title"/>
           </p:nvPr>
         </p:nvSpPr>
-        <p:spPr/>
+        <p:spPr>
+          <a:xfrm>
+            <a:off x="838200" y="365125"/>
+            <a:ext cx="10515600" cy="1325563"/>
+          </a:xfrm>
+        </p:spPr>
         <p:txBody>
           <a:bodyPr/>
           <a:lstStyle/>
           <a:p>
             <a:r>
               <a:rPr lang="en-US" dirty="0"/>
-              <a:t>New Stimuli Generation</a:t>
-            </a:r>
-          </a:p>
-        </p:txBody>
-      </p:sp>
-      <p:sp>
-        <p:nvSpPr>
-          <p:cNvPr id="3" name="Text Placeholder 2">
-            <a:extLst>
-              <a:ext uri="{FF2B5EF4-FFF2-40B4-BE49-F238E27FC236}">
-                <a16:creationId xmlns:a16="http://schemas.microsoft.com/office/drawing/2014/main" id="{785EE8F7-6E2A-A65C-A010-B44392054022}"/>
-              </a:ext>
-            </a:extLst>
-          </p:cNvPr>
-          <p:cNvSpPr>
-            <a:spLocks noGrp="1"/>
-          </p:cNvSpPr>
-          <p:nvPr>
-            <p:ph type="body" idx="1"/>
-          </p:nvPr>
-        </p:nvSpPr>
-        <p:spPr/>
-        <p:txBody>
-          <a:bodyPr/>
-          <a:lstStyle/>
-          <a:p>
-            <a:endParaRPr lang="en-US"/>
+              <a:t>Stimuli Occurrences</a:t>
+            </a:r>
+          </a:p>
+        </p:txBody>
+      </p:sp>
+      <p:pic>
+        <p:nvPicPr>
+          <p:cNvPr id="4" name="Picture 3">
+            <a:extLst>
+              <a:ext uri="{FF2B5EF4-FFF2-40B4-BE49-F238E27FC236}">
+                <a16:creationId xmlns:a16="http://schemas.microsoft.com/office/drawing/2014/main" id="{BC18616A-18C2-9A72-D365-96AA445BE67A}"/>
+              </a:ext>
+            </a:extLst>
+          </p:cNvPr>
+          <p:cNvPicPr>
+            <a:picLocks noChangeAspect="1"/>
+          </p:cNvPicPr>
+          <p:nvPr/>
+        </p:nvPicPr>
+        <p:blipFill>
+          <a:blip r:embed="rId2">
+            <a:extLst>
+              <a:ext uri="{28A0092B-C50C-407E-A947-70E740481C1C}">
+                <a14:useLocalDpi xmlns:a14="http://schemas.microsoft.com/office/drawing/2010/main" val="0"/>
+              </a:ext>
+            </a:extLst>
+          </a:blip>
+          <a:srcRect/>
+          <a:stretch/>
+        </p:blipFill>
+        <p:spPr>
+          <a:xfrm>
+            <a:off x="0" y="1956816"/>
+            <a:ext cx="4267200" cy="3200400"/>
+          </a:xfrm>
+          <a:prstGeom prst="rect">
+            <a:avLst/>
+          </a:prstGeom>
+        </p:spPr>
+      </p:pic>
+      <p:pic>
+        <p:nvPicPr>
+          <p:cNvPr id="8" name="Picture 7">
+            <a:extLst>
+              <a:ext uri="{FF2B5EF4-FFF2-40B4-BE49-F238E27FC236}">
+                <a16:creationId xmlns:a16="http://schemas.microsoft.com/office/drawing/2014/main" id="{E14C5A77-3C0E-2251-F70F-14489B2BB1B4}"/>
+              </a:ext>
+            </a:extLst>
+          </p:cNvPr>
+          <p:cNvPicPr>
+            <a:picLocks noChangeAspect="1"/>
+          </p:cNvPicPr>
+          <p:nvPr/>
+        </p:nvPicPr>
+        <p:blipFill>
+          <a:blip r:embed="rId3">
+            <a:extLst>
+              <a:ext uri="{28A0092B-C50C-407E-A947-70E740481C1C}">
+                <a14:useLocalDpi xmlns:a14="http://schemas.microsoft.com/office/drawing/2010/main" val="0"/>
+              </a:ext>
+            </a:extLst>
+          </a:blip>
+          <a:srcRect/>
+          <a:stretch/>
+        </p:blipFill>
+        <p:spPr>
+          <a:xfrm>
+            <a:off x="3959652" y="1956816"/>
+            <a:ext cx="4267200" cy="3200400"/>
+          </a:xfrm>
+          <a:prstGeom prst="rect">
+            <a:avLst/>
+          </a:prstGeom>
+        </p:spPr>
+      </p:pic>
+      <p:pic>
+        <p:nvPicPr>
+          <p:cNvPr id="12" name="Picture 11">
+            <a:extLst>
+              <a:ext uri="{FF2B5EF4-FFF2-40B4-BE49-F238E27FC236}">
+                <a16:creationId xmlns:a16="http://schemas.microsoft.com/office/drawing/2014/main" id="{5FE3E975-3AC8-6549-132E-A6FA4CF0E765}"/>
+              </a:ext>
+            </a:extLst>
+          </p:cNvPr>
+          <p:cNvPicPr>
+            <a:picLocks noChangeAspect="1"/>
+          </p:cNvPicPr>
+          <p:nvPr/>
+        </p:nvPicPr>
+        <p:blipFill>
+          <a:blip r:embed="rId4">
+            <a:extLst>
+              <a:ext uri="{28A0092B-C50C-407E-A947-70E740481C1C}">
+                <a14:useLocalDpi xmlns:a14="http://schemas.microsoft.com/office/drawing/2010/main" val="0"/>
+              </a:ext>
+            </a:extLst>
+          </a:blip>
+          <a:srcRect/>
+          <a:stretch/>
+        </p:blipFill>
+        <p:spPr>
+          <a:xfrm>
+            <a:off x="7919304" y="1956816"/>
+            <a:ext cx="4267200" cy="3200400"/>
+          </a:xfrm>
+          <a:prstGeom prst="rect">
+            <a:avLst/>
+          </a:prstGeom>
+        </p:spPr>
+      </p:pic>
+      <p:sp>
+        <p:nvSpPr>
+          <p:cNvPr id="13" name="TextBox 12">
+            <a:extLst>
+              <a:ext uri="{FF2B5EF4-FFF2-40B4-BE49-F238E27FC236}">
+                <a16:creationId xmlns:a16="http://schemas.microsoft.com/office/drawing/2014/main" id="{82879084-0645-4C23-DF26-B5D4003226BE}"/>
+              </a:ext>
+            </a:extLst>
+          </p:cNvPr>
+          <p:cNvSpPr txBox="1"/>
+          <p:nvPr/>
+        </p:nvSpPr>
+        <p:spPr>
+          <a:xfrm>
+            <a:off x="372653" y="5584718"/>
+            <a:ext cx="6339232" cy="1200329"/>
+          </a:xfrm>
+          <a:prstGeom prst="rect">
+            <a:avLst/>
+          </a:prstGeom>
+          <a:noFill/>
+        </p:spPr>
+        <p:txBody>
+          <a:bodyPr wrap="square" rtlCol="0">
+            <a:spAutoFit/>
+          </a:bodyPr>
+          <a:lstStyle/>
+          <a:p>
+            <a:r>
+              <a:rPr lang="en-US" dirty="0"/>
+              <a:t>Max all-same: 5% of trials</a:t>
+            </a:r>
+          </a:p>
+          <a:p>
+            <a:r>
+              <a:rPr lang="en-US" b="1" dirty="0"/>
+              <a:t>Unweighted: </a:t>
+            </a:r>
+            <a:r>
+              <a:rPr lang="en-US" b="1" dirty="0" err="1"/>
+              <a:t>Psame</a:t>
+            </a:r>
+            <a:r>
+              <a:rPr lang="en-US" b="1" dirty="0"/>
+              <a:t> = </a:t>
+            </a:r>
+            <a:r>
+              <a:rPr lang="en-US" b="1" dirty="0" err="1"/>
+              <a:t>Pdiff</a:t>
+            </a:r>
+            <a:r>
+              <a:rPr lang="en-US" b="1" dirty="0"/>
+              <a:t> =  1/</a:t>
+            </a:r>
+            <a:r>
+              <a:rPr lang="en-US" b="1" dirty="0" err="1"/>
+              <a:t>Ncombos</a:t>
+            </a:r>
+            <a:endParaRPr lang="en-US" b="1" dirty="0"/>
+          </a:p>
+          <a:p>
+            <a:r>
+              <a:rPr lang="en-US" b="1" dirty="0"/>
+              <a:t>Weighted: </a:t>
+            </a:r>
+            <a:r>
+              <a:rPr lang="en-US" b="1" dirty="0" err="1"/>
+              <a:t>Psame</a:t>
+            </a:r>
+            <a:r>
+              <a:rPr lang="en-US" b="1" dirty="0"/>
+              <a:t> = 1/</a:t>
+            </a:r>
+            <a:r>
+              <a:rPr lang="en-US" b="1" dirty="0" err="1"/>
+              <a:t>Nbandits</a:t>
+            </a:r>
+            <a:r>
+              <a:rPr lang="en-US" b="1" dirty="0"/>
+              <a:t>, </a:t>
+            </a:r>
+            <a:r>
+              <a:rPr lang="en-US" b="1" dirty="0" err="1"/>
+              <a:t>Pdiff</a:t>
+            </a:r>
+            <a:r>
+              <a:rPr lang="en-US" b="1" dirty="0"/>
+              <a:t> dependent on num same</a:t>
+            </a:r>
+          </a:p>
+          <a:p>
+            <a:r>
+              <a:rPr lang="en-US" dirty="0"/>
+              <a:t>Ref = 10</a:t>
+            </a:r>
           </a:p>
         </p:txBody>
       </p:sp>
     </p:spTree>
     <p:extLst>
       <p:ext uri="{BB962C8B-B14F-4D97-AF65-F5344CB8AC3E}">
-        <p14:creationId xmlns:p14="http://schemas.microsoft.com/office/powerpoint/2010/main" val="1981261291"/>
+        <p14:creationId xmlns:p14="http://schemas.microsoft.com/office/powerpoint/2010/main" val="992150017"/>
       </p:ext>
     </p:extLst>
   </p:cSld>
@@ -4914,45 +5172,12 @@
           <a:chExt cx="0" cy="0"/>
         </a:xfrm>
       </p:grpSpPr>
-      <p:sp>
-        <p:nvSpPr>
-          <p:cNvPr id="10" name="Title 1">
-            <a:extLst>
-              <a:ext uri="{FF2B5EF4-FFF2-40B4-BE49-F238E27FC236}">
-                <a16:creationId xmlns:a16="http://schemas.microsoft.com/office/drawing/2014/main" id="{4CC68E07-EAC6-DED6-407E-5CFE5E179358}"/>
-              </a:ext>
-            </a:extLst>
-          </p:cNvPr>
-          <p:cNvSpPr>
-            <a:spLocks noGrp="1"/>
-          </p:cNvSpPr>
-          <p:nvPr>
-            <p:ph type="title"/>
-          </p:nvPr>
-        </p:nvSpPr>
-        <p:spPr>
-          <a:xfrm>
-            <a:off x="838200" y="365125"/>
-            <a:ext cx="10515600" cy="1325563"/>
-          </a:xfrm>
-        </p:spPr>
-        <p:txBody>
-          <a:bodyPr/>
-          <a:lstStyle/>
-          <a:p>
-            <a:r>
-              <a:rPr lang="en-US" dirty="0"/>
-              <a:t>Stimuli Occurrences</a:t>
-            </a:r>
-          </a:p>
-        </p:txBody>
-      </p:sp>
       <p:pic>
         <p:nvPicPr>
-          <p:cNvPr id="4" name="Picture 3">
-            <a:extLst>
-              <a:ext uri="{FF2B5EF4-FFF2-40B4-BE49-F238E27FC236}">
-                <a16:creationId xmlns:a16="http://schemas.microsoft.com/office/drawing/2014/main" id="{BC18616A-18C2-9A72-D365-96AA445BE67A}"/>
+          <p:cNvPr id="15" name="Picture 14" descr="Timeline&#10;&#10;Description automatically generated with low confidence">
+            <a:extLst>
+              <a:ext uri="{FF2B5EF4-FFF2-40B4-BE49-F238E27FC236}">
+                <a16:creationId xmlns:a16="http://schemas.microsoft.com/office/drawing/2014/main" id="{79C831D1-CEA3-40F2-9F03-B7784AB8F7CB}"/>
               </a:ext>
             </a:extLst>
           </p:cNvPr>
@@ -4961,21 +5186,31 @@
           </p:cNvPicPr>
           <p:nvPr/>
         </p:nvPicPr>
-        <p:blipFill>
-          <a:blip r:embed="rId2">
+        <p:blipFill rotWithShape="1">
+          <a:blip r:embed="rId3">
+            <a:clrChange>
+              <a:clrFrom>
+                <a:srgbClr val="FFFFFF"/>
+              </a:clrFrom>
+              <a:clrTo>
+                <a:srgbClr val="FFFFFF">
+                  <a:alpha val="0"/>
+                </a:srgbClr>
+              </a:clrTo>
+            </a:clrChange>
             <a:extLst>
               <a:ext uri="{28A0092B-C50C-407E-A947-70E740481C1C}">
                 <a14:useLocalDpi xmlns:a14="http://schemas.microsoft.com/office/drawing/2010/main" val="0"/>
               </a:ext>
             </a:extLst>
           </a:blip>
-          <a:srcRect/>
+          <a:srcRect t="22811"/>
           <a:stretch/>
         </p:blipFill>
         <p:spPr>
           <a:xfrm>
-            <a:off x="0" y="1956816"/>
-            <a:ext cx="4267200" cy="3200400"/>
+            <a:off x="1524000" y="4706726"/>
+            <a:ext cx="9144000" cy="2065911"/>
           </a:xfrm>
           <a:prstGeom prst="rect">
             <a:avLst/>
@@ -4984,10 +5219,10 @@
       </p:pic>
       <p:pic>
         <p:nvPicPr>
-          <p:cNvPr id="8" name="Picture 7">
-            <a:extLst>
-              <a:ext uri="{FF2B5EF4-FFF2-40B4-BE49-F238E27FC236}">
-                <a16:creationId xmlns:a16="http://schemas.microsoft.com/office/drawing/2014/main" id="{E14C5A77-3C0E-2251-F70F-14489B2BB1B4}"/>
+          <p:cNvPr id="5" name="Picture 4" descr="Chart, histogram&#10;&#10;Description automatically generated">
+            <a:extLst>
+              <a:ext uri="{FF2B5EF4-FFF2-40B4-BE49-F238E27FC236}">
+                <a16:creationId xmlns:a16="http://schemas.microsoft.com/office/drawing/2014/main" id="{62B2B97D-3225-C0AD-FE11-9A80C3B93B27}"/>
               </a:ext>
             </a:extLst>
           </p:cNvPr>
@@ -4996,21 +5231,31 @@
           </p:cNvPicPr>
           <p:nvPr/>
         </p:nvPicPr>
-        <p:blipFill>
-          <a:blip r:embed="rId3">
+        <p:blipFill rotWithShape="1">
+          <a:blip r:embed="rId4">
+            <a:clrChange>
+              <a:clrFrom>
+                <a:srgbClr val="FFFFFF"/>
+              </a:clrFrom>
+              <a:clrTo>
+                <a:srgbClr val="FFFFFF">
+                  <a:alpha val="0"/>
+                </a:srgbClr>
+              </a:clrTo>
+            </a:clrChange>
             <a:extLst>
               <a:ext uri="{28A0092B-C50C-407E-A947-70E740481C1C}">
                 <a14:useLocalDpi xmlns:a14="http://schemas.microsoft.com/office/drawing/2010/main" val="0"/>
               </a:ext>
             </a:extLst>
           </a:blip>
-          <a:srcRect/>
+          <a:srcRect t="14902"/>
           <a:stretch/>
         </p:blipFill>
         <p:spPr>
           <a:xfrm>
-            <a:off x="3959652" y="1956816"/>
-            <a:ext cx="4267200" cy="3200400"/>
+            <a:off x="1524000" y="221544"/>
+            <a:ext cx="9144000" cy="2265723"/>
           </a:xfrm>
           <a:prstGeom prst="rect">
             <a:avLst/>
@@ -5019,10 +5264,10 @@
       </p:pic>
       <p:pic>
         <p:nvPicPr>
-          <p:cNvPr id="12" name="Picture 11">
-            <a:extLst>
-              <a:ext uri="{FF2B5EF4-FFF2-40B4-BE49-F238E27FC236}">
-                <a16:creationId xmlns:a16="http://schemas.microsoft.com/office/drawing/2014/main" id="{5FE3E975-3AC8-6549-132E-A6FA4CF0E765}"/>
+          <p:cNvPr id="7" name="Picture 6" descr="Chart&#10;&#10;Description automatically generated">
+            <a:extLst>
+              <a:ext uri="{FF2B5EF4-FFF2-40B4-BE49-F238E27FC236}">
+                <a16:creationId xmlns:a16="http://schemas.microsoft.com/office/drawing/2014/main" id="{02E160B4-CCE9-F9FF-8830-0FACA5E11093}"/>
               </a:ext>
             </a:extLst>
           </p:cNvPr>
@@ -5031,129 +5276,176 @@
           </p:cNvPicPr>
           <p:nvPr/>
         </p:nvPicPr>
-        <p:blipFill>
-          <a:blip r:embed="rId4">
+        <p:blipFill rotWithShape="1">
+          <a:blip r:embed="rId5">
+            <a:clrChange>
+              <a:clrFrom>
+                <a:srgbClr val="FFFFFF"/>
+              </a:clrFrom>
+              <a:clrTo>
+                <a:srgbClr val="FFFFFF">
+                  <a:alpha val="0"/>
+                </a:srgbClr>
+              </a:clrTo>
+            </a:clrChange>
             <a:extLst>
               <a:ext uri="{28A0092B-C50C-407E-A947-70E740481C1C}">
                 <a14:useLocalDpi xmlns:a14="http://schemas.microsoft.com/office/drawing/2010/main" val="0"/>
               </a:ext>
             </a:extLst>
           </a:blip>
-          <a:srcRect/>
+          <a:srcRect t="22473"/>
           <a:stretch/>
         </p:blipFill>
         <p:spPr>
           <a:xfrm>
-            <a:off x="7919304" y="1956816"/>
-            <a:ext cx="4267200" cy="3200400"/>
+            <a:off x="1524000" y="2506935"/>
+            <a:ext cx="9144000" cy="2065911"/>
           </a:xfrm>
           <a:prstGeom prst="rect">
             <a:avLst/>
           </a:prstGeom>
         </p:spPr>
       </p:pic>
-      <p:sp>
-        <p:nvSpPr>
-          <p:cNvPr id="13" name="TextBox 12">
-            <a:extLst>
-              <a:ext uri="{FF2B5EF4-FFF2-40B4-BE49-F238E27FC236}">
-                <a16:creationId xmlns:a16="http://schemas.microsoft.com/office/drawing/2014/main" id="{82879084-0645-4C23-DF26-B5D4003226BE}"/>
-              </a:ext>
-            </a:extLst>
-          </p:cNvPr>
-          <p:cNvSpPr txBox="1"/>
+      <p:pic>
+        <p:nvPicPr>
+          <p:cNvPr id="11" name="Picture 10" descr="Chart, histogram&#10;&#10;Description automatically generated">
+            <a:extLst>
+              <a:ext uri="{FF2B5EF4-FFF2-40B4-BE49-F238E27FC236}">
+                <a16:creationId xmlns:a16="http://schemas.microsoft.com/office/drawing/2014/main" id="{3D30C6AE-6F50-2DDA-DED4-454F0370F720}"/>
+              </a:ext>
+            </a:extLst>
+          </p:cNvPr>
+          <p:cNvPicPr>
+            <a:picLocks noChangeAspect="1"/>
+          </p:cNvPicPr>
           <p:nvPr/>
-        </p:nvSpPr>
-        <p:spPr>
-          <a:xfrm>
-            <a:off x="372653" y="5584718"/>
-            <a:ext cx="6339232" cy="1200329"/>
-          </a:xfrm>
-          <a:prstGeom prst="rect">
-            <a:avLst/>
-          </a:prstGeom>
-          <a:noFill/>
-        </p:spPr>
-        <p:txBody>
-          <a:bodyPr wrap="square" rtlCol="0">
-            <a:spAutoFit/>
-          </a:bodyPr>
-          <a:lstStyle/>
-          <a:p>
-            <a:r>
-              <a:rPr lang="en-US" dirty="0"/>
-              <a:t>Max all-same: 5% of trials</a:t>
-            </a:r>
-          </a:p>
-          <a:p>
-            <a:r>
-              <a:rPr lang="en-US" b="1" dirty="0"/>
-              <a:t>Unweighted: </a:t>
-            </a:r>
-            <a:r>
-              <a:rPr lang="en-US" b="1" dirty="0" err="1"/>
-              <a:t>Psame</a:t>
-            </a:r>
-            <a:r>
-              <a:rPr lang="en-US" b="1" dirty="0"/>
-              <a:t> = </a:t>
-            </a:r>
-            <a:r>
-              <a:rPr lang="en-US" b="1" dirty="0" err="1"/>
-              <a:t>Pdiff</a:t>
-            </a:r>
-            <a:r>
-              <a:rPr lang="en-US" b="1" dirty="0"/>
-              <a:t> =  1/</a:t>
-            </a:r>
-            <a:r>
-              <a:rPr lang="en-US" b="1" dirty="0" err="1"/>
-              <a:t>Ncombos</a:t>
-            </a:r>
-            <a:endParaRPr lang="en-US" b="1" dirty="0"/>
-          </a:p>
-          <a:p>
-            <a:r>
-              <a:rPr lang="en-US" b="1" dirty="0"/>
-              <a:t>Weighted: </a:t>
-            </a:r>
-            <a:r>
-              <a:rPr lang="en-US" b="1" dirty="0" err="1"/>
-              <a:t>Psame</a:t>
-            </a:r>
-            <a:r>
-              <a:rPr lang="en-US" b="1" dirty="0"/>
-              <a:t> = 1/</a:t>
-            </a:r>
-            <a:r>
-              <a:rPr lang="en-US" b="1" dirty="0" err="1"/>
-              <a:t>Nbandits</a:t>
-            </a:r>
-            <a:r>
-              <a:rPr lang="en-US" b="1" dirty="0"/>
-              <a:t>, </a:t>
-            </a:r>
-            <a:r>
-              <a:rPr lang="en-US" b="1" dirty="0" err="1"/>
-              <a:t>Pdiff</a:t>
-            </a:r>
-            <a:r>
-              <a:rPr lang="en-US" b="1" dirty="0"/>
-              <a:t> dependent on num same</a:t>
-            </a:r>
-          </a:p>
-          <a:p>
-            <a:r>
-              <a:rPr lang="en-US" dirty="0"/>
-              <a:t>Ref = 10</a:t>
-            </a:r>
-          </a:p>
-        </p:txBody>
-      </p:sp>
+        </p:nvPicPr>
+        <p:blipFill rotWithShape="1">
+          <a:blip r:embed="rId4">
+            <a:clrChange>
+              <a:clrFrom>
+                <a:srgbClr val="FFFFFF"/>
+              </a:clrFrom>
+              <a:clrTo>
+                <a:srgbClr val="FFFFFF">
+                  <a:alpha val="0"/>
+                </a:srgbClr>
+              </a:clrTo>
+            </a:clrChange>
+            <a:extLst>
+              <a:ext uri="{28A0092B-C50C-407E-A947-70E740481C1C}">
+                <a14:useLocalDpi xmlns:a14="http://schemas.microsoft.com/office/drawing/2010/main" val="0"/>
+              </a:ext>
+            </a:extLst>
+          </a:blip>
+          <a:srcRect l="39479" t="8037" r="36380" b="85838"/>
+          <a:stretch/>
+        </p:blipFill>
+        <p:spPr>
+          <a:xfrm rot="16200000">
+            <a:off x="879298" y="1198764"/>
+            <a:ext cx="2207420" cy="163074"/>
+          </a:xfrm>
+          <a:prstGeom prst="rect">
+            <a:avLst/>
+          </a:prstGeom>
+        </p:spPr>
+      </p:pic>
+      <p:pic>
+        <p:nvPicPr>
+          <p:cNvPr id="12" name="Picture 11" descr="Chart&#10;&#10;Description automatically generated">
+            <a:extLst>
+              <a:ext uri="{FF2B5EF4-FFF2-40B4-BE49-F238E27FC236}">
+                <a16:creationId xmlns:a16="http://schemas.microsoft.com/office/drawing/2014/main" id="{DC8D9033-BE86-7506-5658-07D403589BEF}"/>
+              </a:ext>
+            </a:extLst>
+          </p:cNvPr>
+          <p:cNvPicPr>
+            <a:picLocks noChangeAspect="1"/>
+          </p:cNvPicPr>
+          <p:nvPr/>
+        </p:nvPicPr>
+        <p:blipFill rotWithShape="1">
+          <a:blip r:embed="rId5">
+            <a:clrChange>
+              <a:clrFrom>
+                <a:srgbClr val="FFFFFF"/>
+              </a:clrFrom>
+              <a:clrTo>
+                <a:srgbClr val="FFFFFF">
+                  <a:alpha val="0"/>
+                </a:srgbClr>
+              </a:clrTo>
+            </a:clrChange>
+            <a:extLst>
+              <a:ext uri="{28A0092B-C50C-407E-A947-70E740481C1C}">
+                <a14:useLocalDpi xmlns:a14="http://schemas.microsoft.com/office/drawing/2010/main" val="0"/>
+              </a:ext>
+            </a:extLst>
+          </a:blip>
+          <a:srcRect l="38224" t="9143" r="36858" b="77842"/>
+          <a:stretch/>
+        </p:blipFill>
+        <p:spPr>
+          <a:xfrm rot="16200000">
+            <a:off x="657072" y="3369514"/>
+            <a:ext cx="2278504" cy="346834"/>
+          </a:xfrm>
+          <a:prstGeom prst="rect">
+            <a:avLst/>
+          </a:prstGeom>
+        </p:spPr>
+      </p:pic>
+      <p:pic>
+        <p:nvPicPr>
+          <p:cNvPr id="13" name="Picture 12" descr="Chart, histogram&#10;&#10;Description automatically generated">
+            <a:extLst>
+              <a:ext uri="{FF2B5EF4-FFF2-40B4-BE49-F238E27FC236}">
+                <a16:creationId xmlns:a16="http://schemas.microsoft.com/office/drawing/2014/main" id="{AAE06502-15FC-F5F6-9B59-FF7EA7FAD365}"/>
+              </a:ext>
+            </a:extLst>
+          </p:cNvPr>
+          <p:cNvPicPr>
+            <a:picLocks noChangeAspect="1"/>
+          </p:cNvPicPr>
+          <p:nvPr/>
+        </p:nvPicPr>
+        <p:blipFill rotWithShape="1">
+          <a:blip r:embed="rId6">
+            <a:clrChange>
+              <a:clrFrom>
+                <a:srgbClr val="FFFFFF"/>
+              </a:clrFrom>
+              <a:clrTo>
+                <a:srgbClr val="FFFFFF">
+                  <a:alpha val="0"/>
+                </a:srgbClr>
+              </a:clrTo>
+            </a:clrChange>
+            <a:extLst>
+              <a:ext uri="{28A0092B-C50C-407E-A947-70E740481C1C}">
+                <a14:useLocalDpi xmlns:a14="http://schemas.microsoft.com/office/drawing/2010/main" val="0"/>
+              </a:ext>
+            </a:extLst>
+          </a:blip>
+          <a:srcRect l="42457" t="8068" r="38947" b="78946"/>
+          <a:stretch/>
+        </p:blipFill>
+        <p:spPr>
+          <a:xfrm rot="16200000">
+            <a:off x="946170" y="5421551"/>
+            <a:ext cx="1700311" cy="346833"/>
+          </a:xfrm>
+          <a:prstGeom prst="rect">
+            <a:avLst/>
+          </a:prstGeom>
+        </p:spPr>
+      </p:pic>
     </p:spTree>
     <p:extLst>
       <p:ext uri="{BB962C8B-B14F-4D97-AF65-F5344CB8AC3E}">
-        <p14:creationId xmlns:p14="http://schemas.microsoft.com/office/powerpoint/2010/main" val="992150017"/>
+        <p14:creationId xmlns:p14="http://schemas.microsoft.com/office/powerpoint/2010/main" val="34955882"/>
       </p:ext>
     </p:extLst>
   </p:cSld>
@@ -5182,10 +5474,10 @@
       </p:grpSpPr>
       <p:pic>
         <p:nvPicPr>
-          <p:cNvPr id="15" name="Picture 14" descr="Timeline&#10;&#10;Description automatically generated with low confidence">
-            <a:extLst>
-              <a:ext uri="{FF2B5EF4-FFF2-40B4-BE49-F238E27FC236}">
-                <a16:creationId xmlns:a16="http://schemas.microsoft.com/office/drawing/2014/main" id="{79C831D1-CEA3-40F2-9F03-B7784AB8F7CB}"/>
+          <p:cNvPr id="5" name="Picture 4">
+            <a:extLst>
+              <a:ext uri="{FF2B5EF4-FFF2-40B4-BE49-F238E27FC236}">
+                <a16:creationId xmlns:a16="http://schemas.microsoft.com/office/drawing/2014/main" id="{50FFD33D-D78A-BA4D-0462-84E53321BCB8}"/>
               </a:ext>
             </a:extLst>
           </p:cNvPr>
@@ -5194,43 +5486,176 @@
           </p:cNvPicPr>
           <p:nvPr/>
         </p:nvPicPr>
-        <p:blipFill rotWithShape="1">
+        <p:blipFill>
           <a:blip r:embed="rId3">
-            <a:clrChange>
-              <a:clrFrom>
-                <a:srgbClr val="FFFFFF"/>
-              </a:clrFrom>
-              <a:clrTo>
-                <a:srgbClr val="FFFFFF">
-                  <a:alpha val="0"/>
-                </a:srgbClr>
-              </a:clrTo>
-            </a:clrChange>
             <a:extLst>
               <a:ext uri="{28A0092B-C50C-407E-A947-70E740481C1C}">
                 <a14:useLocalDpi xmlns:a14="http://schemas.microsoft.com/office/drawing/2010/main" val="0"/>
               </a:ext>
             </a:extLst>
           </a:blip>
-          <a:srcRect t="22811"/>
+          <a:srcRect t="4294" b="4294"/>
           <a:stretch/>
         </p:blipFill>
         <p:spPr>
           <a:xfrm>
-            <a:off x="1524000" y="4706726"/>
-            <a:ext cx="9144000" cy="2065911"/>
+            <a:off x="-2" y="1394345"/>
+            <a:ext cx="12192000" cy="5311258"/>
           </a:xfrm>
           <a:prstGeom prst="rect">
             <a:avLst/>
           </a:prstGeom>
         </p:spPr>
       </p:pic>
+      <p:sp>
+        <p:nvSpPr>
+          <p:cNvPr id="8" name="TextBox 7">
+            <a:extLst>
+              <a:ext uri="{FF2B5EF4-FFF2-40B4-BE49-F238E27FC236}">
+                <a16:creationId xmlns:a16="http://schemas.microsoft.com/office/drawing/2014/main" id="{4AE5835C-C2B1-DEF3-9C41-311F614153D2}"/>
+              </a:ext>
+            </a:extLst>
+          </p:cNvPr>
+          <p:cNvSpPr txBox="1"/>
+          <p:nvPr/>
+        </p:nvSpPr>
+        <p:spPr>
+          <a:xfrm rot="16200000">
+            <a:off x="-379155" y="3615812"/>
+            <a:ext cx="1127642" cy="369332"/>
+          </a:xfrm>
+          <a:prstGeom prst="rect">
+            <a:avLst/>
+          </a:prstGeom>
+          <a:noFill/>
+        </p:spPr>
+        <p:txBody>
+          <a:bodyPr wrap="square" rtlCol="0">
+            <a:spAutoFit/>
+          </a:bodyPr>
+          <a:lstStyle/>
+          <a:p>
+            <a:r>
+              <a:rPr lang="en-US" dirty="0" err="1"/>
+              <a:t>Nbandits</a:t>
+            </a:r>
+            <a:endParaRPr lang="en-US" dirty="0"/>
+          </a:p>
+        </p:txBody>
+      </p:sp>
+      <p:sp>
+        <p:nvSpPr>
+          <p:cNvPr id="11" name="TextBox 10">
+            <a:extLst>
+              <a:ext uri="{FF2B5EF4-FFF2-40B4-BE49-F238E27FC236}">
+                <a16:creationId xmlns:a16="http://schemas.microsoft.com/office/drawing/2014/main" id="{F49EDC3E-7669-2675-9AB9-1A594E11A8ED}"/>
+              </a:ext>
+            </a:extLst>
+          </p:cNvPr>
+          <p:cNvSpPr txBox="1"/>
+          <p:nvPr/>
+        </p:nvSpPr>
+        <p:spPr>
+          <a:xfrm>
+            <a:off x="5065246" y="791416"/>
+            <a:ext cx="2061507" cy="369332"/>
+          </a:xfrm>
+          <a:prstGeom prst="rect">
+            <a:avLst/>
+          </a:prstGeom>
+          <a:noFill/>
+        </p:spPr>
+        <p:txBody>
+          <a:bodyPr wrap="square" rtlCol="0">
+            <a:spAutoFit/>
+          </a:bodyPr>
+          <a:lstStyle/>
+          <a:p>
+            <a:pPr algn="ctr"/>
+            <a:r>
+              <a:rPr lang="en-US" dirty="0" err="1"/>
+              <a:t>Ndirections</a:t>
+            </a:r>
+            <a:endParaRPr lang="en-US" dirty="0"/>
+          </a:p>
+        </p:txBody>
+      </p:sp>
+      <p:sp>
+        <p:nvSpPr>
+          <p:cNvPr id="12" name="TextBox 11">
+            <a:extLst>
+              <a:ext uri="{FF2B5EF4-FFF2-40B4-BE49-F238E27FC236}">
+                <a16:creationId xmlns:a16="http://schemas.microsoft.com/office/drawing/2014/main" id="{0F17461B-3C3D-4D1F-4132-279BB735817E}"/>
+              </a:ext>
+            </a:extLst>
+          </p:cNvPr>
+          <p:cNvSpPr txBox="1"/>
+          <p:nvPr/>
+        </p:nvSpPr>
+        <p:spPr>
+          <a:xfrm>
+            <a:off x="1500190" y="1145389"/>
+            <a:ext cx="9808368" cy="382072"/>
+          </a:xfrm>
+          <a:prstGeom prst="rect">
+            <a:avLst/>
+          </a:prstGeom>
+          <a:noFill/>
+        </p:spPr>
+        <p:txBody>
+          <a:bodyPr wrap="square" rtlCol="0">
+            <a:spAutoFit/>
+          </a:bodyPr>
+          <a:lstStyle/>
+          <a:p>
+            <a:r>
+              <a:rPr lang="en-US" dirty="0"/>
+              <a:t>	2				3				4</a:t>
+            </a:r>
+          </a:p>
+        </p:txBody>
+      </p:sp>
+      <p:sp>
+        <p:nvSpPr>
+          <p:cNvPr id="13" name="TextBox 12">
+            <a:extLst>
+              <a:ext uri="{FF2B5EF4-FFF2-40B4-BE49-F238E27FC236}">
+                <a16:creationId xmlns:a16="http://schemas.microsoft.com/office/drawing/2014/main" id="{9DFFD345-DDD3-D77A-CDB4-BADB19806CA6}"/>
+              </a:ext>
+            </a:extLst>
+          </p:cNvPr>
+          <p:cNvSpPr txBox="1"/>
+          <p:nvPr/>
+        </p:nvSpPr>
+        <p:spPr>
+          <a:xfrm rot="16200000">
+            <a:off x="-1844576" y="3813992"/>
+            <a:ext cx="5311258" cy="369332"/>
+          </a:xfrm>
+          <a:prstGeom prst="rect">
+            <a:avLst/>
+          </a:prstGeom>
+          <a:noFill/>
+        </p:spPr>
+        <p:txBody>
+          <a:bodyPr wrap="square" rtlCol="0">
+            <a:spAutoFit/>
+          </a:bodyPr>
+          <a:lstStyle/>
+          <a:p>
+            <a:r>
+              <a:rPr lang="en-US" dirty="0"/>
+              <a:t>	5		4		3</a:t>
+            </a:r>
+          </a:p>
+        </p:txBody>
+      </p:sp>
       <p:pic>
         <p:nvPicPr>
-          <p:cNvPr id="5" name="Picture 4" descr="Chart, histogram&#10;&#10;Description automatically generated">
-            <a:extLst>
-              <a:ext uri="{FF2B5EF4-FFF2-40B4-BE49-F238E27FC236}">
-                <a16:creationId xmlns:a16="http://schemas.microsoft.com/office/drawing/2014/main" id="{62B2B97D-3225-C0AD-FE11-9A80C3B93B27}"/>
+          <p:cNvPr id="14" name="Picture 13" descr="Diagram&#10;&#10;Description automatically generated">
+            <a:extLst>
+              <a:ext uri="{FF2B5EF4-FFF2-40B4-BE49-F238E27FC236}">
+                <a16:creationId xmlns:a16="http://schemas.microsoft.com/office/drawing/2014/main" id="{85131E2A-6EAB-1A6C-5B78-64848A72C1DF}"/>
               </a:ext>
             </a:extLst>
           </p:cNvPr>
@@ -5241,29 +5666,19 @@
         </p:nvPicPr>
         <p:blipFill rotWithShape="1">
           <a:blip r:embed="rId4">
-            <a:clrChange>
-              <a:clrFrom>
-                <a:srgbClr val="FFFFFF"/>
-              </a:clrFrom>
-              <a:clrTo>
-                <a:srgbClr val="FFFFFF">
-                  <a:alpha val="0"/>
-                </a:srgbClr>
-              </a:clrTo>
-            </a:clrChange>
             <a:extLst>
               <a:ext uri="{28A0092B-C50C-407E-A947-70E740481C1C}">
                 <a14:useLocalDpi xmlns:a14="http://schemas.microsoft.com/office/drawing/2010/main" val="0"/>
               </a:ext>
             </a:extLst>
           </a:blip>
-          <a:srcRect t="14902"/>
+          <a:srcRect l="44688" t="778" r="44824" b="91598"/>
           <a:stretch/>
         </p:blipFill>
         <p:spPr>
           <a:xfrm>
-            <a:off x="1524000" y="221544"/>
-            <a:ext cx="9144000" cy="2265723"/>
+            <a:off x="5528070" y="246342"/>
+            <a:ext cx="1278731" cy="442913"/>
           </a:xfrm>
           <a:prstGeom prst="rect">
             <a:avLst/>
@@ -5272,188 +5687,53 @@
       </p:pic>
       <p:pic>
         <p:nvPicPr>
-          <p:cNvPr id="7" name="Picture 6" descr="Chart&#10;&#10;Description automatically generated">
-            <a:extLst>
-              <a:ext uri="{FF2B5EF4-FFF2-40B4-BE49-F238E27FC236}">
-                <a16:creationId xmlns:a16="http://schemas.microsoft.com/office/drawing/2014/main" id="{02E160B4-CCE9-F9FF-8830-0FACA5E11093}"/>
+          <p:cNvPr id="1026" name="Picture 2">
+            <a:extLst>
+              <a:ext uri="{FF2B5EF4-FFF2-40B4-BE49-F238E27FC236}">
+                <a16:creationId xmlns:a16="http://schemas.microsoft.com/office/drawing/2014/main" id="{14F028CA-CADC-779B-ED3E-B7CC5B191AC5}"/>
               </a:ext>
             </a:extLst>
           </p:cNvPr>
           <p:cNvPicPr>
-            <a:picLocks noChangeAspect="1"/>
+            <a:picLocks noChangeAspect="1" noChangeArrowheads="1"/>
           </p:cNvPicPr>
           <p:nvPr/>
         </p:nvPicPr>
         <p:blipFill rotWithShape="1">
           <a:blip r:embed="rId5">
-            <a:clrChange>
-              <a:clrFrom>
-                <a:srgbClr val="FFFFFF"/>
-              </a:clrFrom>
-              <a:clrTo>
-                <a:srgbClr val="FFFFFF">
-                  <a:alpha val="0"/>
-                </a:srgbClr>
-              </a:clrTo>
-            </a:clrChange>
             <a:extLst>
               <a:ext uri="{28A0092B-C50C-407E-A947-70E740481C1C}">
                 <a14:useLocalDpi xmlns:a14="http://schemas.microsoft.com/office/drawing/2010/main" val="0"/>
               </a:ext>
             </a:extLst>
           </a:blip>
-          <a:srcRect t="22473"/>
+          <a:srcRect l="78457" t="10697" r="10059" b="70656"/>
           <a:stretch/>
         </p:blipFill>
-        <p:spPr>
-          <a:xfrm>
-            <a:off x="1524000" y="2506935"/>
-            <a:ext cx="9144000" cy="2065911"/>
-          </a:xfrm>
-          <a:prstGeom prst="rect">
-            <a:avLst/>
-          </a:prstGeom>
-        </p:spPr>
-      </p:pic>
-      <p:pic>
-        <p:nvPicPr>
-          <p:cNvPr id="11" name="Picture 10" descr="Chart, histogram&#10;&#10;Description automatically generated">
-            <a:extLst>
-              <a:ext uri="{FF2B5EF4-FFF2-40B4-BE49-F238E27FC236}">
-                <a16:creationId xmlns:a16="http://schemas.microsoft.com/office/drawing/2014/main" id="{3D30C6AE-6F50-2DDA-DED4-454F0370F720}"/>
-              </a:ext>
-            </a:extLst>
-          </p:cNvPr>
-          <p:cNvPicPr>
-            <a:picLocks noChangeAspect="1"/>
-          </p:cNvPicPr>
-          <p:nvPr/>
-        </p:nvPicPr>
-        <p:blipFill rotWithShape="1">
-          <a:blip r:embed="rId4">
-            <a:clrChange>
-              <a:clrFrom>
-                <a:srgbClr val="FFFFFF"/>
-              </a:clrFrom>
-              <a:clrTo>
-                <a:srgbClr val="FFFFFF">
-                  <a:alpha val="0"/>
-                </a:srgbClr>
-              </a:clrTo>
-            </a:clrChange>
-            <a:extLst>
-              <a:ext uri="{28A0092B-C50C-407E-A947-70E740481C1C}">
-                <a14:useLocalDpi xmlns:a14="http://schemas.microsoft.com/office/drawing/2010/main" val="0"/>
-              </a:ext>
-            </a:extLst>
-          </a:blip>
-          <a:srcRect l="39479" t="8037" r="36380" b="85838"/>
-          <a:stretch/>
-        </p:blipFill>
-        <p:spPr>
-          <a:xfrm rot="16200000">
-            <a:off x="879298" y="1198764"/>
-            <a:ext cx="2207420" cy="163074"/>
-          </a:xfrm>
-          <a:prstGeom prst="rect">
-            <a:avLst/>
-          </a:prstGeom>
-        </p:spPr>
-      </p:pic>
-      <p:pic>
-        <p:nvPicPr>
-          <p:cNvPr id="12" name="Picture 11" descr="Chart&#10;&#10;Description automatically generated">
-            <a:extLst>
-              <a:ext uri="{FF2B5EF4-FFF2-40B4-BE49-F238E27FC236}">
-                <a16:creationId xmlns:a16="http://schemas.microsoft.com/office/drawing/2014/main" id="{DC8D9033-BE86-7506-5658-07D403589BEF}"/>
-              </a:ext>
-            </a:extLst>
-          </p:cNvPr>
-          <p:cNvPicPr>
-            <a:picLocks noChangeAspect="1"/>
-          </p:cNvPicPr>
-          <p:nvPr/>
-        </p:nvPicPr>
-        <p:blipFill rotWithShape="1">
-          <a:blip r:embed="rId5">
-            <a:clrChange>
-              <a:clrFrom>
-                <a:srgbClr val="FFFFFF"/>
-              </a:clrFrom>
-              <a:clrTo>
-                <a:srgbClr val="FFFFFF">
-                  <a:alpha val="0"/>
-                </a:srgbClr>
-              </a:clrTo>
-            </a:clrChange>
-            <a:extLst>
-              <a:ext uri="{28A0092B-C50C-407E-A947-70E740481C1C}">
-                <a14:useLocalDpi xmlns:a14="http://schemas.microsoft.com/office/drawing/2010/main" val="0"/>
-              </a:ext>
-            </a:extLst>
-          </a:blip>
-          <a:srcRect l="38224" t="9143" r="36858" b="77842"/>
-          <a:stretch/>
-        </p:blipFill>
-        <p:spPr>
-          <a:xfrm rot="16200000">
-            <a:off x="657072" y="3369514"/>
-            <a:ext cx="2278504" cy="346834"/>
-          </a:xfrm>
-          <a:prstGeom prst="rect">
-            <a:avLst/>
-          </a:prstGeom>
-        </p:spPr>
-      </p:pic>
-      <p:pic>
-        <p:nvPicPr>
-          <p:cNvPr id="13" name="Picture 12" descr="Chart, histogram&#10;&#10;Description automatically generated">
-            <a:extLst>
-              <a:ext uri="{FF2B5EF4-FFF2-40B4-BE49-F238E27FC236}">
-                <a16:creationId xmlns:a16="http://schemas.microsoft.com/office/drawing/2014/main" id="{AAE06502-15FC-F5F6-9B59-FF7EA7FAD365}"/>
-              </a:ext>
-            </a:extLst>
-          </p:cNvPr>
-          <p:cNvPicPr>
-            <a:picLocks noChangeAspect="1"/>
-          </p:cNvPicPr>
-          <p:nvPr/>
-        </p:nvPicPr>
-        <p:blipFill rotWithShape="1">
-          <a:blip r:embed="rId6">
-            <a:clrChange>
-              <a:clrFrom>
-                <a:srgbClr val="FFFFFF"/>
-              </a:clrFrom>
-              <a:clrTo>
-                <a:srgbClr val="FFFFFF">
-                  <a:alpha val="0"/>
-                </a:srgbClr>
-              </a:clrTo>
-            </a:clrChange>
-            <a:extLst>
-              <a:ext uri="{28A0092B-C50C-407E-A947-70E740481C1C}">
-                <a14:useLocalDpi xmlns:a14="http://schemas.microsoft.com/office/drawing/2010/main" val="0"/>
-              </a:ext>
-            </a:extLst>
-          </a:blip>
-          <a:srcRect l="42457" t="8068" r="38947" b="78946"/>
-          <a:stretch/>
-        </p:blipFill>
-        <p:spPr>
-          <a:xfrm rot="16200000">
-            <a:off x="946170" y="5421551"/>
-            <a:ext cx="1700311" cy="346833"/>
-          </a:xfrm>
-          <a:prstGeom prst="rect">
-            <a:avLst/>
-          </a:prstGeom>
+        <p:spPr bwMode="auto">
+          <a:xfrm>
+            <a:off x="10691809" y="434351"/>
+            <a:ext cx="1400176" cy="1083461"/>
+          </a:xfrm>
+          <a:prstGeom prst="rect">
+            <a:avLst/>
+          </a:prstGeom>
+          <a:noFill/>
+          <a:extLst>
+            <a:ext uri="{909E8E84-426E-40DD-AFC4-6F175D3DCCD1}">
+              <a14:hiddenFill xmlns:a14="http://schemas.microsoft.com/office/drawing/2010/main">
+                <a:solidFill>
+                  <a:srgbClr val="FFFFFF"/>
+                </a:solidFill>
+              </a14:hiddenFill>
+            </a:ext>
+          </a:extLst>
         </p:spPr>
       </p:pic>
     </p:spTree>
     <p:extLst>
       <p:ext uri="{BB962C8B-B14F-4D97-AF65-F5344CB8AC3E}">
-        <p14:creationId xmlns:p14="http://schemas.microsoft.com/office/powerpoint/2010/main" val="34955882"/>
+        <p14:creationId xmlns:p14="http://schemas.microsoft.com/office/powerpoint/2010/main" val="3033194066"/>
       </p:ext>
     </p:extLst>
   </p:cSld>
@@ -5494,7 +5774,7 @@
           </p:cNvPicPr>
           <p:nvPr/>
         </p:nvPicPr>
-        <p:blipFill>
+        <p:blipFill rotWithShape="1">
           <a:blip r:embed="rId3">
             <a:extLst>
               <a:ext uri="{28A0092B-C50C-407E-A947-70E740481C1C}">
@@ -5502,13 +5782,13 @@
               </a:ext>
             </a:extLst>
           </a:blip>
-          <a:srcRect t="4294" b="4294"/>
+          <a:srcRect t="5979" b="4293"/>
           <a:stretch/>
         </p:blipFill>
         <p:spPr>
           <a:xfrm>
-            <a:off x="-2" y="1394345"/>
-            <a:ext cx="12192000" cy="5311258"/>
+            <a:off x="-1" y="1262909"/>
+            <a:ext cx="12192000" cy="5442694"/>
           </a:xfrm>
           <a:prstGeom prst="rect">
             <a:avLst/>
@@ -5565,7 +5845,7 @@
         </p:nvSpPr>
         <p:spPr>
           <a:xfrm>
-            <a:off x="5065246" y="791416"/>
+            <a:off x="5065245" y="733918"/>
             <a:ext cx="2061507" cy="369332"/>
           </a:xfrm>
           <a:prstGeom prst="rect">
@@ -5602,7 +5882,7 @@
         </p:nvSpPr>
         <p:spPr>
           <a:xfrm>
-            <a:off x="1500190" y="1145389"/>
+            <a:off x="1622107" y="985730"/>
             <a:ext cx="9808368" cy="382072"/>
           </a:xfrm>
           <a:prstGeom prst="rect">
@@ -5673,7 +5953,7 @@
           <p:nvPr/>
         </p:nvPicPr>
         <p:blipFill rotWithShape="1">
-          <a:blip r:embed="rId4">
+          <a:blip r:embed="rId3">
             <a:extLst>
               <a:ext uri="{28A0092B-C50C-407E-A947-70E740481C1C}">
                 <a14:useLocalDpi xmlns:a14="http://schemas.microsoft.com/office/drawing/2010/main" val="0"/>
@@ -5708,7 +5988,7 @@
           <p:nvPr/>
         </p:nvPicPr>
         <p:blipFill rotWithShape="1">
-          <a:blip r:embed="rId5">
+          <a:blip r:embed="rId4">
             <a:extLst>
               <a:ext uri="{28A0092B-C50C-407E-A947-70E740481C1C}">
                 <a14:useLocalDpi xmlns:a14="http://schemas.microsoft.com/office/drawing/2010/main" val="0"/>
@@ -5720,7 +6000,7 @@
         </p:blipFill>
         <p:spPr bwMode="auto">
           <a:xfrm>
-            <a:off x="10691809" y="434351"/>
+            <a:off x="10691810" y="444000"/>
             <a:ext cx="1400176" cy="1083461"/>
           </a:xfrm>
           <a:prstGeom prst="rect">
@@ -5741,7 +6021,7 @@
     </p:spTree>
     <p:extLst>
       <p:ext uri="{BB962C8B-B14F-4D97-AF65-F5344CB8AC3E}">
-        <p14:creationId xmlns:p14="http://schemas.microsoft.com/office/powerpoint/2010/main" val="3033194066"/>
+        <p14:creationId xmlns:p14="http://schemas.microsoft.com/office/powerpoint/2010/main" val="2308017663"/>
       </p:ext>
     </p:extLst>
   </p:cSld>
@@ -5768,294 +6048,6 @@
           <a:chExt cx="0" cy="0"/>
         </a:xfrm>
       </p:grpSpPr>
-      <p:pic>
-        <p:nvPicPr>
-          <p:cNvPr id="5" name="Picture 4">
-            <a:extLst>
-              <a:ext uri="{FF2B5EF4-FFF2-40B4-BE49-F238E27FC236}">
-                <a16:creationId xmlns:a16="http://schemas.microsoft.com/office/drawing/2014/main" id="{50FFD33D-D78A-BA4D-0462-84E53321BCB8}"/>
-              </a:ext>
-            </a:extLst>
-          </p:cNvPr>
-          <p:cNvPicPr>
-            <a:picLocks noChangeAspect="1"/>
-          </p:cNvPicPr>
-          <p:nvPr/>
-        </p:nvPicPr>
-        <p:blipFill rotWithShape="1">
-          <a:blip r:embed="rId3">
-            <a:extLst>
-              <a:ext uri="{28A0092B-C50C-407E-A947-70E740481C1C}">
-                <a14:useLocalDpi xmlns:a14="http://schemas.microsoft.com/office/drawing/2010/main" val="0"/>
-              </a:ext>
-            </a:extLst>
-          </a:blip>
-          <a:srcRect t="5979" b="4293"/>
-          <a:stretch/>
-        </p:blipFill>
-        <p:spPr>
-          <a:xfrm>
-            <a:off x="-1" y="1262909"/>
-            <a:ext cx="12192000" cy="5442694"/>
-          </a:xfrm>
-          <a:prstGeom prst="rect">
-            <a:avLst/>
-          </a:prstGeom>
-        </p:spPr>
-      </p:pic>
-      <p:sp>
-        <p:nvSpPr>
-          <p:cNvPr id="8" name="TextBox 7">
-            <a:extLst>
-              <a:ext uri="{FF2B5EF4-FFF2-40B4-BE49-F238E27FC236}">
-                <a16:creationId xmlns:a16="http://schemas.microsoft.com/office/drawing/2014/main" id="{4AE5835C-C2B1-DEF3-9C41-311F614153D2}"/>
-              </a:ext>
-            </a:extLst>
-          </p:cNvPr>
-          <p:cNvSpPr txBox="1"/>
-          <p:nvPr/>
-        </p:nvSpPr>
-        <p:spPr>
-          <a:xfrm rot="16200000">
-            <a:off x="-379155" y="3615812"/>
-            <a:ext cx="1127642" cy="369332"/>
-          </a:xfrm>
-          <a:prstGeom prst="rect">
-            <a:avLst/>
-          </a:prstGeom>
-          <a:noFill/>
-        </p:spPr>
-        <p:txBody>
-          <a:bodyPr wrap="square" rtlCol="0">
-            <a:spAutoFit/>
-          </a:bodyPr>
-          <a:lstStyle/>
-          <a:p>
-            <a:r>
-              <a:rPr lang="en-US" dirty="0" err="1"/>
-              <a:t>Nbandits</a:t>
-            </a:r>
-            <a:endParaRPr lang="en-US" dirty="0"/>
-          </a:p>
-        </p:txBody>
-      </p:sp>
-      <p:sp>
-        <p:nvSpPr>
-          <p:cNvPr id="11" name="TextBox 10">
-            <a:extLst>
-              <a:ext uri="{FF2B5EF4-FFF2-40B4-BE49-F238E27FC236}">
-                <a16:creationId xmlns:a16="http://schemas.microsoft.com/office/drawing/2014/main" id="{F49EDC3E-7669-2675-9AB9-1A594E11A8ED}"/>
-              </a:ext>
-            </a:extLst>
-          </p:cNvPr>
-          <p:cNvSpPr txBox="1"/>
-          <p:nvPr/>
-        </p:nvSpPr>
-        <p:spPr>
-          <a:xfrm>
-            <a:off x="5065245" y="733918"/>
-            <a:ext cx="2061507" cy="369332"/>
-          </a:xfrm>
-          <a:prstGeom prst="rect">
-            <a:avLst/>
-          </a:prstGeom>
-          <a:noFill/>
-        </p:spPr>
-        <p:txBody>
-          <a:bodyPr wrap="square" rtlCol="0">
-            <a:spAutoFit/>
-          </a:bodyPr>
-          <a:lstStyle/>
-          <a:p>
-            <a:pPr algn="ctr"/>
-            <a:r>
-              <a:rPr lang="en-US" dirty="0" err="1"/>
-              <a:t>Ndirections</a:t>
-            </a:r>
-            <a:endParaRPr lang="en-US" dirty="0"/>
-          </a:p>
-        </p:txBody>
-      </p:sp>
-      <p:sp>
-        <p:nvSpPr>
-          <p:cNvPr id="12" name="TextBox 11">
-            <a:extLst>
-              <a:ext uri="{FF2B5EF4-FFF2-40B4-BE49-F238E27FC236}">
-                <a16:creationId xmlns:a16="http://schemas.microsoft.com/office/drawing/2014/main" id="{0F17461B-3C3D-4D1F-4132-279BB735817E}"/>
-              </a:ext>
-            </a:extLst>
-          </p:cNvPr>
-          <p:cNvSpPr txBox="1"/>
-          <p:nvPr/>
-        </p:nvSpPr>
-        <p:spPr>
-          <a:xfrm>
-            <a:off x="1622107" y="985730"/>
-            <a:ext cx="9808368" cy="382072"/>
-          </a:xfrm>
-          <a:prstGeom prst="rect">
-            <a:avLst/>
-          </a:prstGeom>
-          <a:noFill/>
-        </p:spPr>
-        <p:txBody>
-          <a:bodyPr wrap="square" rtlCol="0">
-            <a:spAutoFit/>
-          </a:bodyPr>
-          <a:lstStyle/>
-          <a:p>
-            <a:r>
-              <a:rPr lang="en-US" dirty="0"/>
-              <a:t>	2				3				4</a:t>
-            </a:r>
-          </a:p>
-        </p:txBody>
-      </p:sp>
-      <p:sp>
-        <p:nvSpPr>
-          <p:cNvPr id="13" name="TextBox 12">
-            <a:extLst>
-              <a:ext uri="{FF2B5EF4-FFF2-40B4-BE49-F238E27FC236}">
-                <a16:creationId xmlns:a16="http://schemas.microsoft.com/office/drawing/2014/main" id="{9DFFD345-DDD3-D77A-CDB4-BADB19806CA6}"/>
-              </a:ext>
-            </a:extLst>
-          </p:cNvPr>
-          <p:cNvSpPr txBox="1"/>
-          <p:nvPr/>
-        </p:nvSpPr>
-        <p:spPr>
-          <a:xfrm rot="16200000">
-            <a:off x="-1844576" y="3813992"/>
-            <a:ext cx="5311258" cy="369332"/>
-          </a:xfrm>
-          <a:prstGeom prst="rect">
-            <a:avLst/>
-          </a:prstGeom>
-          <a:noFill/>
-        </p:spPr>
-        <p:txBody>
-          <a:bodyPr wrap="square" rtlCol="0">
-            <a:spAutoFit/>
-          </a:bodyPr>
-          <a:lstStyle/>
-          <a:p>
-            <a:r>
-              <a:rPr lang="en-US" dirty="0"/>
-              <a:t>	5		4		3</a:t>
-            </a:r>
-          </a:p>
-        </p:txBody>
-      </p:sp>
-      <p:pic>
-        <p:nvPicPr>
-          <p:cNvPr id="14" name="Picture 13" descr="Diagram&#10;&#10;Description automatically generated">
-            <a:extLst>
-              <a:ext uri="{FF2B5EF4-FFF2-40B4-BE49-F238E27FC236}">
-                <a16:creationId xmlns:a16="http://schemas.microsoft.com/office/drawing/2014/main" id="{85131E2A-6EAB-1A6C-5B78-64848A72C1DF}"/>
-              </a:ext>
-            </a:extLst>
-          </p:cNvPr>
-          <p:cNvPicPr>
-            <a:picLocks noChangeAspect="1"/>
-          </p:cNvPicPr>
-          <p:nvPr/>
-        </p:nvPicPr>
-        <p:blipFill rotWithShape="1">
-          <a:blip r:embed="rId3">
-            <a:extLst>
-              <a:ext uri="{28A0092B-C50C-407E-A947-70E740481C1C}">
-                <a14:useLocalDpi xmlns:a14="http://schemas.microsoft.com/office/drawing/2010/main" val="0"/>
-              </a:ext>
-            </a:extLst>
-          </a:blip>
-          <a:srcRect l="44688" t="778" r="44824" b="91598"/>
-          <a:stretch/>
-        </p:blipFill>
-        <p:spPr>
-          <a:xfrm>
-            <a:off x="5528070" y="246342"/>
-            <a:ext cx="1278731" cy="442913"/>
-          </a:xfrm>
-          <a:prstGeom prst="rect">
-            <a:avLst/>
-          </a:prstGeom>
-        </p:spPr>
-      </p:pic>
-      <p:pic>
-        <p:nvPicPr>
-          <p:cNvPr id="1026" name="Picture 2">
-            <a:extLst>
-              <a:ext uri="{FF2B5EF4-FFF2-40B4-BE49-F238E27FC236}">
-                <a16:creationId xmlns:a16="http://schemas.microsoft.com/office/drawing/2014/main" id="{14F028CA-CADC-779B-ED3E-B7CC5B191AC5}"/>
-              </a:ext>
-            </a:extLst>
-          </p:cNvPr>
-          <p:cNvPicPr>
-            <a:picLocks noChangeAspect="1" noChangeArrowheads="1"/>
-          </p:cNvPicPr>
-          <p:nvPr/>
-        </p:nvPicPr>
-        <p:blipFill rotWithShape="1">
-          <a:blip r:embed="rId4">
-            <a:extLst>
-              <a:ext uri="{28A0092B-C50C-407E-A947-70E740481C1C}">
-                <a14:useLocalDpi xmlns:a14="http://schemas.microsoft.com/office/drawing/2010/main" val="0"/>
-              </a:ext>
-            </a:extLst>
-          </a:blip>
-          <a:srcRect l="78457" t="10697" r="10059" b="70656"/>
-          <a:stretch/>
-        </p:blipFill>
-        <p:spPr bwMode="auto">
-          <a:xfrm>
-            <a:off x="10691810" y="444000"/>
-            <a:ext cx="1400176" cy="1083461"/>
-          </a:xfrm>
-          <a:prstGeom prst="rect">
-            <a:avLst/>
-          </a:prstGeom>
-          <a:noFill/>
-          <a:extLst>
-            <a:ext uri="{909E8E84-426E-40DD-AFC4-6F175D3DCCD1}">
-              <a14:hiddenFill xmlns:a14="http://schemas.microsoft.com/office/drawing/2010/main">
-                <a:solidFill>
-                  <a:srgbClr val="FFFFFF"/>
-                </a:solidFill>
-              </a14:hiddenFill>
-            </a:ext>
-          </a:extLst>
-        </p:spPr>
-      </p:pic>
-    </p:spTree>
-    <p:extLst>
-      <p:ext uri="{BB962C8B-B14F-4D97-AF65-F5344CB8AC3E}">
-        <p14:creationId xmlns:p14="http://schemas.microsoft.com/office/powerpoint/2010/main" val="2308017663"/>
-      </p:ext>
-    </p:extLst>
-  </p:cSld>
-  <p:clrMapOvr>
-    <a:masterClrMapping/>
-  </p:clrMapOvr>
-</p:sld>
-</file>
-
-<file path=ppt/slides/slide17.xml><?xml version="1.0" encoding="utf-8"?>
-<p:sld xmlns:a="http://schemas.openxmlformats.org/drawingml/2006/main" xmlns:r="http://schemas.openxmlformats.org/officeDocument/2006/relationships" xmlns:p="http://schemas.openxmlformats.org/presentationml/2006/main">
-  <p:cSld>
-    <p:spTree>
-      <p:nvGrpSpPr>
-        <p:cNvPr id="1" name=""/>
-        <p:cNvGrpSpPr/>
-        <p:nvPr/>
-      </p:nvGrpSpPr>
-      <p:grpSpPr>
-        <a:xfrm>
-          <a:off x="0" y="0"/>
-          <a:ext cx="0" cy="0"/>
-          <a:chOff x="0" y="0"/>
-          <a:chExt cx="0" cy="0"/>
-        </a:xfrm>
-      </p:grpSpPr>
       <p:sp>
         <p:nvSpPr>
           <p:cNvPr id="2" name="Title 1">
@@ -6122,7 +6114,7 @@
 </p:sld>
 </file>
 
-<file path=ppt/slides/slide18.xml><?xml version="1.0" encoding="utf-8"?>
+<file path=ppt/slides/slide17.xml><?xml version="1.0" encoding="utf-8"?>
 <p:sld xmlns:a="http://schemas.openxmlformats.org/drawingml/2006/main" xmlns:r="http://schemas.openxmlformats.org/officeDocument/2006/relationships" xmlns:p="http://schemas.openxmlformats.org/presentationml/2006/main">
   <p:cSld>
     <p:spTree>
@@ -6444,7 +6436,7 @@
 </p:sld>
 </file>
 
-<file path=ppt/slides/slide19.xml><?xml version="1.0" encoding="utf-8"?>
+<file path=ppt/slides/slide18.xml><?xml version="1.0" encoding="utf-8"?>
 <p:sld xmlns:a="http://schemas.openxmlformats.org/drawingml/2006/main" xmlns:r="http://schemas.openxmlformats.org/officeDocument/2006/relationships" xmlns:p="http://schemas.openxmlformats.org/presentationml/2006/main">
   <p:cSld>
     <p:spTree>
@@ -6642,6 +6634,247 @@
 </p:sld>
 </file>
 
+<file path=ppt/slides/slide19.xml><?xml version="1.0" encoding="utf-8"?>
+<p:sld xmlns:a="http://schemas.openxmlformats.org/drawingml/2006/main" xmlns:r="http://schemas.openxmlformats.org/officeDocument/2006/relationships" xmlns:p="http://schemas.openxmlformats.org/presentationml/2006/main">
+  <p:cSld>
+    <p:spTree>
+      <p:nvGrpSpPr>
+        <p:cNvPr id="1" name=""/>
+        <p:cNvGrpSpPr/>
+        <p:nvPr/>
+      </p:nvGrpSpPr>
+      <p:grpSpPr>
+        <a:xfrm>
+          <a:off x="0" y="0"/>
+          <a:ext cx="0" cy="0"/>
+          <a:chOff x="0" y="0"/>
+          <a:chExt cx="0" cy="0"/>
+        </a:xfrm>
+      </p:grpSpPr>
+      <p:sp>
+        <p:nvSpPr>
+          <p:cNvPr id="2" name="Title 1">
+            <a:extLst>
+              <a:ext uri="{FF2B5EF4-FFF2-40B4-BE49-F238E27FC236}">
+                <a16:creationId xmlns:a16="http://schemas.microsoft.com/office/drawing/2014/main" id="{C07156EA-5353-2101-1526-2A68E5B5C75A}"/>
+              </a:ext>
+            </a:extLst>
+          </p:cNvPr>
+          <p:cNvSpPr>
+            <a:spLocks noGrp="1"/>
+          </p:cNvSpPr>
+          <p:nvPr>
+            <p:ph type="title"/>
+          </p:nvPr>
+        </p:nvSpPr>
+        <p:spPr/>
+        <p:txBody>
+          <a:bodyPr/>
+          <a:lstStyle/>
+          <a:p>
+            <a:r>
+              <a:rPr lang="en-US" dirty="0"/>
+              <a:t>Exponential Examples</a:t>
+            </a:r>
+          </a:p>
+        </p:txBody>
+      </p:sp>
+      <p:sp>
+        <p:nvSpPr>
+          <p:cNvPr id="11" name="TextBox 10">
+            <a:extLst>
+              <a:ext uri="{FF2B5EF4-FFF2-40B4-BE49-F238E27FC236}">
+                <a16:creationId xmlns:a16="http://schemas.microsoft.com/office/drawing/2014/main" id="{934750F2-6581-9CDB-16C8-84A8D8F376C3}"/>
+              </a:ext>
+            </a:extLst>
+          </p:cNvPr>
+          <p:cNvSpPr txBox="1"/>
+          <p:nvPr/>
+        </p:nvSpPr>
+        <p:spPr>
+          <a:xfrm>
+            <a:off x="5049816" y="1133776"/>
+            <a:ext cx="2092368" cy="830997"/>
+          </a:xfrm>
+          <a:prstGeom prst="rect">
+            <a:avLst/>
+          </a:prstGeom>
+          <a:noFill/>
+        </p:spPr>
+        <p:txBody>
+          <a:bodyPr wrap="none" rtlCol="0">
+            <a:spAutoFit/>
+          </a:bodyPr>
+          <a:lstStyle/>
+          <a:p>
+            <a:r>
+              <a:rPr lang="en-US" sz="2400" b="1" dirty="0"/>
+              <a:t>Old Bandit (.)</a:t>
+            </a:r>
+          </a:p>
+          <a:p>
+            <a:r>
+              <a:rPr lang="en-US" sz="2400" b="1" dirty="0"/>
+              <a:t>New Bandit (*)</a:t>
+            </a:r>
+          </a:p>
+        </p:txBody>
+      </p:sp>
+      <p:pic>
+        <p:nvPicPr>
+          <p:cNvPr id="4" name="Picture 3">
+            <a:extLst>
+              <a:ext uri="{FF2B5EF4-FFF2-40B4-BE49-F238E27FC236}">
+                <a16:creationId xmlns:a16="http://schemas.microsoft.com/office/drawing/2014/main" id="{5AC0DA07-1D37-8340-1414-3776056A64C5}"/>
+              </a:ext>
+            </a:extLst>
+          </p:cNvPr>
+          <p:cNvPicPr>
+            <a:picLocks noChangeAspect="1"/>
+          </p:cNvPicPr>
+          <p:nvPr/>
+        </p:nvPicPr>
+        <p:blipFill>
+          <a:blip r:embed="rId3">
+            <a:extLst>
+              <a:ext uri="{28A0092B-C50C-407E-A947-70E740481C1C}">
+                <a14:useLocalDpi xmlns:a14="http://schemas.microsoft.com/office/drawing/2010/main" val="0"/>
+              </a:ext>
+            </a:extLst>
+          </a:blip>
+          <a:srcRect/>
+          <a:stretch/>
+        </p:blipFill>
+        <p:spPr>
+          <a:xfrm>
+            <a:off x="6314113" y="2121412"/>
+            <a:ext cx="4961692" cy="3721269"/>
+          </a:xfrm>
+          <a:prstGeom prst="rect">
+            <a:avLst/>
+          </a:prstGeom>
+        </p:spPr>
+      </p:pic>
+      <p:pic>
+        <p:nvPicPr>
+          <p:cNvPr id="7" name="Picture 6">
+            <a:extLst>
+              <a:ext uri="{FF2B5EF4-FFF2-40B4-BE49-F238E27FC236}">
+                <a16:creationId xmlns:a16="http://schemas.microsoft.com/office/drawing/2014/main" id="{BF725075-2991-A322-E128-EE1FD2A7D07C}"/>
+              </a:ext>
+            </a:extLst>
+          </p:cNvPr>
+          <p:cNvPicPr>
+            <a:picLocks noChangeAspect="1"/>
+          </p:cNvPicPr>
+          <p:nvPr/>
+        </p:nvPicPr>
+        <p:blipFill>
+          <a:blip r:embed="rId4">
+            <a:extLst>
+              <a:ext uri="{28A0092B-C50C-407E-A947-70E740481C1C}">
+                <a14:useLocalDpi xmlns:a14="http://schemas.microsoft.com/office/drawing/2010/main" val="0"/>
+              </a:ext>
+            </a:extLst>
+          </a:blip>
+          <a:srcRect/>
+          <a:stretch/>
+        </p:blipFill>
+        <p:spPr>
+          <a:xfrm>
+            <a:off x="838200" y="2121412"/>
+            <a:ext cx="4961692" cy="3721269"/>
+          </a:xfrm>
+          <a:prstGeom prst="rect">
+            <a:avLst/>
+          </a:prstGeom>
+        </p:spPr>
+      </p:pic>
+      <p:sp>
+        <p:nvSpPr>
+          <p:cNvPr id="8" name="TextBox 7">
+            <a:extLst>
+              <a:ext uri="{FF2B5EF4-FFF2-40B4-BE49-F238E27FC236}">
+                <a16:creationId xmlns:a16="http://schemas.microsoft.com/office/drawing/2014/main" id="{06839791-E5C4-8658-EC06-3958CAB45F4D}"/>
+              </a:ext>
+            </a:extLst>
+          </p:cNvPr>
+          <p:cNvSpPr txBox="1"/>
+          <p:nvPr/>
+        </p:nvSpPr>
+        <p:spPr>
+          <a:xfrm>
+            <a:off x="2223389" y="1797099"/>
+            <a:ext cx="1879134" cy="369332"/>
+          </a:xfrm>
+          <a:prstGeom prst="rect">
+            <a:avLst/>
+          </a:prstGeom>
+          <a:noFill/>
+        </p:spPr>
+        <p:txBody>
+          <a:bodyPr wrap="square" rtlCol="0">
+            <a:spAutoFit/>
+          </a:bodyPr>
+          <a:lstStyle/>
+          <a:p>
+            <a:pPr algn="ctr"/>
+            <a:r>
+              <a:rPr lang="en-US" b="1" dirty="0"/>
+              <a:t>WSLS</a:t>
+            </a:r>
+          </a:p>
+        </p:txBody>
+      </p:sp>
+      <p:sp>
+        <p:nvSpPr>
+          <p:cNvPr id="9" name="TextBox 8">
+            <a:extLst>
+              <a:ext uri="{FF2B5EF4-FFF2-40B4-BE49-F238E27FC236}">
+                <a16:creationId xmlns:a16="http://schemas.microsoft.com/office/drawing/2014/main" id="{644F3287-60E8-17F3-7984-6E4CF8D7FEDC}"/>
+              </a:ext>
+            </a:extLst>
+          </p:cNvPr>
+          <p:cNvSpPr txBox="1"/>
+          <p:nvPr/>
+        </p:nvSpPr>
+        <p:spPr>
+          <a:xfrm>
+            <a:off x="7835213" y="1842117"/>
+            <a:ext cx="1879134" cy="369332"/>
+          </a:xfrm>
+          <a:prstGeom prst="rect">
+            <a:avLst/>
+          </a:prstGeom>
+          <a:noFill/>
+        </p:spPr>
+        <p:txBody>
+          <a:bodyPr wrap="square" rtlCol="0">
+            <a:spAutoFit/>
+          </a:bodyPr>
+          <a:lstStyle/>
+          <a:p>
+            <a:pPr algn="ctr"/>
+            <a:r>
+              <a:rPr lang="en-US" b="1" dirty="0"/>
+              <a:t>Sticky Bayes</a:t>
+            </a:r>
+          </a:p>
+        </p:txBody>
+      </p:sp>
+    </p:spTree>
+    <p:extLst>
+      <p:ext uri="{BB962C8B-B14F-4D97-AF65-F5344CB8AC3E}">
+        <p14:creationId xmlns:p14="http://schemas.microsoft.com/office/powerpoint/2010/main" val="1610269555"/>
+      </p:ext>
+    </p:extLst>
+  </p:cSld>
+  <p:clrMapOvr>
+    <a:masterClrMapping/>
+  </p:clrMapOvr>
+</p:sld>
+</file>
+
 <file path=ppt/slides/slide2.xml><?xml version="1.0" encoding="utf-8"?>
 <p:sld xmlns:a="http://schemas.openxmlformats.org/drawingml/2006/main" xmlns:r="http://schemas.openxmlformats.org/officeDocument/2006/relationships" xmlns:p="http://schemas.openxmlformats.org/presentationml/2006/main">
   <p:cSld>
@@ -6661,10 +6894,10 @@
       </p:grpSpPr>
       <p:pic>
         <p:nvPicPr>
-          <p:cNvPr id="5" name="Picture 4" descr="Diagram&#10;&#10;Description automatically generated">
-            <a:extLst>
-              <a:ext uri="{FF2B5EF4-FFF2-40B4-BE49-F238E27FC236}">
-                <a16:creationId xmlns:a16="http://schemas.microsoft.com/office/drawing/2014/main" id="{50FFD33D-D78A-BA4D-0462-84E53321BCB8}"/>
+          <p:cNvPr id="4" name="Picture 3" descr="Diagram&#10;&#10;Description automatically generated">
+            <a:extLst>
+              <a:ext uri="{FF2B5EF4-FFF2-40B4-BE49-F238E27FC236}">
+                <a16:creationId xmlns:a16="http://schemas.microsoft.com/office/drawing/2014/main" id="{70EA9752-54EC-DE8D-86C7-3883BAFE8EA1}"/>
               </a:ext>
             </a:extLst>
           </p:cNvPr>
@@ -6675,174 +6908,41 @@
         </p:nvPicPr>
         <p:blipFill rotWithShape="1">
           <a:blip r:embed="rId2">
+            <a:clrChange>
+              <a:clrFrom>
+                <a:srgbClr val="FFFFFF"/>
+              </a:clrFrom>
+              <a:clrTo>
+                <a:srgbClr val="FFFFFF">
+                  <a:alpha val="0"/>
+                </a:srgbClr>
+              </a:clrTo>
+            </a:clrChange>
             <a:extLst>
               <a:ext uri="{28A0092B-C50C-407E-A947-70E740481C1C}">
                 <a14:useLocalDpi xmlns:a14="http://schemas.microsoft.com/office/drawing/2010/main" val="0"/>
               </a:ext>
             </a:extLst>
           </a:blip>
-          <a:srcRect t="8588"/>
+          <a:srcRect l="44092" t="1792" r="44239" b="90921"/>
           <a:stretch/>
         </p:blipFill>
         <p:spPr>
           <a:xfrm>
-            <a:off x="-2" y="1394345"/>
-            <a:ext cx="12192000" cy="5311258"/>
+            <a:off x="5456035" y="305285"/>
+            <a:ext cx="1422799" cy="423378"/>
           </a:xfrm>
           <a:prstGeom prst="rect">
             <a:avLst/>
           </a:prstGeom>
         </p:spPr>
       </p:pic>
-      <p:sp>
-        <p:nvSpPr>
-          <p:cNvPr id="8" name="TextBox 7">
-            <a:extLst>
-              <a:ext uri="{FF2B5EF4-FFF2-40B4-BE49-F238E27FC236}">
-                <a16:creationId xmlns:a16="http://schemas.microsoft.com/office/drawing/2014/main" id="{4AE5835C-C2B1-DEF3-9C41-311F614153D2}"/>
-              </a:ext>
-            </a:extLst>
-          </p:cNvPr>
-          <p:cNvSpPr txBox="1"/>
-          <p:nvPr/>
-        </p:nvSpPr>
-        <p:spPr>
-          <a:xfrm rot="16200000">
-            <a:off x="-379155" y="3615812"/>
-            <a:ext cx="1127642" cy="369332"/>
-          </a:xfrm>
-          <a:prstGeom prst="rect">
-            <a:avLst/>
-          </a:prstGeom>
-          <a:noFill/>
-        </p:spPr>
-        <p:txBody>
-          <a:bodyPr wrap="square" rtlCol="0">
-            <a:spAutoFit/>
-          </a:bodyPr>
-          <a:lstStyle/>
-          <a:p>
-            <a:r>
-              <a:rPr lang="en-US" dirty="0" err="1"/>
-              <a:t>Nbandits</a:t>
-            </a:r>
-            <a:endParaRPr lang="en-US" dirty="0"/>
-          </a:p>
-        </p:txBody>
-      </p:sp>
-      <p:sp>
-        <p:nvSpPr>
-          <p:cNvPr id="11" name="TextBox 10">
-            <a:extLst>
-              <a:ext uri="{FF2B5EF4-FFF2-40B4-BE49-F238E27FC236}">
-                <a16:creationId xmlns:a16="http://schemas.microsoft.com/office/drawing/2014/main" id="{F49EDC3E-7669-2675-9AB9-1A594E11A8ED}"/>
-              </a:ext>
-            </a:extLst>
-          </p:cNvPr>
-          <p:cNvSpPr txBox="1"/>
-          <p:nvPr/>
-        </p:nvSpPr>
-        <p:spPr>
-          <a:xfrm>
-            <a:off x="5065246" y="791416"/>
-            <a:ext cx="2061507" cy="369332"/>
-          </a:xfrm>
-          <a:prstGeom prst="rect">
-            <a:avLst/>
-          </a:prstGeom>
-          <a:noFill/>
-        </p:spPr>
-        <p:txBody>
-          <a:bodyPr wrap="square" rtlCol="0">
-            <a:spAutoFit/>
-          </a:bodyPr>
-          <a:lstStyle/>
-          <a:p>
-            <a:pPr algn="ctr"/>
-            <a:r>
-              <a:rPr lang="en-US" dirty="0" err="1"/>
-              <a:t>Ndirections</a:t>
-            </a:r>
-            <a:endParaRPr lang="en-US" dirty="0"/>
-          </a:p>
-        </p:txBody>
-      </p:sp>
-      <p:sp>
-        <p:nvSpPr>
-          <p:cNvPr id="12" name="TextBox 11">
-            <a:extLst>
-              <a:ext uri="{FF2B5EF4-FFF2-40B4-BE49-F238E27FC236}">
-                <a16:creationId xmlns:a16="http://schemas.microsoft.com/office/drawing/2014/main" id="{0F17461B-3C3D-4D1F-4132-279BB735817E}"/>
-              </a:ext>
-            </a:extLst>
-          </p:cNvPr>
-          <p:cNvSpPr txBox="1"/>
-          <p:nvPr/>
-        </p:nvSpPr>
-        <p:spPr>
-          <a:xfrm>
-            <a:off x="1500190" y="1145389"/>
-            <a:ext cx="9808368" cy="382072"/>
-          </a:xfrm>
-          <a:prstGeom prst="rect">
-            <a:avLst/>
-          </a:prstGeom>
-          <a:noFill/>
-        </p:spPr>
-        <p:txBody>
-          <a:bodyPr wrap="square" rtlCol="0">
-            <a:spAutoFit/>
-          </a:bodyPr>
-          <a:lstStyle/>
-          <a:p>
-            <a:r>
-              <a:rPr lang="en-US" dirty="0"/>
-              <a:t>	2				3				4</a:t>
-            </a:r>
-          </a:p>
-        </p:txBody>
-      </p:sp>
-      <p:sp>
-        <p:nvSpPr>
-          <p:cNvPr id="13" name="TextBox 12">
-            <a:extLst>
-              <a:ext uri="{FF2B5EF4-FFF2-40B4-BE49-F238E27FC236}">
-                <a16:creationId xmlns:a16="http://schemas.microsoft.com/office/drawing/2014/main" id="{9DFFD345-DDD3-D77A-CDB4-BADB19806CA6}"/>
-              </a:ext>
-            </a:extLst>
-          </p:cNvPr>
-          <p:cNvSpPr txBox="1"/>
-          <p:nvPr/>
-        </p:nvSpPr>
-        <p:spPr>
-          <a:xfrm rot="16200000">
-            <a:off x="-1844576" y="3813992"/>
-            <a:ext cx="5311258" cy="369332"/>
-          </a:xfrm>
-          <a:prstGeom prst="rect">
-            <a:avLst/>
-          </a:prstGeom>
-          <a:noFill/>
-        </p:spPr>
-        <p:txBody>
-          <a:bodyPr wrap="square" rtlCol="0">
-            <a:spAutoFit/>
-          </a:bodyPr>
-          <a:lstStyle/>
-          <a:p>
-            <a:r>
-              <a:rPr lang="en-US" dirty="0"/>
-              <a:t>	5		4		3</a:t>
-            </a:r>
-          </a:p>
-        </p:txBody>
-      </p:sp>
       <p:pic>
         <p:nvPicPr>
-          <p:cNvPr id="14" name="Picture 13" descr="Diagram&#10;&#10;Description automatically generated">
-            <a:extLst>
-              <a:ext uri="{FF2B5EF4-FFF2-40B4-BE49-F238E27FC236}">
-                <a16:creationId xmlns:a16="http://schemas.microsoft.com/office/drawing/2014/main" id="{85131E2A-6EAB-1A6C-5B78-64848A72C1DF}"/>
+          <p:cNvPr id="3" name="Picture 2" descr="Diagram&#10;&#10;Description automatically generated">
+            <a:extLst>
+              <a:ext uri="{FF2B5EF4-FFF2-40B4-BE49-F238E27FC236}">
+                <a16:creationId xmlns:a16="http://schemas.microsoft.com/office/drawing/2014/main" id="{4078422F-C0D9-FC11-C60A-D59A75953561}"/>
               </a:ext>
             </a:extLst>
           </p:cNvPr>
@@ -6853,31 +6953,184 @@
         </p:nvPicPr>
         <p:blipFill rotWithShape="1">
           <a:blip r:embed="rId2">
+            <a:clrChange>
+              <a:clrFrom>
+                <a:srgbClr val="FFFFFF"/>
+              </a:clrFrom>
+              <a:clrTo>
+                <a:srgbClr val="FFFFFF">
+                  <a:alpha val="0"/>
+                </a:srgbClr>
+              </a:clrTo>
+            </a:clrChange>
             <a:extLst>
               <a:ext uri="{28A0092B-C50C-407E-A947-70E740481C1C}">
                 <a14:useLocalDpi xmlns:a14="http://schemas.microsoft.com/office/drawing/2010/main" val="0"/>
               </a:ext>
             </a:extLst>
           </a:blip>
-          <a:srcRect l="44688" t="778" r="44824" b="91598"/>
+          <a:srcRect t="8587"/>
           <a:stretch/>
         </p:blipFill>
         <p:spPr>
           <a:xfrm>
-            <a:off x="5528070" y="246342"/>
-            <a:ext cx="1278731" cy="442913"/>
+            <a:off x="-2" y="1394346"/>
+            <a:ext cx="12192000" cy="5311257"/>
           </a:xfrm>
           <a:prstGeom prst="rect">
             <a:avLst/>
           </a:prstGeom>
         </p:spPr>
       </p:pic>
+      <p:sp>
+        <p:nvSpPr>
+          <p:cNvPr id="8" name="TextBox 7">
+            <a:extLst>
+              <a:ext uri="{FF2B5EF4-FFF2-40B4-BE49-F238E27FC236}">
+                <a16:creationId xmlns:a16="http://schemas.microsoft.com/office/drawing/2014/main" id="{4AE5835C-C2B1-DEF3-9C41-311F614153D2}"/>
+              </a:ext>
+            </a:extLst>
+          </p:cNvPr>
+          <p:cNvSpPr txBox="1"/>
+          <p:nvPr/>
+        </p:nvSpPr>
+        <p:spPr>
+          <a:xfrm rot="16200000">
+            <a:off x="-379155" y="3615812"/>
+            <a:ext cx="1127642" cy="369332"/>
+          </a:xfrm>
+          <a:prstGeom prst="rect">
+            <a:avLst/>
+          </a:prstGeom>
+          <a:noFill/>
+        </p:spPr>
+        <p:txBody>
+          <a:bodyPr wrap="square" rtlCol="0">
+            <a:spAutoFit/>
+          </a:bodyPr>
+          <a:lstStyle/>
+          <a:p>
+            <a:r>
+              <a:rPr lang="en-US" dirty="0" err="1"/>
+              <a:t>Nbandits</a:t>
+            </a:r>
+            <a:endParaRPr lang="en-US" dirty="0"/>
+          </a:p>
+        </p:txBody>
+      </p:sp>
+      <p:sp>
+        <p:nvSpPr>
+          <p:cNvPr id="11" name="TextBox 10">
+            <a:extLst>
+              <a:ext uri="{FF2B5EF4-FFF2-40B4-BE49-F238E27FC236}">
+                <a16:creationId xmlns:a16="http://schemas.microsoft.com/office/drawing/2014/main" id="{F49EDC3E-7669-2675-9AB9-1A594E11A8ED}"/>
+              </a:ext>
+            </a:extLst>
+          </p:cNvPr>
+          <p:cNvSpPr txBox="1"/>
+          <p:nvPr/>
+        </p:nvSpPr>
+        <p:spPr>
+          <a:xfrm>
+            <a:off x="5065246" y="791416"/>
+            <a:ext cx="2061507" cy="369332"/>
+          </a:xfrm>
+          <a:prstGeom prst="rect">
+            <a:avLst/>
+          </a:prstGeom>
+          <a:noFill/>
+        </p:spPr>
+        <p:txBody>
+          <a:bodyPr wrap="square" rtlCol="0">
+            <a:spAutoFit/>
+          </a:bodyPr>
+          <a:lstStyle/>
+          <a:p>
+            <a:pPr algn="ctr"/>
+            <a:r>
+              <a:rPr lang="en-US" dirty="0" err="1"/>
+              <a:t>Ndirections</a:t>
+            </a:r>
+            <a:endParaRPr lang="en-US" dirty="0"/>
+          </a:p>
+        </p:txBody>
+      </p:sp>
+      <p:sp>
+        <p:nvSpPr>
+          <p:cNvPr id="12" name="TextBox 11">
+            <a:extLst>
+              <a:ext uri="{FF2B5EF4-FFF2-40B4-BE49-F238E27FC236}">
+                <a16:creationId xmlns:a16="http://schemas.microsoft.com/office/drawing/2014/main" id="{0F17461B-3C3D-4D1F-4132-279BB735817E}"/>
+              </a:ext>
+            </a:extLst>
+          </p:cNvPr>
+          <p:cNvSpPr txBox="1"/>
+          <p:nvPr/>
+        </p:nvSpPr>
+        <p:spPr>
+          <a:xfrm>
+            <a:off x="1500190" y="1145389"/>
+            <a:ext cx="9808368" cy="382072"/>
+          </a:xfrm>
+          <a:prstGeom prst="rect">
+            <a:avLst/>
+          </a:prstGeom>
+          <a:noFill/>
+        </p:spPr>
+        <p:txBody>
+          <a:bodyPr wrap="square" rtlCol="0">
+            <a:spAutoFit/>
+          </a:bodyPr>
+          <a:lstStyle/>
+          <a:p>
+            <a:r>
+              <a:rPr lang="en-US" dirty="0"/>
+              <a:t>	2				3				4</a:t>
+            </a:r>
+          </a:p>
+        </p:txBody>
+      </p:sp>
+      <p:sp>
+        <p:nvSpPr>
+          <p:cNvPr id="13" name="TextBox 12">
+            <a:extLst>
+              <a:ext uri="{FF2B5EF4-FFF2-40B4-BE49-F238E27FC236}">
+                <a16:creationId xmlns:a16="http://schemas.microsoft.com/office/drawing/2014/main" id="{9DFFD345-DDD3-D77A-CDB4-BADB19806CA6}"/>
+              </a:ext>
+            </a:extLst>
+          </p:cNvPr>
+          <p:cNvSpPr txBox="1"/>
+          <p:nvPr/>
+        </p:nvSpPr>
+        <p:spPr>
+          <a:xfrm rot="16200000">
+            <a:off x="-1844576" y="3813992"/>
+            <a:ext cx="5311258" cy="369332"/>
+          </a:xfrm>
+          <a:prstGeom prst="rect">
+            <a:avLst/>
+          </a:prstGeom>
+          <a:noFill/>
+        </p:spPr>
+        <p:txBody>
+          <a:bodyPr wrap="square" rtlCol="0">
+            <a:spAutoFit/>
+          </a:bodyPr>
+          <a:lstStyle/>
+          <a:p>
+            <a:r>
+              <a:rPr lang="en-US" dirty="0"/>
+              <a:t>	5		4		3</a:t>
+            </a:r>
+          </a:p>
+        </p:txBody>
+      </p:sp>
       <p:pic>
         <p:nvPicPr>
-          <p:cNvPr id="1026" name="Picture 2">
-            <a:extLst>
-              <a:ext uri="{FF2B5EF4-FFF2-40B4-BE49-F238E27FC236}">
-                <a16:creationId xmlns:a16="http://schemas.microsoft.com/office/drawing/2014/main" id="{14F028CA-CADC-779B-ED3E-B7CC5B191AC5}"/>
+          <p:cNvPr id="7" name="Picture 2">
+            <a:extLst>
+              <a:ext uri="{FF2B5EF4-FFF2-40B4-BE49-F238E27FC236}">
+                <a16:creationId xmlns:a16="http://schemas.microsoft.com/office/drawing/2014/main" id="{AB714D94-EC7E-156B-9F80-80EE6F7E8FCE}"/>
               </a:ext>
             </a:extLst>
           </p:cNvPr>
@@ -6920,7 +7173,7 @@
     </p:spTree>
     <p:extLst>
       <p:ext uri="{BB962C8B-B14F-4D97-AF65-F5344CB8AC3E}">
-        <p14:creationId xmlns:p14="http://schemas.microsoft.com/office/powerpoint/2010/main" val="883006534"/>
+        <p14:creationId xmlns:p14="http://schemas.microsoft.com/office/powerpoint/2010/main" val="366446714"/>
       </p:ext>
     </p:extLst>
   </p:cSld>
@@ -6970,48 +7223,7 @@
           <a:p>
             <a:r>
               <a:rPr lang="en-US" dirty="0"/>
-              <a:t>Exponential Examples</a:t>
-            </a:r>
-          </a:p>
-        </p:txBody>
-      </p:sp>
-      <p:sp>
-        <p:nvSpPr>
-          <p:cNvPr id="11" name="TextBox 10">
-            <a:extLst>
-              <a:ext uri="{FF2B5EF4-FFF2-40B4-BE49-F238E27FC236}">
-                <a16:creationId xmlns:a16="http://schemas.microsoft.com/office/drawing/2014/main" id="{934750F2-6581-9CDB-16C8-84A8D8F376C3}"/>
-              </a:ext>
-            </a:extLst>
-          </p:cNvPr>
-          <p:cNvSpPr txBox="1"/>
-          <p:nvPr/>
-        </p:nvSpPr>
-        <p:spPr>
-          <a:xfrm>
-            <a:off x="5049816" y="1133776"/>
-            <a:ext cx="2092368" cy="830997"/>
-          </a:xfrm>
-          <a:prstGeom prst="rect">
-            <a:avLst/>
-          </a:prstGeom>
-          <a:noFill/>
-        </p:spPr>
-        <p:txBody>
-          <a:bodyPr wrap="none" rtlCol="0">
-            <a:spAutoFit/>
-          </a:bodyPr>
-          <a:lstStyle/>
-          <a:p>
-            <a:r>
-              <a:rPr lang="en-US" sz="2400" b="1" dirty="0"/>
-              <a:t>Old Bandit (.)</a:t>
-            </a:r>
-          </a:p>
-          <a:p>
-            <a:r>
-              <a:rPr lang="en-US" sz="2400" b="1" dirty="0"/>
-              <a:t>New Bandit (*)</a:t>
+              <a:t>Logistic Examples</a:t>
             </a:r>
           </a:p>
         </p:txBody>
@@ -7158,10 +7370,51 @@
           </a:p>
         </p:txBody>
       </p:sp>
+      <p:sp>
+        <p:nvSpPr>
+          <p:cNvPr id="3" name="TextBox 2">
+            <a:extLst>
+              <a:ext uri="{FF2B5EF4-FFF2-40B4-BE49-F238E27FC236}">
+                <a16:creationId xmlns:a16="http://schemas.microsoft.com/office/drawing/2014/main" id="{1975E927-7819-2843-A513-2D5E2E34D54E}"/>
+              </a:ext>
+            </a:extLst>
+          </p:cNvPr>
+          <p:cNvSpPr txBox="1"/>
+          <p:nvPr/>
+        </p:nvSpPr>
+        <p:spPr>
+          <a:xfrm>
+            <a:off x="5049816" y="1133776"/>
+            <a:ext cx="2092368" cy="830997"/>
+          </a:xfrm>
+          <a:prstGeom prst="rect">
+            <a:avLst/>
+          </a:prstGeom>
+          <a:noFill/>
+        </p:spPr>
+        <p:txBody>
+          <a:bodyPr wrap="none" rtlCol="0">
+            <a:spAutoFit/>
+          </a:bodyPr>
+          <a:lstStyle/>
+          <a:p>
+            <a:r>
+              <a:rPr lang="en-US" sz="2400" b="1" dirty="0"/>
+              <a:t>Old Bandit (.)</a:t>
+            </a:r>
+          </a:p>
+          <a:p>
+            <a:r>
+              <a:rPr lang="en-US" sz="2400" b="1" dirty="0"/>
+              <a:t>New Bandit (*)</a:t>
+            </a:r>
+          </a:p>
+        </p:txBody>
+      </p:sp>
     </p:spTree>
     <p:extLst>
       <p:ext uri="{BB962C8B-B14F-4D97-AF65-F5344CB8AC3E}">
-        <p14:creationId xmlns:p14="http://schemas.microsoft.com/office/powerpoint/2010/main" val="1610269555"/>
+        <p14:creationId xmlns:p14="http://schemas.microsoft.com/office/powerpoint/2010/main" val="1282593528"/>
       </p:ext>
     </p:extLst>
   </p:cSld>
@@ -7211,14 +7464,49 @@
           <a:p>
             <a:r>
               <a:rPr lang="en-US" dirty="0"/>
-              <a:t>Logistic Examples</a:t>
+              <a:t>Examples</a:t>
+            </a:r>
+          </a:p>
+        </p:txBody>
+      </p:sp>
+      <p:sp>
+        <p:nvSpPr>
+          <p:cNvPr id="11" name="TextBox 10">
+            <a:extLst>
+              <a:ext uri="{FF2B5EF4-FFF2-40B4-BE49-F238E27FC236}">
+                <a16:creationId xmlns:a16="http://schemas.microsoft.com/office/drawing/2014/main" id="{934750F2-6581-9CDB-16C8-84A8D8F376C3}"/>
+              </a:ext>
+            </a:extLst>
+          </p:cNvPr>
+          <p:cNvSpPr txBox="1"/>
+          <p:nvPr/>
+        </p:nvSpPr>
+        <p:spPr>
+          <a:xfrm>
+            <a:off x="5130273" y="1380452"/>
+            <a:ext cx="1677190" cy="461665"/>
+          </a:xfrm>
+          <a:prstGeom prst="rect">
+            <a:avLst/>
+          </a:prstGeom>
+          <a:noFill/>
+        </p:spPr>
+        <p:txBody>
+          <a:bodyPr wrap="none" rtlCol="0">
+            <a:spAutoFit/>
+          </a:bodyPr>
+          <a:lstStyle/>
+          <a:p>
+            <a:r>
+              <a:rPr lang="en-US" sz="2400" b="1" dirty="0"/>
+              <a:t>New Bandit</a:t>
             </a:r>
           </a:p>
         </p:txBody>
       </p:sp>
       <p:pic>
         <p:nvPicPr>
-          <p:cNvPr id="4" name="Picture 3">
+          <p:cNvPr id="4" name="Picture 3" descr="Chart, scatter chart&#10;&#10;Description automatically generated">
             <a:extLst>
               <a:ext uri="{FF2B5EF4-FFF2-40B4-BE49-F238E27FC236}">
                 <a16:creationId xmlns:a16="http://schemas.microsoft.com/office/drawing/2014/main" id="{5AC0DA07-1D37-8340-1414-3776056A64C5}"/>
@@ -7238,8 +7526,9 @@
               </a:ext>
             </a:extLst>
           </a:blip>
-          <a:srcRect/>
-          <a:stretch/>
+          <a:stretch>
+            <a:fillRect/>
+          </a:stretch>
         </p:blipFill>
         <p:spPr>
           <a:xfrm>
@@ -7253,7 +7542,7 @@
       </p:pic>
       <p:pic>
         <p:nvPicPr>
-          <p:cNvPr id="7" name="Picture 6">
+          <p:cNvPr id="7" name="Picture 6" descr="Chart&#10;&#10;Description automatically generated">
             <a:extLst>
               <a:ext uri="{FF2B5EF4-FFF2-40B4-BE49-F238E27FC236}">
                 <a16:creationId xmlns:a16="http://schemas.microsoft.com/office/drawing/2014/main" id="{BF725075-2991-A322-E128-EE1FD2A7D07C}"/>
@@ -7273,8 +7562,9 @@
               </a:ext>
             </a:extLst>
           </a:blip>
-          <a:srcRect/>
-          <a:stretch/>
+          <a:stretch>
+            <a:fillRect/>
+          </a:stretch>
         </p:blipFill>
         <p:spPr>
           <a:xfrm>
@@ -7300,7 +7590,7 @@
         </p:nvSpPr>
         <p:spPr>
           <a:xfrm>
-            <a:off x="2223389" y="1797099"/>
+            <a:off x="2155971" y="2037522"/>
             <a:ext cx="1879134" cy="369332"/>
           </a:xfrm>
           <a:prstGeom prst="rect">
@@ -7336,7 +7626,7 @@
         </p:nvSpPr>
         <p:spPr>
           <a:xfrm>
-            <a:off x="7835213" y="1842117"/>
+            <a:off x="7855392" y="2037522"/>
             <a:ext cx="1879134" cy="369332"/>
           </a:xfrm>
           <a:prstGeom prst="rect">
@@ -7358,51 +7648,10 @@
           </a:p>
         </p:txBody>
       </p:sp>
-      <p:sp>
-        <p:nvSpPr>
-          <p:cNvPr id="3" name="TextBox 2">
-            <a:extLst>
-              <a:ext uri="{FF2B5EF4-FFF2-40B4-BE49-F238E27FC236}">
-                <a16:creationId xmlns:a16="http://schemas.microsoft.com/office/drawing/2014/main" id="{1975E927-7819-2843-A513-2D5E2E34D54E}"/>
-              </a:ext>
-            </a:extLst>
-          </p:cNvPr>
-          <p:cNvSpPr txBox="1"/>
-          <p:nvPr/>
-        </p:nvSpPr>
-        <p:spPr>
-          <a:xfrm>
-            <a:off x="5049816" y="1133776"/>
-            <a:ext cx="2092368" cy="830997"/>
-          </a:xfrm>
-          <a:prstGeom prst="rect">
-            <a:avLst/>
-          </a:prstGeom>
-          <a:noFill/>
-        </p:spPr>
-        <p:txBody>
-          <a:bodyPr wrap="none" rtlCol="0">
-            <a:spAutoFit/>
-          </a:bodyPr>
-          <a:lstStyle/>
-          <a:p>
-            <a:r>
-              <a:rPr lang="en-US" sz="2400" b="1" dirty="0"/>
-              <a:t>Old Bandit (.)</a:t>
-            </a:r>
-          </a:p>
-          <a:p>
-            <a:r>
-              <a:rPr lang="en-US" sz="2400" b="1" dirty="0"/>
-              <a:t>New Bandit (*)</a:t>
-            </a:r>
-          </a:p>
-        </p:txBody>
-      </p:sp>
     </p:spTree>
     <p:extLst>
       <p:ext uri="{BB962C8B-B14F-4D97-AF65-F5344CB8AC3E}">
-        <p14:creationId xmlns:p14="http://schemas.microsoft.com/office/powerpoint/2010/main" val="1282593528"/>
+        <p14:creationId xmlns:p14="http://schemas.microsoft.com/office/powerpoint/2010/main" val="518108582"/>
       </p:ext>
     </p:extLst>
   </p:cSld>
@@ -7452,17 +7701,17 @@
           <a:p>
             <a:r>
               <a:rPr lang="en-US" dirty="0"/>
-              <a:t>Examples</a:t>
-            </a:r>
-          </a:p>
-        </p:txBody>
-      </p:sp>
-      <p:sp>
-        <p:nvSpPr>
-          <p:cNvPr id="11" name="TextBox 10">
-            <a:extLst>
-              <a:ext uri="{FF2B5EF4-FFF2-40B4-BE49-F238E27FC236}">
-                <a16:creationId xmlns:a16="http://schemas.microsoft.com/office/drawing/2014/main" id="{934750F2-6581-9CDB-16C8-84A8D8F376C3}"/>
+              <a:t>Fitting to curves to exponential- examples</a:t>
+            </a:r>
+          </a:p>
+        </p:txBody>
+      </p:sp>
+      <p:sp>
+        <p:nvSpPr>
+          <p:cNvPr id="6" name="TextBox 5">
+            <a:extLst>
+              <a:ext uri="{FF2B5EF4-FFF2-40B4-BE49-F238E27FC236}">
+                <a16:creationId xmlns:a16="http://schemas.microsoft.com/office/drawing/2014/main" id="{C6308267-709A-BFD0-EBED-98FF16F4C3E0}"/>
               </a:ext>
             </a:extLst>
           </p:cNvPr>
@@ -7471,8 +7720,8 @@
         </p:nvSpPr>
         <p:spPr>
           <a:xfrm>
-            <a:off x="5130273" y="1380452"/>
-            <a:ext cx="1677190" cy="461665"/>
+            <a:off x="1926544" y="1451816"/>
+            <a:ext cx="1155829" cy="461665"/>
           </a:xfrm>
           <a:prstGeom prst="rect">
             <a:avLst/>
@@ -7487,6 +7736,86 @@
           <a:p>
             <a:r>
               <a:rPr lang="en-US" sz="2400" b="1" dirty="0"/>
+              <a:t>Reward</a:t>
+            </a:r>
+            <a:endParaRPr lang="en-US" sz="3200" b="1" dirty="0"/>
+          </a:p>
+        </p:txBody>
+      </p:sp>
+      <p:sp>
+        <p:nvSpPr>
+          <p:cNvPr id="10" name="TextBox 9">
+            <a:extLst>
+              <a:ext uri="{FF2B5EF4-FFF2-40B4-BE49-F238E27FC236}">
+                <a16:creationId xmlns:a16="http://schemas.microsoft.com/office/drawing/2014/main" id="{069B0F33-88FE-18B2-780A-F8652FE32D63}"/>
+              </a:ext>
+            </a:extLst>
+          </p:cNvPr>
+          <p:cNvSpPr txBox="1"/>
+          <p:nvPr/>
+        </p:nvSpPr>
+        <p:spPr>
+          <a:xfrm>
+            <a:off x="4894474" y="1328706"/>
+            <a:ext cx="1564852" cy="584775"/>
+          </a:xfrm>
+          <a:prstGeom prst="rect">
+            <a:avLst/>
+          </a:prstGeom>
+          <a:noFill/>
+        </p:spPr>
+        <p:txBody>
+          <a:bodyPr wrap="none" rtlCol="0">
+            <a:spAutoFit/>
+          </a:bodyPr>
+          <a:lstStyle/>
+          <a:p>
+            <a:r>
+              <a:rPr lang="en-US" sz="2400" b="1" dirty="0"/>
+              <a:t>Old</a:t>
+            </a:r>
+            <a:r>
+              <a:rPr lang="en-US" sz="3200" b="1" dirty="0"/>
+              <a:t> </a:t>
+            </a:r>
+            <a:r>
+              <a:rPr lang="en-US" sz="2400" b="1" dirty="0"/>
+              <a:t>Bandit</a:t>
+            </a:r>
+            <a:endParaRPr lang="en-US" sz="3200" b="1" dirty="0"/>
+          </a:p>
+        </p:txBody>
+      </p:sp>
+      <p:sp>
+        <p:nvSpPr>
+          <p:cNvPr id="11" name="TextBox 10">
+            <a:extLst>
+              <a:ext uri="{FF2B5EF4-FFF2-40B4-BE49-F238E27FC236}">
+                <a16:creationId xmlns:a16="http://schemas.microsoft.com/office/drawing/2014/main" id="{934750F2-6581-9CDB-16C8-84A8D8F376C3}"/>
+              </a:ext>
+            </a:extLst>
+          </p:cNvPr>
+          <p:cNvSpPr txBox="1"/>
+          <p:nvPr/>
+        </p:nvSpPr>
+        <p:spPr>
+          <a:xfrm>
+            <a:off x="8183866" y="1390260"/>
+            <a:ext cx="1677190" cy="461665"/>
+          </a:xfrm>
+          <a:prstGeom prst="rect">
+            <a:avLst/>
+          </a:prstGeom>
+          <a:noFill/>
+        </p:spPr>
+        <p:txBody>
+          <a:bodyPr wrap="none" rtlCol="0">
+            <a:spAutoFit/>
+          </a:bodyPr>
+          <a:lstStyle/>
+          <a:p>
+            <a:r>
+              <a:rPr lang="en-US" sz="2400" b="1" dirty="0"/>
               <a:t>New Bandit</a:t>
             </a:r>
           </a:p>
@@ -7494,10 +7823,10 @@
       </p:sp>
       <p:pic>
         <p:nvPicPr>
-          <p:cNvPr id="4" name="Picture 3" descr="Chart, scatter chart&#10;&#10;Description automatically generated">
-            <a:extLst>
-              <a:ext uri="{FF2B5EF4-FFF2-40B4-BE49-F238E27FC236}">
-                <a16:creationId xmlns:a16="http://schemas.microsoft.com/office/drawing/2014/main" id="{5AC0DA07-1D37-8340-1414-3776056A64C5}"/>
+          <p:cNvPr id="13" name="Picture 12">
+            <a:extLst>
+              <a:ext uri="{FF2B5EF4-FFF2-40B4-BE49-F238E27FC236}">
+                <a16:creationId xmlns:a16="http://schemas.microsoft.com/office/drawing/2014/main" id="{6BA640F8-226D-B171-0466-BE00711F55A2}"/>
               </a:ext>
             </a:extLst>
           </p:cNvPr>
@@ -7506,22 +7835,31 @@
           </p:cNvPicPr>
           <p:nvPr/>
         </p:nvPicPr>
-        <p:blipFill>
-          <a:blip r:embed="rId3">
+        <p:blipFill rotWithShape="1">
+          <a:blip r:embed="rId2">
+            <a:clrChange>
+              <a:clrFrom>
+                <a:srgbClr val="FFFFFF"/>
+              </a:clrFrom>
+              <a:clrTo>
+                <a:srgbClr val="FFFFFF">
+                  <a:alpha val="0"/>
+                </a:srgbClr>
+              </a:clrTo>
+            </a:clrChange>
             <a:extLst>
               <a:ext uri="{28A0092B-C50C-407E-A947-70E740481C1C}">
                 <a14:useLocalDpi xmlns:a14="http://schemas.microsoft.com/office/drawing/2010/main" val="0"/>
               </a:ext>
             </a:extLst>
           </a:blip>
-          <a:stretch>
-            <a:fillRect/>
-          </a:stretch>
+          <a:srcRect t="14545"/>
+          <a:stretch/>
         </p:blipFill>
         <p:spPr>
           <a:xfrm>
-            <a:off x="6314113" y="2121412"/>
-            <a:ext cx="4961692" cy="3721269"/>
+            <a:off x="-210312" y="1911096"/>
+            <a:ext cx="12147198" cy="4946904"/>
           </a:xfrm>
           <a:prstGeom prst="rect">
             <a:avLst/>
@@ -7530,116 +7868,53 @@
       </p:pic>
       <p:pic>
         <p:nvPicPr>
-          <p:cNvPr id="7" name="Picture 6" descr="Chart&#10;&#10;Description automatically generated">
-            <a:extLst>
-              <a:ext uri="{FF2B5EF4-FFF2-40B4-BE49-F238E27FC236}">
-                <a16:creationId xmlns:a16="http://schemas.microsoft.com/office/drawing/2014/main" id="{BF725075-2991-A322-E128-EE1FD2A7D07C}"/>
+          <p:cNvPr id="14" name="Picture 2">
+            <a:extLst>
+              <a:ext uri="{FF2B5EF4-FFF2-40B4-BE49-F238E27FC236}">
+                <a16:creationId xmlns:a16="http://schemas.microsoft.com/office/drawing/2014/main" id="{C222BAA2-4FC7-E394-E545-54B10C2500F5}"/>
               </a:ext>
             </a:extLst>
           </p:cNvPr>
           <p:cNvPicPr>
-            <a:picLocks noChangeAspect="1"/>
+            <a:picLocks noChangeAspect="1" noChangeArrowheads="1"/>
           </p:cNvPicPr>
           <p:nvPr/>
         </p:nvPicPr>
-        <p:blipFill>
-          <a:blip r:embed="rId4">
+        <p:blipFill rotWithShape="1">
+          <a:blip r:embed="rId3">
             <a:extLst>
               <a:ext uri="{28A0092B-C50C-407E-A947-70E740481C1C}">
                 <a14:useLocalDpi xmlns:a14="http://schemas.microsoft.com/office/drawing/2010/main" val="0"/>
               </a:ext>
             </a:extLst>
           </a:blip>
-          <a:stretch>
-            <a:fillRect/>
-          </a:stretch>
+          <a:srcRect l="78457" t="10697" r="10059" b="70656"/>
+          <a:stretch/>
         </p:blipFill>
-        <p:spPr>
-          <a:xfrm>
-            <a:off x="838200" y="2121412"/>
-            <a:ext cx="4961692" cy="3721269"/>
-          </a:xfrm>
-          <a:prstGeom prst="rect">
-            <a:avLst/>
-          </a:prstGeom>
+        <p:spPr bwMode="auto">
+          <a:xfrm>
+            <a:off x="10653712" y="910085"/>
+            <a:ext cx="1400176" cy="1083461"/>
+          </a:xfrm>
+          <a:prstGeom prst="rect">
+            <a:avLst/>
+          </a:prstGeom>
+          <a:noFill/>
+          <a:extLst>
+            <a:ext uri="{909E8E84-426E-40DD-AFC4-6F175D3DCCD1}">
+              <a14:hiddenFill xmlns:a14="http://schemas.microsoft.com/office/drawing/2010/main">
+                <a:solidFill>
+                  <a:srgbClr val="FFFFFF"/>
+                </a:solidFill>
+              </a14:hiddenFill>
+            </a:ext>
+          </a:extLst>
         </p:spPr>
       </p:pic>
-      <p:sp>
-        <p:nvSpPr>
-          <p:cNvPr id="8" name="TextBox 7">
-            <a:extLst>
-              <a:ext uri="{FF2B5EF4-FFF2-40B4-BE49-F238E27FC236}">
-                <a16:creationId xmlns:a16="http://schemas.microsoft.com/office/drawing/2014/main" id="{06839791-E5C4-8658-EC06-3958CAB45F4D}"/>
-              </a:ext>
-            </a:extLst>
-          </p:cNvPr>
-          <p:cNvSpPr txBox="1"/>
-          <p:nvPr/>
-        </p:nvSpPr>
-        <p:spPr>
-          <a:xfrm>
-            <a:off x="2155971" y="2037522"/>
-            <a:ext cx="1879134" cy="369332"/>
-          </a:xfrm>
-          <a:prstGeom prst="rect">
-            <a:avLst/>
-          </a:prstGeom>
-          <a:noFill/>
-        </p:spPr>
-        <p:txBody>
-          <a:bodyPr wrap="square" rtlCol="0">
-            <a:spAutoFit/>
-          </a:bodyPr>
-          <a:lstStyle/>
-          <a:p>
-            <a:pPr algn="ctr"/>
-            <a:r>
-              <a:rPr lang="en-US" b="1" dirty="0"/>
-              <a:t>WSLS</a:t>
-            </a:r>
-          </a:p>
-        </p:txBody>
-      </p:sp>
-      <p:sp>
-        <p:nvSpPr>
-          <p:cNvPr id="9" name="TextBox 8">
-            <a:extLst>
-              <a:ext uri="{FF2B5EF4-FFF2-40B4-BE49-F238E27FC236}">
-                <a16:creationId xmlns:a16="http://schemas.microsoft.com/office/drawing/2014/main" id="{644F3287-60E8-17F3-7984-6E4CF8D7FEDC}"/>
-              </a:ext>
-            </a:extLst>
-          </p:cNvPr>
-          <p:cNvSpPr txBox="1"/>
-          <p:nvPr/>
-        </p:nvSpPr>
-        <p:spPr>
-          <a:xfrm>
-            <a:off x="7855392" y="2037522"/>
-            <a:ext cx="1879134" cy="369332"/>
-          </a:xfrm>
-          <a:prstGeom prst="rect">
-            <a:avLst/>
-          </a:prstGeom>
-          <a:noFill/>
-        </p:spPr>
-        <p:txBody>
-          <a:bodyPr wrap="square" rtlCol="0">
-            <a:spAutoFit/>
-          </a:bodyPr>
-          <a:lstStyle/>
-          <a:p>
-            <a:pPr algn="ctr"/>
-            <a:r>
-              <a:rPr lang="en-US" b="1" dirty="0"/>
-              <a:t>Sticky Bayes</a:t>
-            </a:r>
-          </a:p>
-        </p:txBody>
-      </p:sp>
     </p:spTree>
     <p:extLst>
       <p:ext uri="{BB962C8B-B14F-4D97-AF65-F5344CB8AC3E}">
-        <p14:creationId xmlns:p14="http://schemas.microsoft.com/office/powerpoint/2010/main" val="518108582"/>
+        <p14:creationId xmlns:p14="http://schemas.microsoft.com/office/powerpoint/2010/main" val="2978198117"/>
       </p:ext>
     </p:extLst>
   </p:cSld>
@@ -7689,7 +7964,7 @@
           <a:p>
             <a:r>
               <a:rPr lang="en-US" dirty="0"/>
-              <a:t>Fitting to curves to exponential- examples</a:t>
+              <a:t>Fitting to curves to logistic- examples</a:t>
             </a:r>
           </a:p>
         </p:txBody>
@@ -7841,13 +8116,13 @@
               </a:ext>
             </a:extLst>
           </a:blip>
-          <a:srcRect t="14545"/>
+          <a:srcRect l="59" t="14620" r="59"/>
           <a:stretch/>
         </p:blipFill>
         <p:spPr>
           <a:xfrm>
-            <a:off x="-210312" y="1911096"/>
-            <a:ext cx="12147198" cy="4946904"/>
+            <a:off x="-212408" y="1913480"/>
+            <a:ext cx="12137708" cy="4944519"/>
           </a:xfrm>
           <a:prstGeom prst="rect">
             <a:avLst/>
@@ -7902,7 +8177,7 @@
     </p:spTree>
     <p:extLst>
       <p:ext uri="{BB962C8B-B14F-4D97-AF65-F5344CB8AC3E}">
-        <p14:creationId xmlns:p14="http://schemas.microsoft.com/office/powerpoint/2010/main" val="2978198117"/>
+        <p14:creationId xmlns:p14="http://schemas.microsoft.com/office/powerpoint/2010/main" val="1648567356"/>
       </p:ext>
     </p:extLst>
   </p:cSld>
@@ -7934,7 +8209,7 @@
           <p:cNvPr id="2" name="Title 1">
             <a:extLst>
               <a:ext uri="{FF2B5EF4-FFF2-40B4-BE49-F238E27FC236}">
-                <a16:creationId xmlns:a16="http://schemas.microsoft.com/office/drawing/2014/main" id="{C07156EA-5353-2101-1526-2A68E5B5C75A}"/>
+                <a16:creationId xmlns:a16="http://schemas.microsoft.com/office/drawing/2014/main" id="{DEC714A6-8529-E15B-0C33-177EDED99726}"/>
               </a:ext>
             </a:extLst>
           </p:cNvPr>
@@ -7952,220 +8227,103 @@
           <a:p>
             <a:r>
               <a:rPr lang="en-US" dirty="0"/>
-              <a:t>Fitting to curves to logistic- examples</a:t>
-            </a:r>
-          </a:p>
-        </p:txBody>
-      </p:sp>
-      <p:sp>
-        <p:nvSpPr>
-          <p:cNvPr id="6" name="TextBox 5">
-            <a:extLst>
-              <a:ext uri="{FF2B5EF4-FFF2-40B4-BE49-F238E27FC236}">
-                <a16:creationId xmlns:a16="http://schemas.microsoft.com/office/drawing/2014/main" id="{C6308267-709A-BFD0-EBED-98FF16F4C3E0}"/>
-              </a:ext>
-            </a:extLst>
-          </p:cNvPr>
-          <p:cNvSpPr txBox="1"/>
-          <p:nvPr/>
-        </p:nvSpPr>
-        <p:spPr>
-          <a:xfrm>
-            <a:off x="1926544" y="1451816"/>
-            <a:ext cx="1155829" cy="461665"/>
-          </a:xfrm>
-          <a:prstGeom prst="rect">
-            <a:avLst/>
-          </a:prstGeom>
-          <a:noFill/>
-        </p:spPr>
-        <p:txBody>
-          <a:bodyPr wrap="none" rtlCol="0">
-            <a:spAutoFit/>
-          </a:bodyPr>
-          <a:lstStyle/>
-          <a:p>
-            <a:r>
-              <a:rPr lang="en-US" sz="2400" b="1" dirty="0"/>
-              <a:t>Reward</a:t>
-            </a:r>
-            <a:endParaRPr lang="en-US" sz="3200" b="1" dirty="0"/>
-          </a:p>
-        </p:txBody>
-      </p:sp>
-      <p:sp>
-        <p:nvSpPr>
-          <p:cNvPr id="10" name="TextBox 9">
-            <a:extLst>
-              <a:ext uri="{FF2B5EF4-FFF2-40B4-BE49-F238E27FC236}">
-                <a16:creationId xmlns:a16="http://schemas.microsoft.com/office/drawing/2014/main" id="{069B0F33-88FE-18B2-780A-F8652FE32D63}"/>
-              </a:ext>
-            </a:extLst>
-          </p:cNvPr>
-          <p:cNvSpPr txBox="1"/>
-          <p:nvPr/>
-        </p:nvSpPr>
-        <p:spPr>
-          <a:xfrm>
-            <a:off x="4894474" y="1328706"/>
-            <a:ext cx="1564852" cy="584775"/>
-          </a:xfrm>
-          <a:prstGeom prst="rect">
-            <a:avLst/>
-          </a:prstGeom>
-          <a:noFill/>
-        </p:spPr>
-        <p:txBody>
-          <a:bodyPr wrap="none" rtlCol="0">
-            <a:spAutoFit/>
-          </a:bodyPr>
-          <a:lstStyle/>
-          <a:p>
-            <a:r>
-              <a:rPr lang="en-US" sz="2400" b="1" dirty="0"/>
-              <a:t>Old</a:t>
-            </a:r>
-            <a:r>
-              <a:rPr lang="en-US" sz="3200" b="1" dirty="0"/>
-              <a:t> </a:t>
-            </a:r>
-            <a:r>
-              <a:rPr lang="en-US" sz="2400" b="1" dirty="0"/>
-              <a:t>Bandit</a:t>
-            </a:r>
-            <a:endParaRPr lang="en-US" sz="3200" b="1" dirty="0"/>
-          </a:p>
-        </p:txBody>
-      </p:sp>
-      <p:sp>
-        <p:nvSpPr>
-          <p:cNvPr id="11" name="TextBox 10">
-            <a:extLst>
-              <a:ext uri="{FF2B5EF4-FFF2-40B4-BE49-F238E27FC236}">
-                <a16:creationId xmlns:a16="http://schemas.microsoft.com/office/drawing/2014/main" id="{934750F2-6581-9CDB-16C8-84A8D8F376C3}"/>
-              </a:ext>
-            </a:extLst>
-          </p:cNvPr>
-          <p:cNvSpPr txBox="1"/>
-          <p:nvPr/>
-        </p:nvSpPr>
-        <p:spPr>
-          <a:xfrm>
-            <a:off x="8183866" y="1390260"/>
-            <a:ext cx="1677190" cy="461665"/>
-          </a:xfrm>
-          <a:prstGeom prst="rect">
-            <a:avLst/>
-          </a:prstGeom>
-          <a:noFill/>
-        </p:spPr>
-        <p:txBody>
-          <a:bodyPr wrap="none" rtlCol="0">
-            <a:spAutoFit/>
-          </a:bodyPr>
-          <a:lstStyle/>
-          <a:p>
-            <a:r>
-              <a:rPr lang="en-US" sz="2400" b="1" dirty="0"/>
-              <a:t>New Bandit</a:t>
-            </a:r>
-          </a:p>
-        </p:txBody>
-      </p:sp>
-      <p:pic>
-        <p:nvPicPr>
-          <p:cNvPr id="13" name="Picture 12">
-            <a:extLst>
-              <a:ext uri="{FF2B5EF4-FFF2-40B4-BE49-F238E27FC236}">
-                <a16:creationId xmlns:a16="http://schemas.microsoft.com/office/drawing/2014/main" id="{6BA640F8-226D-B171-0466-BE00711F55A2}"/>
-              </a:ext>
-            </a:extLst>
-          </p:cNvPr>
-          <p:cNvPicPr>
-            <a:picLocks noChangeAspect="1"/>
-          </p:cNvPicPr>
-          <p:nvPr/>
-        </p:nvPicPr>
-        <p:blipFill rotWithShape="1">
-          <a:blip r:embed="rId2">
-            <a:clrChange>
-              <a:clrFrom>
-                <a:srgbClr val="FFFFFF"/>
-              </a:clrFrom>
-              <a:clrTo>
-                <a:srgbClr val="FFFFFF">
-                  <a:alpha val="0"/>
-                </a:srgbClr>
-              </a:clrTo>
-            </a:clrChange>
-            <a:extLst>
-              <a:ext uri="{28A0092B-C50C-407E-A947-70E740481C1C}">
-                <a14:useLocalDpi xmlns:a14="http://schemas.microsoft.com/office/drawing/2010/main" val="0"/>
-              </a:ext>
-            </a:extLst>
-          </a:blip>
-          <a:srcRect l="59" t="14620" r="59"/>
-          <a:stretch/>
-        </p:blipFill>
-        <p:spPr>
-          <a:xfrm>
-            <a:off x="-212408" y="1913480"/>
-            <a:ext cx="12137708" cy="4944519"/>
-          </a:xfrm>
-          <a:prstGeom prst="rect">
-            <a:avLst/>
-          </a:prstGeom>
-        </p:spPr>
-      </p:pic>
-      <p:pic>
-        <p:nvPicPr>
-          <p:cNvPr id="14" name="Picture 2">
-            <a:extLst>
-              <a:ext uri="{FF2B5EF4-FFF2-40B4-BE49-F238E27FC236}">
-                <a16:creationId xmlns:a16="http://schemas.microsoft.com/office/drawing/2014/main" id="{C222BAA2-4FC7-E394-E545-54B10C2500F5}"/>
-              </a:ext>
-            </a:extLst>
-          </p:cNvPr>
-          <p:cNvPicPr>
-            <a:picLocks noChangeAspect="1" noChangeArrowheads="1"/>
-          </p:cNvPicPr>
-          <p:nvPr/>
-        </p:nvPicPr>
-        <p:blipFill rotWithShape="1">
-          <a:blip r:embed="rId3">
-            <a:extLst>
-              <a:ext uri="{28A0092B-C50C-407E-A947-70E740481C1C}">
-                <a14:useLocalDpi xmlns:a14="http://schemas.microsoft.com/office/drawing/2010/main" val="0"/>
-              </a:ext>
-            </a:extLst>
-          </a:blip>
-          <a:srcRect l="78457" t="10697" r="10059" b="70656"/>
-          <a:stretch/>
-        </p:blipFill>
-        <p:spPr bwMode="auto">
-          <a:xfrm>
-            <a:off x="10653712" y="910085"/>
-            <a:ext cx="1400176" cy="1083461"/>
-          </a:xfrm>
-          <a:prstGeom prst="rect">
-            <a:avLst/>
-          </a:prstGeom>
-          <a:noFill/>
-          <a:extLst>
-            <a:ext uri="{909E8E84-426E-40DD-AFC4-6F175D3DCCD1}">
-              <a14:hiddenFill xmlns:a14="http://schemas.microsoft.com/office/drawing/2010/main">
-                <a:solidFill>
-                  <a:srgbClr val="FFFFFF"/>
-                </a:solidFill>
-              </a14:hiddenFill>
-            </a:ext>
-          </a:extLst>
-        </p:spPr>
-      </p:pic>
+              <a:t>Distributions</a:t>
+            </a:r>
+          </a:p>
+        </p:txBody>
+      </p:sp>
+      <p:sp>
+        <p:nvSpPr>
+          <p:cNvPr id="3" name="Text Placeholder 2">
+            <a:extLst>
+              <a:ext uri="{FF2B5EF4-FFF2-40B4-BE49-F238E27FC236}">
+                <a16:creationId xmlns:a16="http://schemas.microsoft.com/office/drawing/2014/main" id="{A7BE2791-02ED-114B-F5C9-B78865722E43}"/>
+              </a:ext>
+            </a:extLst>
+          </p:cNvPr>
+          <p:cNvSpPr>
+            <a:spLocks noGrp="1"/>
+          </p:cNvSpPr>
+          <p:nvPr>
+            <p:ph type="body" idx="1"/>
+          </p:nvPr>
+        </p:nvSpPr>
+        <p:spPr/>
+        <p:txBody>
+          <a:bodyPr/>
+          <a:lstStyle/>
+          <a:p>
+            <a:endParaRPr lang="en-US"/>
+          </a:p>
+        </p:txBody>
+      </p:sp>
     </p:spTree>
     <p:extLst>
       <p:ext uri="{BB962C8B-B14F-4D97-AF65-F5344CB8AC3E}">
-        <p14:creationId xmlns:p14="http://schemas.microsoft.com/office/powerpoint/2010/main" val="1648567356"/>
+        <p14:creationId xmlns:p14="http://schemas.microsoft.com/office/powerpoint/2010/main" val="2958614700"/>
+      </p:ext>
+    </p:extLst>
+  </p:cSld>
+  <p:clrMapOvr>
+    <a:masterClrMapping/>
+  </p:clrMapOvr>
+</p:sld>
+</file>
+
+<file path=ppt/slides/slide25.xml><?xml version="1.0" encoding="utf-8"?>
+<p:sld xmlns:a="http://schemas.openxmlformats.org/drawingml/2006/main" xmlns:r="http://schemas.openxmlformats.org/officeDocument/2006/relationships" xmlns:p="http://schemas.openxmlformats.org/presentationml/2006/main">
+  <p:cSld>
+    <p:spTree>
+      <p:nvGrpSpPr>
+        <p:cNvPr id="1" name=""/>
+        <p:cNvGrpSpPr/>
+        <p:nvPr/>
+      </p:nvGrpSpPr>
+      <p:grpSpPr>
+        <a:xfrm>
+          <a:off x="0" y="0"/>
+          <a:ext cx="0" cy="0"/>
+          <a:chOff x="0" y="0"/>
+          <a:chExt cx="0" cy="0"/>
+        </a:xfrm>
+      </p:grpSpPr>
+      <p:sp>
+        <p:nvSpPr>
+          <p:cNvPr id="2" name="Title 1">
+            <a:extLst>
+              <a:ext uri="{FF2B5EF4-FFF2-40B4-BE49-F238E27FC236}">
+                <a16:creationId xmlns:a16="http://schemas.microsoft.com/office/drawing/2014/main" id="{296E1D22-0194-0DB7-4CA3-90060F3C9728}"/>
+              </a:ext>
+            </a:extLst>
+          </p:cNvPr>
+          <p:cNvSpPr>
+            <a:spLocks noGrp="1"/>
+          </p:cNvSpPr>
+          <p:nvPr>
+            <p:ph type="title"/>
+          </p:nvPr>
+        </p:nvSpPr>
+        <p:spPr>
+          <a:xfrm>
+            <a:off x="838200" y="327025"/>
+            <a:ext cx="10515600" cy="1325563"/>
+          </a:xfrm>
+        </p:spPr>
+        <p:txBody>
+          <a:bodyPr/>
+          <a:lstStyle/>
+          <a:p>
+            <a:r>
+              <a:rPr lang="en-US" dirty="0"/>
+              <a:t>Maximum Probability of Reward (Post-Switch)</a:t>
+            </a:r>
+          </a:p>
+        </p:txBody>
+      </p:sp>
+    </p:spTree>
+    <p:extLst>
+      <p:ext uri="{BB962C8B-B14F-4D97-AF65-F5344CB8AC3E}">
+        <p14:creationId xmlns:p14="http://schemas.microsoft.com/office/powerpoint/2010/main" val="1856915565"/>
       </p:ext>
     </p:extLst>
   </p:cSld>
@@ -8194,10 +8352,10 @@
       </p:grpSpPr>
       <p:pic>
         <p:nvPicPr>
-          <p:cNvPr id="4" name="Picture 3" descr="Diagram&#10;&#10;Description automatically generated">
-            <a:extLst>
-              <a:ext uri="{FF2B5EF4-FFF2-40B4-BE49-F238E27FC236}">
-                <a16:creationId xmlns:a16="http://schemas.microsoft.com/office/drawing/2014/main" id="{70EA9752-54EC-DE8D-86C7-3883BAFE8EA1}"/>
+          <p:cNvPr id="2" name="Picture 1">
+            <a:extLst>
+              <a:ext uri="{FF2B5EF4-FFF2-40B4-BE49-F238E27FC236}">
+                <a16:creationId xmlns:a16="http://schemas.microsoft.com/office/drawing/2014/main" id="{402D6B69-6380-D279-5C5E-253804C5FA1F}"/>
               </a:ext>
             </a:extLst>
           </p:cNvPr>
@@ -8224,13 +8382,13 @@
               </a:ext>
             </a:extLst>
           </a:blip>
-          <a:srcRect l="44092" t="1792" r="44239" b="90921"/>
+          <a:srcRect l="43698" t="1104" r="42599" b="91337"/>
           <a:stretch/>
         </p:blipFill>
         <p:spPr>
           <a:xfrm>
-            <a:off x="5456035" y="305285"/>
-            <a:ext cx="1422799" cy="423378"/>
+            <a:off x="5406029" y="255525"/>
+            <a:ext cx="1670718" cy="439216"/>
           </a:xfrm>
           <a:prstGeom prst="rect">
             <a:avLst/>
@@ -8239,7 +8397,7 @@
       </p:pic>
       <p:pic>
         <p:nvPicPr>
-          <p:cNvPr id="3" name="Picture 2" descr="Diagram&#10;&#10;Description automatically generated">
+          <p:cNvPr id="3" name="Picture 2">
             <a:extLst>
               <a:ext uri="{FF2B5EF4-FFF2-40B4-BE49-F238E27FC236}">
                 <a16:creationId xmlns:a16="http://schemas.microsoft.com/office/drawing/2014/main" id="{4078422F-C0D9-FC11-C60A-D59A75953561}"/>
@@ -8253,23 +8411,13 @@
         </p:nvPicPr>
         <p:blipFill rotWithShape="1">
           <a:blip r:embed="rId2">
-            <a:clrChange>
-              <a:clrFrom>
-                <a:srgbClr val="FFFFFF"/>
-              </a:clrFrom>
-              <a:clrTo>
-                <a:srgbClr val="FFFFFF">
-                  <a:alpha val="0"/>
-                </a:srgbClr>
-              </a:clrTo>
-            </a:clrChange>
             <a:extLst>
               <a:ext uri="{28A0092B-C50C-407E-A947-70E740481C1C}">
                 <a14:useLocalDpi xmlns:a14="http://schemas.microsoft.com/office/drawing/2010/main" val="0"/>
               </a:ext>
             </a:extLst>
           </a:blip>
-          <a:srcRect t="8587"/>
+          <a:srcRect t="8589"/>
           <a:stretch/>
         </p:blipFill>
         <p:spPr>
@@ -8473,7 +8621,7 @@
     </p:spTree>
     <p:extLst>
       <p:ext uri="{BB962C8B-B14F-4D97-AF65-F5344CB8AC3E}">
-        <p14:creationId xmlns:p14="http://schemas.microsoft.com/office/powerpoint/2010/main" val="366446714"/>
+        <p14:creationId xmlns:p14="http://schemas.microsoft.com/office/powerpoint/2010/main" val="3787024144"/>
       </p:ext>
     </p:extLst>
   </p:cSld>
@@ -8500,278 +8648,63 @@
           <a:chExt cx="0" cy="0"/>
         </a:xfrm>
       </p:grpSpPr>
-      <p:pic>
-        <p:nvPicPr>
-          <p:cNvPr id="2" name="Picture 1">
-            <a:extLst>
-              <a:ext uri="{FF2B5EF4-FFF2-40B4-BE49-F238E27FC236}">
-                <a16:creationId xmlns:a16="http://schemas.microsoft.com/office/drawing/2014/main" id="{402D6B69-6380-D279-5C5E-253804C5FA1F}"/>
-              </a:ext>
-            </a:extLst>
-          </p:cNvPr>
-          <p:cNvPicPr>
-            <a:picLocks noChangeAspect="1"/>
-          </p:cNvPicPr>
-          <p:nvPr/>
-        </p:nvPicPr>
-        <p:blipFill rotWithShape="1">
-          <a:blip r:embed="rId2">
-            <a:clrChange>
-              <a:clrFrom>
-                <a:srgbClr val="FFFFFF"/>
-              </a:clrFrom>
-              <a:clrTo>
-                <a:srgbClr val="FFFFFF">
-                  <a:alpha val="0"/>
-                </a:srgbClr>
-              </a:clrTo>
-            </a:clrChange>
-            <a:extLst>
-              <a:ext uri="{28A0092B-C50C-407E-A947-70E740481C1C}">
-                <a14:useLocalDpi xmlns:a14="http://schemas.microsoft.com/office/drawing/2010/main" val="0"/>
-              </a:ext>
-            </a:extLst>
-          </a:blip>
-          <a:srcRect l="43698" t="1104" r="42599" b="91337"/>
-          <a:stretch/>
-        </p:blipFill>
-        <p:spPr>
-          <a:xfrm>
-            <a:off x="5406029" y="255525"/>
-            <a:ext cx="1670718" cy="439216"/>
-          </a:xfrm>
-          <a:prstGeom prst="rect">
-            <a:avLst/>
-          </a:prstGeom>
-        </p:spPr>
-      </p:pic>
-      <p:pic>
-        <p:nvPicPr>
-          <p:cNvPr id="3" name="Picture 2">
-            <a:extLst>
-              <a:ext uri="{FF2B5EF4-FFF2-40B4-BE49-F238E27FC236}">
-                <a16:creationId xmlns:a16="http://schemas.microsoft.com/office/drawing/2014/main" id="{4078422F-C0D9-FC11-C60A-D59A75953561}"/>
-              </a:ext>
-            </a:extLst>
-          </p:cNvPr>
-          <p:cNvPicPr>
-            <a:picLocks noChangeAspect="1"/>
-          </p:cNvPicPr>
-          <p:nvPr/>
-        </p:nvPicPr>
-        <p:blipFill rotWithShape="1">
-          <a:blip r:embed="rId2">
-            <a:extLst>
-              <a:ext uri="{28A0092B-C50C-407E-A947-70E740481C1C}">
-                <a14:useLocalDpi xmlns:a14="http://schemas.microsoft.com/office/drawing/2010/main" val="0"/>
-              </a:ext>
-            </a:extLst>
-          </a:blip>
-          <a:srcRect t="8589"/>
-          <a:stretch/>
-        </p:blipFill>
-        <p:spPr>
-          <a:xfrm>
-            <a:off x="-2" y="1394346"/>
-            <a:ext cx="12192000" cy="5311257"/>
-          </a:xfrm>
-          <a:prstGeom prst="rect">
-            <a:avLst/>
-          </a:prstGeom>
-        </p:spPr>
-      </p:pic>
-      <p:sp>
-        <p:nvSpPr>
-          <p:cNvPr id="8" name="TextBox 7">
-            <a:extLst>
-              <a:ext uri="{FF2B5EF4-FFF2-40B4-BE49-F238E27FC236}">
-                <a16:creationId xmlns:a16="http://schemas.microsoft.com/office/drawing/2014/main" id="{4AE5835C-C2B1-DEF3-9C41-311F614153D2}"/>
-              </a:ext>
-            </a:extLst>
-          </p:cNvPr>
-          <p:cNvSpPr txBox="1"/>
-          <p:nvPr/>
-        </p:nvSpPr>
-        <p:spPr>
-          <a:xfrm rot="16200000">
-            <a:off x="-379155" y="3615812"/>
-            <a:ext cx="1127642" cy="369332"/>
-          </a:xfrm>
-          <a:prstGeom prst="rect">
-            <a:avLst/>
-          </a:prstGeom>
-          <a:noFill/>
-        </p:spPr>
-        <p:txBody>
-          <a:bodyPr wrap="square" rtlCol="0">
-            <a:spAutoFit/>
-          </a:bodyPr>
-          <a:lstStyle/>
-          <a:p>
-            <a:r>
-              <a:rPr lang="en-US" dirty="0" err="1"/>
-              <a:t>Nbandits</a:t>
-            </a:r>
-            <a:endParaRPr lang="en-US" dirty="0"/>
-          </a:p>
-        </p:txBody>
-      </p:sp>
-      <p:sp>
-        <p:nvSpPr>
-          <p:cNvPr id="11" name="TextBox 10">
-            <a:extLst>
-              <a:ext uri="{FF2B5EF4-FFF2-40B4-BE49-F238E27FC236}">
-                <a16:creationId xmlns:a16="http://schemas.microsoft.com/office/drawing/2014/main" id="{F49EDC3E-7669-2675-9AB9-1A594E11A8ED}"/>
-              </a:ext>
-            </a:extLst>
-          </p:cNvPr>
-          <p:cNvSpPr txBox="1"/>
-          <p:nvPr/>
-        </p:nvSpPr>
-        <p:spPr>
-          <a:xfrm>
-            <a:off x="5065246" y="791416"/>
-            <a:ext cx="2061507" cy="369332"/>
-          </a:xfrm>
-          <a:prstGeom prst="rect">
-            <a:avLst/>
-          </a:prstGeom>
-          <a:noFill/>
-        </p:spPr>
-        <p:txBody>
-          <a:bodyPr wrap="square" rtlCol="0">
-            <a:spAutoFit/>
-          </a:bodyPr>
-          <a:lstStyle/>
-          <a:p>
-            <a:pPr algn="ctr"/>
-            <a:r>
-              <a:rPr lang="en-US" dirty="0" err="1"/>
-              <a:t>Ndirections</a:t>
-            </a:r>
-            <a:endParaRPr lang="en-US" dirty="0"/>
-          </a:p>
-        </p:txBody>
-      </p:sp>
-      <p:sp>
-        <p:nvSpPr>
-          <p:cNvPr id="12" name="TextBox 11">
-            <a:extLst>
-              <a:ext uri="{FF2B5EF4-FFF2-40B4-BE49-F238E27FC236}">
-                <a16:creationId xmlns:a16="http://schemas.microsoft.com/office/drawing/2014/main" id="{0F17461B-3C3D-4D1F-4132-279BB735817E}"/>
-              </a:ext>
-            </a:extLst>
-          </p:cNvPr>
-          <p:cNvSpPr txBox="1"/>
-          <p:nvPr/>
-        </p:nvSpPr>
-        <p:spPr>
-          <a:xfrm>
-            <a:off x="1500190" y="1145389"/>
-            <a:ext cx="9808368" cy="382072"/>
-          </a:xfrm>
-          <a:prstGeom prst="rect">
-            <a:avLst/>
-          </a:prstGeom>
-          <a:noFill/>
-        </p:spPr>
-        <p:txBody>
-          <a:bodyPr wrap="square" rtlCol="0">
-            <a:spAutoFit/>
-          </a:bodyPr>
+      <p:sp>
+        <p:nvSpPr>
+          <p:cNvPr id="4" name="Title 3">
+            <a:extLst>
+              <a:ext uri="{FF2B5EF4-FFF2-40B4-BE49-F238E27FC236}">
+                <a16:creationId xmlns:a16="http://schemas.microsoft.com/office/drawing/2014/main" id="{FF0FDA61-6DC4-3D14-24B4-A9F578CFEA11}"/>
+              </a:ext>
+            </a:extLst>
+          </p:cNvPr>
+          <p:cNvSpPr>
+            <a:spLocks noGrp="1"/>
+          </p:cNvSpPr>
+          <p:nvPr>
+            <p:ph type="title"/>
+          </p:nvPr>
+        </p:nvSpPr>
+        <p:spPr/>
+        <p:txBody>
+          <a:bodyPr/>
           <a:lstStyle/>
           <a:p>
             <a:r>
               <a:rPr lang="en-US" dirty="0"/>
-              <a:t>	2				3				4</a:t>
-            </a:r>
-          </a:p>
-        </p:txBody>
-      </p:sp>
-      <p:sp>
-        <p:nvSpPr>
-          <p:cNvPr id="13" name="TextBox 12">
-            <a:extLst>
-              <a:ext uri="{FF2B5EF4-FFF2-40B4-BE49-F238E27FC236}">
-                <a16:creationId xmlns:a16="http://schemas.microsoft.com/office/drawing/2014/main" id="{9DFFD345-DDD3-D77A-CDB4-BADB19806CA6}"/>
-              </a:ext>
-            </a:extLst>
-          </p:cNvPr>
-          <p:cNvSpPr txBox="1"/>
-          <p:nvPr/>
-        </p:nvSpPr>
-        <p:spPr>
-          <a:xfrm rot="16200000">
-            <a:off x="-1844576" y="3813992"/>
-            <a:ext cx="5311258" cy="369332"/>
-          </a:xfrm>
-          <a:prstGeom prst="rect">
-            <a:avLst/>
-          </a:prstGeom>
-          <a:noFill/>
-        </p:spPr>
-        <p:txBody>
-          <a:bodyPr wrap="square" rtlCol="0">
-            <a:spAutoFit/>
-          </a:bodyPr>
-          <a:lstStyle/>
-          <a:p>
-            <a:r>
-              <a:rPr lang="en-US" dirty="0"/>
-              <a:t>	5		4		3</a:t>
-            </a:r>
-          </a:p>
-        </p:txBody>
-      </p:sp>
-      <p:pic>
-        <p:nvPicPr>
-          <p:cNvPr id="7" name="Picture 2">
-            <a:extLst>
-              <a:ext uri="{FF2B5EF4-FFF2-40B4-BE49-F238E27FC236}">
-                <a16:creationId xmlns:a16="http://schemas.microsoft.com/office/drawing/2014/main" id="{AB714D94-EC7E-156B-9F80-80EE6F7E8FCE}"/>
-              </a:ext>
-            </a:extLst>
-          </p:cNvPr>
-          <p:cNvPicPr>
-            <a:picLocks noChangeAspect="1" noChangeArrowheads="1"/>
-          </p:cNvPicPr>
-          <p:nvPr/>
-        </p:nvPicPr>
-        <p:blipFill rotWithShape="1">
-          <a:blip r:embed="rId3">
-            <a:extLst>
-              <a:ext uri="{28A0092B-C50C-407E-A947-70E740481C1C}">
-                <a14:useLocalDpi xmlns:a14="http://schemas.microsoft.com/office/drawing/2010/main" val="0"/>
-              </a:ext>
-            </a:extLst>
-          </a:blip>
-          <a:srcRect l="78457" t="10697" r="10059" b="70656"/>
-          <a:stretch/>
-        </p:blipFill>
-        <p:spPr bwMode="auto">
-          <a:xfrm>
-            <a:off x="10691809" y="434351"/>
-            <a:ext cx="1400176" cy="1083461"/>
-          </a:xfrm>
-          <a:prstGeom prst="rect">
-            <a:avLst/>
-          </a:prstGeom>
-          <a:noFill/>
-          <a:extLst>
-            <a:ext uri="{909E8E84-426E-40DD-AFC4-6F175D3DCCD1}">
-              <a14:hiddenFill xmlns:a14="http://schemas.microsoft.com/office/drawing/2010/main">
-                <a:solidFill>
-                  <a:srgbClr val="FFFFFF"/>
-                </a:solidFill>
-              </a14:hiddenFill>
-            </a:ext>
-          </a:extLst>
-        </p:spPr>
-      </p:pic>
+              <a:t>Week 1/17</a:t>
+            </a:r>
+          </a:p>
+        </p:txBody>
+      </p:sp>
+      <p:sp>
+        <p:nvSpPr>
+          <p:cNvPr id="5" name="Text Placeholder 4">
+            <a:extLst>
+              <a:ext uri="{FF2B5EF4-FFF2-40B4-BE49-F238E27FC236}">
+                <a16:creationId xmlns:a16="http://schemas.microsoft.com/office/drawing/2014/main" id="{C782B18C-9FEB-5691-7E0B-2DCB35C1694E}"/>
+              </a:ext>
+            </a:extLst>
+          </p:cNvPr>
+          <p:cNvSpPr>
+            <a:spLocks noGrp="1"/>
+          </p:cNvSpPr>
+          <p:nvPr>
+            <p:ph type="body" idx="1"/>
+          </p:nvPr>
+        </p:nvSpPr>
+        <p:spPr/>
+        <p:txBody>
+          <a:bodyPr/>
+          <a:lstStyle/>
+          <a:p>
+            <a:endParaRPr lang="en-US"/>
+          </a:p>
+        </p:txBody>
+      </p:sp>
     </p:spTree>
     <p:extLst>
       <p:ext uri="{BB962C8B-B14F-4D97-AF65-F5344CB8AC3E}">
-        <p14:creationId xmlns:p14="http://schemas.microsoft.com/office/powerpoint/2010/main" val="3787024144"/>
+        <p14:creationId xmlns:p14="http://schemas.microsoft.com/office/powerpoint/2010/main" val="2972948523"/>
       </p:ext>
     </p:extLst>
   </p:cSld>
@@ -8798,63 +8731,189 @@
           <a:chExt cx="0" cy="0"/>
         </a:xfrm>
       </p:grpSpPr>
-      <p:sp>
-        <p:nvSpPr>
-          <p:cNvPr id="4" name="Title 3">
-            <a:extLst>
-              <a:ext uri="{FF2B5EF4-FFF2-40B4-BE49-F238E27FC236}">
-                <a16:creationId xmlns:a16="http://schemas.microsoft.com/office/drawing/2014/main" id="{FF0FDA61-6DC4-3D14-24B4-A9F578CFEA11}"/>
-              </a:ext>
-            </a:extLst>
-          </p:cNvPr>
-          <p:cNvSpPr>
-            <a:spLocks noGrp="1"/>
-          </p:cNvSpPr>
-          <p:nvPr>
-            <p:ph type="title"/>
-          </p:nvPr>
-        </p:nvSpPr>
-        <p:spPr/>
-        <p:txBody>
-          <a:bodyPr/>
-          <a:lstStyle/>
-          <a:p>
-            <a:r>
-              <a:rPr lang="en-US" dirty="0"/>
-              <a:t>Week 1/17</a:t>
-            </a:r>
-          </a:p>
-        </p:txBody>
-      </p:sp>
-      <p:sp>
-        <p:nvSpPr>
-          <p:cNvPr id="5" name="Text Placeholder 4">
-            <a:extLst>
-              <a:ext uri="{FF2B5EF4-FFF2-40B4-BE49-F238E27FC236}">
-                <a16:creationId xmlns:a16="http://schemas.microsoft.com/office/drawing/2014/main" id="{C782B18C-9FEB-5691-7E0B-2DCB35C1694E}"/>
-              </a:ext>
-            </a:extLst>
-          </p:cNvPr>
-          <p:cNvSpPr>
-            <a:spLocks noGrp="1"/>
-          </p:cNvSpPr>
-          <p:nvPr>
-            <p:ph type="body" idx="1"/>
-          </p:nvPr>
-        </p:nvSpPr>
-        <p:spPr/>
-        <p:txBody>
-          <a:bodyPr/>
-          <a:lstStyle/>
-          <a:p>
-            <a:endParaRPr lang="en-US"/>
-          </a:p>
-        </p:txBody>
-      </p:sp>
+      <p:pic>
+        <p:nvPicPr>
+          <p:cNvPr id="5" name="Content Placeholder 4">
+            <a:extLst>
+              <a:ext uri="{FF2B5EF4-FFF2-40B4-BE49-F238E27FC236}">
+                <a16:creationId xmlns:a16="http://schemas.microsoft.com/office/drawing/2014/main" id="{C76F6A0F-9D7B-B170-8C3C-42CF1B6459B7}"/>
+              </a:ext>
+            </a:extLst>
+          </p:cNvPr>
+          <p:cNvPicPr>
+            <a:picLocks noGrp="1" noChangeAspect="1"/>
+          </p:cNvPicPr>
+          <p:nvPr>
+            <p:ph idx="1"/>
+          </p:nvPr>
+        </p:nvPicPr>
+        <p:blipFill>
+          <a:blip r:embed="rId2">
+            <a:clrChange>
+              <a:clrFrom>
+                <a:srgbClr val="FFFFFF"/>
+              </a:clrFrom>
+              <a:clrTo>
+                <a:srgbClr val="FFFFFF">
+                  <a:alpha val="0"/>
+                </a:srgbClr>
+              </a:clrTo>
+            </a:clrChange>
+            <a:extLst>
+              <a:ext uri="{28A0092B-C50C-407E-A947-70E740481C1C}">
+                <a14:useLocalDpi xmlns:a14="http://schemas.microsoft.com/office/drawing/2010/main" val="0"/>
+              </a:ext>
+            </a:extLst>
+          </a:blip>
+          <a:srcRect/>
+          <a:stretch/>
+        </p:blipFill>
+        <p:spPr>
+          <a:xfrm>
+            <a:off x="2738202" y="0"/>
+            <a:ext cx="7291215" cy="3474720"/>
+          </a:xfrm>
+        </p:spPr>
+      </p:pic>
+      <p:pic>
+        <p:nvPicPr>
+          <p:cNvPr id="9" name="Picture 8">
+            <a:extLst>
+              <a:ext uri="{FF2B5EF4-FFF2-40B4-BE49-F238E27FC236}">
+                <a16:creationId xmlns:a16="http://schemas.microsoft.com/office/drawing/2014/main" id="{8625D78C-C805-1EB8-9BEA-DB2D6758ECA0}"/>
+              </a:ext>
+            </a:extLst>
+          </p:cNvPr>
+          <p:cNvPicPr>
+            <a:picLocks noChangeAspect="1"/>
+          </p:cNvPicPr>
+          <p:nvPr/>
+        </p:nvPicPr>
+        <p:blipFill>
+          <a:blip r:embed="rId3">
+            <a:clrChange>
+              <a:clrFrom>
+                <a:srgbClr val="FFFFFF"/>
+              </a:clrFrom>
+              <a:clrTo>
+                <a:srgbClr val="FFFFFF">
+                  <a:alpha val="0"/>
+                </a:srgbClr>
+              </a:clrTo>
+            </a:clrChange>
+            <a:extLst>
+              <a:ext uri="{28A0092B-C50C-407E-A947-70E740481C1C}">
+                <a14:useLocalDpi xmlns:a14="http://schemas.microsoft.com/office/drawing/2010/main" val="0"/>
+              </a:ext>
+            </a:extLst>
+          </a:blip>
+          <a:srcRect/>
+          <a:stretch/>
+        </p:blipFill>
+        <p:spPr>
+          <a:xfrm>
+            <a:off x="2738202" y="3474720"/>
+            <a:ext cx="7291217" cy="3474720"/>
+          </a:xfrm>
+          <a:prstGeom prst="rect">
+            <a:avLst/>
+          </a:prstGeom>
+        </p:spPr>
+      </p:pic>
+      <p:pic>
+        <p:nvPicPr>
+          <p:cNvPr id="8" name="Picture 7">
+            <a:extLst>
+              <a:ext uri="{FF2B5EF4-FFF2-40B4-BE49-F238E27FC236}">
+                <a16:creationId xmlns:a16="http://schemas.microsoft.com/office/drawing/2014/main" id="{CF8D9DD8-5BD7-8753-590E-94671F185475}"/>
+              </a:ext>
+            </a:extLst>
+          </p:cNvPr>
+          <p:cNvPicPr>
+            <a:picLocks noChangeAspect="1"/>
+          </p:cNvPicPr>
+          <p:nvPr/>
+        </p:nvPicPr>
+        <p:blipFill>
+          <a:blip r:embed="rId4"/>
+          <a:stretch>
+            <a:fillRect/>
+          </a:stretch>
+        </p:blipFill>
+        <p:spPr>
+          <a:xfrm>
+            <a:off x="2956225" y="578032"/>
+            <a:ext cx="560881" cy="2658089"/>
+          </a:xfrm>
+          <a:prstGeom prst="rect">
+            <a:avLst/>
+          </a:prstGeom>
+        </p:spPr>
+      </p:pic>
+      <p:pic>
+        <p:nvPicPr>
+          <p:cNvPr id="10" name="Picture 9">
+            <a:extLst>
+              <a:ext uri="{FF2B5EF4-FFF2-40B4-BE49-F238E27FC236}">
+                <a16:creationId xmlns:a16="http://schemas.microsoft.com/office/drawing/2014/main" id="{3896BCC8-CF2C-36D4-39D8-83D12CE2DE80}"/>
+              </a:ext>
+            </a:extLst>
+          </p:cNvPr>
+          <p:cNvPicPr>
+            <a:picLocks noChangeAspect="1"/>
+          </p:cNvPicPr>
+          <p:nvPr/>
+        </p:nvPicPr>
+        <p:blipFill>
+          <a:blip r:embed="rId4"/>
+          <a:stretch>
+            <a:fillRect/>
+          </a:stretch>
+        </p:blipFill>
+        <p:spPr>
+          <a:xfrm>
+            <a:off x="2956224" y="4052752"/>
+            <a:ext cx="560881" cy="2658089"/>
+          </a:xfrm>
+          <a:prstGeom prst="rect">
+            <a:avLst/>
+          </a:prstGeom>
+        </p:spPr>
+      </p:pic>
+      <p:pic>
+        <p:nvPicPr>
+          <p:cNvPr id="2" name="Picture 1">
+            <a:extLst>
+              <a:ext uri="{FF2B5EF4-FFF2-40B4-BE49-F238E27FC236}">
+                <a16:creationId xmlns:a16="http://schemas.microsoft.com/office/drawing/2014/main" id="{45683C20-E738-64A1-0907-4FA439062748}"/>
+              </a:ext>
+            </a:extLst>
+          </p:cNvPr>
+          <p:cNvPicPr>
+            <a:picLocks noChangeAspect="1"/>
+          </p:cNvPicPr>
+          <p:nvPr/>
+        </p:nvPicPr>
+        <p:blipFill>
+          <a:blip r:embed="rId5"/>
+          <a:stretch>
+            <a:fillRect/>
+          </a:stretch>
+        </p:blipFill>
+        <p:spPr>
+          <a:xfrm>
+            <a:off x="3360569" y="274584"/>
+            <a:ext cx="6046479" cy="303448"/>
+          </a:xfrm>
+          <a:prstGeom prst="rect">
+            <a:avLst/>
+          </a:prstGeom>
+        </p:spPr>
+      </p:pic>
     </p:spTree>
     <p:extLst>
       <p:ext uri="{BB962C8B-B14F-4D97-AF65-F5344CB8AC3E}">
-        <p14:creationId xmlns:p14="http://schemas.microsoft.com/office/powerpoint/2010/main" val="2972948523"/>
+        <p14:creationId xmlns:p14="http://schemas.microsoft.com/office/powerpoint/2010/main" val="4079821561"/>
       </p:ext>
     </p:extLst>
   </p:cSld>
@@ -8899,16 +8958,6 @@
         </p:nvPicPr>
         <p:blipFill>
           <a:blip r:embed="rId2">
-            <a:clrChange>
-              <a:clrFrom>
-                <a:srgbClr val="FFFFFF"/>
-              </a:clrFrom>
-              <a:clrTo>
-                <a:srgbClr val="FFFFFF">
-                  <a:alpha val="0"/>
-                </a:srgbClr>
-              </a:clrTo>
-            </a:clrChange>
             <a:extLst>
               <a:ext uri="{28A0092B-C50C-407E-A947-70E740481C1C}">
                 <a14:useLocalDpi xmlns:a14="http://schemas.microsoft.com/office/drawing/2010/main" val="0"/>
@@ -8941,16 +8990,6 @@
         </p:nvPicPr>
         <p:blipFill>
           <a:blip r:embed="rId3">
-            <a:clrChange>
-              <a:clrFrom>
-                <a:srgbClr val="FFFFFF"/>
-              </a:clrFrom>
-              <a:clrTo>
-                <a:srgbClr val="FFFFFF">
-                  <a:alpha val="0"/>
-                </a:srgbClr>
-              </a:clrTo>
-            </a:clrChange>
             <a:extLst>
               <a:ext uri="{28A0092B-C50C-407E-A947-70E740481C1C}">
                 <a14:useLocalDpi xmlns:a14="http://schemas.microsoft.com/office/drawing/2010/main" val="0"/>
@@ -8962,8 +9001,8 @@
         </p:blipFill>
         <p:spPr>
           <a:xfrm>
-            <a:off x="2738202" y="3474720"/>
-            <a:ext cx="7291217" cy="3474720"/>
+            <a:off x="2738203" y="3474720"/>
+            <a:ext cx="7291215" cy="3474720"/>
           </a:xfrm>
           <a:prstGeom prst="rect">
             <a:avLst/>
@@ -9035,7 +9074,7 @@
           <p:cNvPr id="2" name="Picture 1">
             <a:extLst>
               <a:ext uri="{FF2B5EF4-FFF2-40B4-BE49-F238E27FC236}">
-                <a16:creationId xmlns:a16="http://schemas.microsoft.com/office/drawing/2014/main" id="{45683C20-E738-64A1-0907-4FA439062748}"/>
+                <a16:creationId xmlns:a16="http://schemas.microsoft.com/office/drawing/2014/main" id="{C375CEA3-394A-2F20-4F08-F70F2799F3F3}"/>
               </a:ext>
             </a:extLst>
           </p:cNvPr>
@@ -9063,7 +9102,7 @@
     </p:spTree>
     <p:extLst>
       <p:ext uri="{BB962C8B-B14F-4D97-AF65-F5344CB8AC3E}">
-        <p14:creationId xmlns:p14="http://schemas.microsoft.com/office/powerpoint/2010/main" val="4079821561"/>
+        <p14:creationId xmlns:p14="http://schemas.microsoft.com/office/powerpoint/2010/main" val="176646823"/>
       </p:ext>
     </p:extLst>
   </p:cSld>
@@ -9161,10 +9200,10 @@
       </p:pic>
       <p:pic>
         <p:nvPicPr>
-          <p:cNvPr id="8" name="Picture 7">
-            <a:extLst>
-              <a:ext uri="{FF2B5EF4-FFF2-40B4-BE49-F238E27FC236}">
-                <a16:creationId xmlns:a16="http://schemas.microsoft.com/office/drawing/2014/main" id="{CF8D9DD8-5BD7-8753-590E-94671F185475}"/>
+          <p:cNvPr id="2" name="Picture 1">
+            <a:extLst>
+              <a:ext uri="{FF2B5EF4-FFF2-40B4-BE49-F238E27FC236}">
+                <a16:creationId xmlns:a16="http://schemas.microsoft.com/office/drawing/2014/main" id="{7B405A2D-E50A-F4F7-099F-72066AAA178A}"/>
               </a:ext>
             </a:extLst>
           </p:cNvPr>
@@ -9191,10 +9230,10 @@
       </p:pic>
       <p:pic>
         <p:nvPicPr>
-          <p:cNvPr id="10" name="Picture 9">
-            <a:extLst>
-              <a:ext uri="{FF2B5EF4-FFF2-40B4-BE49-F238E27FC236}">
-                <a16:creationId xmlns:a16="http://schemas.microsoft.com/office/drawing/2014/main" id="{3896BCC8-CF2C-36D4-39D8-83D12CE2DE80}"/>
+          <p:cNvPr id="3" name="Picture 2">
+            <a:extLst>
+              <a:ext uri="{FF2B5EF4-FFF2-40B4-BE49-F238E27FC236}">
+                <a16:creationId xmlns:a16="http://schemas.microsoft.com/office/drawing/2014/main" id="{0AE5A2C8-43BA-FD74-36FE-38224A63DF43}"/>
               </a:ext>
             </a:extLst>
           </p:cNvPr>
@@ -9221,10 +9260,10 @@
       </p:pic>
       <p:pic>
         <p:nvPicPr>
-          <p:cNvPr id="2" name="Picture 1">
-            <a:extLst>
-              <a:ext uri="{FF2B5EF4-FFF2-40B4-BE49-F238E27FC236}">
-                <a16:creationId xmlns:a16="http://schemas.microsoft.com/office/drawing/2014/main" id="{C375CEA3-394A-2F20-4F08-F70F2799F3F3}"/>
+          <p:cNvPr id="4" name="Picture 3">
+            <a:extLst>
+              <a:ext uri="{FF2B5EF4-FFF2-40B4-BE49-F238E27FC236}">
+                <a16:creationId xmlns:a16="http://schemas.microsoft.com/office/drawing/2014/main" id="{106250F2-8EDD-5090-AFA7-91048FB36C5C}"/>
               </a:ext>
             </a:extLst>
           </p:cNvPr>
@@ -9252,7 +9291,7 @@
     </p:spTree>
     <p:extLst>
       <p:ext uri="{BB962C8B-B14F-4D97-AF65-F5344CB8AC3E}">
-        <p14:creationId xmlns:p14="http://schemas.microsoft.com/office/powerpoint/2010/main" val="176646823"/>
+        <p14:creationId xmlns:p14="http://schemas.microsoft.com/office/powerpoint/2010/main" val="4001554659"/>
       </p:ext>
     </p:extLst>
   </p:cSld>
@@ -9308,8 +9347,8 @@
         </p:blipFill>
         <p:spPr>
           <a:xfrm>
-            <a:off x="2738202" y="0"/>
-            <a:ext cx="7291215" cy="3474720"/>
+            <a:off x="0" y="613"/>
+            <a:ext cx="6715593" cy="3200400"/>
           </a:xfrm>
         </p:spPr>
       </p:pic>
@@ -9340,8 +9379,8 @@
         </p:blipFill>
         <p:spPr>
           <a:xfrm>
-            <a:off x="2738203" y="3474720"/>
-            <a:ext cx="7291215" cy="3474720"/>
+            <a:off x="0" y="3422731"/>
+            <a:ext cx="6715595" cy="3200400"/>
           </a:xfrm>
           <a:prstGeom prst="rect">
             <a:avLst/>
@@ -9350,10 +9389,10 @@
       </p:pic>
       <p:pic>
         <p:nvPicPr>
-          <p:cNvPr id="2" name="Picture 1">
-            <a:extLst>
-              <a:ext uri="{FF2B5EF4-FFF2-40B4-BE49-F238E27FC236}">
-                <a16:creationId xmlns:a16="http://schemas.microsoft.com/office/drawing/2014/main" id="{7B405A2D-E50A-F4F7-099F-72066AAA178A}"/>
+          <p:cNvPr id="8" name="Picture 7">
+            <a:extLst>
+              <a:ext uri="{FF2B5EF4-FFF2-40B4-BE49-F238E27FC236}">
+                <a16:creationId xmlns:a16="http://schemas.microsoft.com/office/drawing/2014/main" id="{CF8D9DD8-5BD7-8753-590E-94671F185475}"/>
               </a:ext>
             </a:extLst>
           </p:cNvPr>
@@ -9370,7 +9409,7 @@
         </p:blipFill>
         <p:spPr>
           <a:xfrm>
-            <a:off x="2956225" y="578032"/>
+            <a:off x="218023" y="578645"/>
             <a:ext cx="560881" cy="2658089"/>
           </a:xfrm>
           <a:prstGeom prst="rect">
@@ -9380,10 +9419,10 @@
       </p:pic>
       <p:pic>
         <p:nvPicPr>
-          <p:cNvPr id="3" name="Picture 2">
-            <a:extLst>
-              <a:ext uri="{FF2B5EF4-FFF2-40B4-BE49-F238E27FC236}">
-                <a16:creationId xmlns:a16="http://schemas.microsoft.com/office/drawing/2014/main" id="{0AE5A2C8-43BA-FD74-36FE-38224A63DF43}"/>
+          <p:cNvPr id="10" name="Picture 9">
+            <a:extLst>
+              <a:ext uri="{FF2B5EF4-FFF2-40B4-BE49-F238E27FC236}">
+                <a16:creationId xmlns:a16="http://schemas.microsoft.com/office/drawing/2014/main" id="{3896BCC8-CF2C-36D4-39D8-83D12CE2DE80}"/>
               </a:ext>
             </a:extLst>
           </p:cNvPr>
@@ -9400,7 +9439,7 @@
         </p:blipFill>
         <p:spPr>
           <a:xfrm>
-            <a:off x="2956224" y="4052752"/>
+            <a:off x="218023" y="3869872"/>
             <a:ext cx="560881" cy="2658089"/>
           </a:xfrm>
           <a:prstGeom prst="rect">
@@ -9410,10 +9449,10 @@
       </p:pic>
       <p:pic>
         <p:nvPicPr>
-          <p:cNvPr id="4" name="Picture 3">
-            <a:extLst>
-              <a:ext uri="{FF2B5EF4-FFF2-40B4-BE49-F238E27FC236}">
-                <a16:creationId xmlns:a16="http://schemas.microsoft.com/office/drawing/2014/main" id="{106250F2-8EDD-5090-AFA7-91048FB36C5C}"/>
+          <p:cNvPr id="13" name="Picture 12" descr="Chart, line chart&#10;&#10;Description automatically generated">
+            <a:extLst>
+              <a:ext uri="{FF2B5EF4-FFF2-40B4-BE49-F238E27FC236}">
+                <a16:creationId xmlns:a16="http://schemas.microsoft.com/office/drawing/2014/main" id="{48F5B0C7-50BA-FD43-A81F-5E2239AAE949}"/>
               </a:ext>
             </a:extLst>
           </p:cNvPr>
@@ -9423,15 +9462,31 @@
           <p:nvPr/>
         </p:nvPicPr>
         <p:blipFill>
-          <a:blip r:embed="rId5"/>
+          <a:blip r:embed="rId5">
+            <a:clrChange>
+              <a:clrFrom>
+                <a:srgbClr val="FFFFFF"/>
+              </a:clrFrom>
+              <a:clrTo>
+                <a:srgbClr val="FFFFFF">
+                  <a:alpha val="0"/>
+                </a:srgbClr>
+              </a:clrTo>
+            </a:clrChange>
+            <a:extLst>
+              <a:ext uri="{28A0092B-C50C-407E-A947-70E740481C1C}">
+                <a14:useLocalDpi xmlns:a14="http://schemas.microsoft.com/office/drawing/2010/main" val="0"/>
+              </a:ext>
+            </a:extLst>
+          </a:blip>
           <a:stretch>
             <a:fillRect/>
           </a:stretch>
         </p:blipFill>
         <p:spPr>
           <a:xfrm>
-            <a:off x="3360569" y="274584"/>
-            <a:ext cx="6046479" cy="303448"/>
+            <a:off x="5845968" y="36334"/>
+            <a:ext cx="6715593" cy="3200400"/>
           </a:xfrm>
           <a:prstGeom prst="rect">
             <a:avLst/>
@@ -9441,7 +9496,7 @@
     </p:spTree>
     <p:extLst>
       <p:ext uri="{BB962C8B-B14F-4D97-AF65-F5344CB8AC3E}">
-        <p14:creationId xmlns:p14="http://schemas.microsoft.com/office/powerpoint/2010/main" val="4001554659"/>
+        <p14:creationId xmlns:p14="http://schemas.microsoft.com/office/powerpoint/2010/main" val="3262294933"/>
       </p:ext>
     </p:extLst>
   </p:cSld>
@@ -9470,44 +9525,10 @@
       </p:grpSpPr>
       <p:pic>
         <p:nvPicPr>
-          <p:cNvPr id="5" name="Content Placeholder 4">
-            <a:extLst>
-              <a:ext uri="{FF2B5EF4-FFF2-40B4-BE49-F238E27FC236}">
-                <a16:creationId xmlns:a16="http://schemas.microsoft.com/office/drawing/2014/main" id="{C76F6A0F-9D7B-B170-8C3C-42CF1B6459B7}"/>
-              </a:ext>
-            </a:extLst>
-          </p:cNvPr>
-          <p:cNvPicPr>
-            <a:picLocks noGrp="1" noChangeAspect="1"/>
-          </p:cNvPicPr>
-          <p:nvPr>
-            <p:ph idx="1"/>
-          </p:nvPr>
-        </p:nvPicPr>
-        <p:blipFill>
-          <a:blip r:embed="rId2">
-            <a:extLst>
-              <a:ext uri="{28A0092B-C50C-407E-A947-70E740481C1C}">
-                <a14:useLocalDpi xmlns:a14="http://schemas.microsoft.com/office/drawing/2010/main" val="0"/>
-              </a:ext>
-            </a:extLst>
-          </a:blip>
-          <a:srcRect/>
-          <a:stretch/>
-        </p:blipFill>
-        <p:spPr>
-          <a:xfrm>
-            <a:off x="0" y="613"/>
-            <a:ext cx="6715593" cy="3200400"/>
-          </a:xfrm>
-        </p:spPr>
-      </p:pic>
-      <p:pic>
-        <p:nvPicPr>
-          <p:cNvPr id="9" name="Picture 8">
-            <a:extLst>
-              <a:ext uri="{FF2B5EF4-FFF2-40B4-BE49-F238E27FC236}">
-                <a16:creationId xmlns:a16="http://schemas.microsoft.com/office/drawing/2014/main" id="{8625D78C-C805-1EB8-9BEA-DB2D6758ECA0}"/>
+          <p:cNvPr id="5" name="Picture 4" descr="Chart&#10;&#10;Description automatically generated with low confidence">
+            <a:extLst>
+              <a:ext uri="{FF2B5EF4-FFF2-40B4-BE49-F238E27FC236}">
+                <a16:creationId xmlns:a16="http://schemas.microsoft.com/office/drawing/2014/main" id="{F356E627-3294-D62D-B924-6377EFB2EF46}"/>
               </a:ext>
             </a:extLst>
           </p:cNvPr>
@@ -9517,112 +9538,7 @@
           <p:nvPr/>
         </p:nvPicPr>
         <p:blipFill>
-          <a:blip r:embed="rId3">
-            <a:extLst>
-              <a:ext uri="{28A0092B-C50C-407E-A947-70E740481C1C}">
-                <a14:useLocalDpi xmlns:a14="http://schemas.microsoft.com/office/drawing/2010/main" val="0"/>
-              </a:ext>
-            </a:extLst>
-          </a:blip>
-          <a:srcRect/>
-          <a:stretch/>
-        </p:blipFill>
-        <p:spPr>
-          <a:xfrm>
-            <a:off x="0" y="3422731"/>
-            <a:ext cx="6715595" cy="3200400"/>
-          </a:xfrm>
-          <a:prstGeom prst="rect">
-            <a:avLst/>
-          </a:prstGeom>
-        </p:spPr>
-      </p:pic>
-      <p:pic>
-        <p:nvPicPr>
-          <p:cNvPr id="8" name="Picture 7">
-            <a:extLst>
-              <a:ext uri="{FF2B5EF4-FFF2-40B4-BE49-F238E27FC236}">
-                <a16:creationId xmlns:a16="http://schemas.microsoft.com/office/drawing/2014/main" id="{CF8D9DD8-5BD7-8753-590E-94671F185475}"/>
-              </a:ext>
-            </a:extLst>
-          </p:cNvPr>
-          <p:cNvPicPr>
-            <a:picLocks noChangeAspect="1"/>
-          </p:cNvPicPr>
-          <p:nvPr/>
-        </p:nvPicPr>
-        <p:blipFill>
-          <a:blip r:embed="rId4"/>
-          <a:stretch>
-            <a:fillRect/>
-          </a:stretch>
-        </p:blipFill>
-        <p:spPr>
-          <a:xfrm>
-            <a:off x="218023" y="578645"/>
-            <a:ext cx="560881" cy="2658089"/>
-          </a:xfrm>
-          <a:prstGeom prst="rect">
-            <a:avLst/>
-          </a:prstGeom>
-        </p:spPr>
-      </p:pic>
-      <p:pic>
-        <p:nvPicPr>
-          <p:cNvPr id="10" name="Picture 9">
-            <a:extLst>
-              <a:ext uri="{FF2B5EF4-FFF2-40B4-BE49-F238E27FC236}">
-                <a16:creationId xmlns:a16="http://schemas.microsoft.com/office/drawing/2014/main" id="{3896BCC8-CF2C-36D4-39D8-83D12CE2DE80}"/>
-              </a:ext>
-            </a:extLst>
-          </p:cNvPr>
-          <p:cNvPicPr>
-            <a:picLocks noChangeAspect="1"/>
-          </p:cNvPicPr>
-          <p:nvPr/>
-        </p:nvPicPr>
-        <p:blipFill>
-          <a:blip r:embed="rId4"/>
-          <a:stretch>
-            <a:fillRect/>
-          </a:stretch>
-        </p:blipFill>
-        <p:spPr>
-          <a:xfrm>
-            <a:off x="218023" y="3869872"/>
-            <a:ext cx="560881" cy="2658089"/>
-          </a:xfrm>
-          <a:prstGeom prst="rect">
-            <a:avLst/>
-          </a:prstGeom>
-        </p:spPr>
-      </p:pic>
-      <p:pic>
-        <p:nvPicPr>
-          <p:cNvPr id="13" name="Picture 12" descr="Chart, line chart&#10;&#10;Description automatically generated">
-            <a:extLst>
-              <a:ext uri="{FF2B5EF4-FFF2-40B4-BE49-F238E27FC236}">
-                <a16:creationId xmlns:a16="http://schemas.microsoft.com/office/drawing/2014/main" id="{48F5B0C7-50BA-FD43-A81F-5E2239AAE949}"/>
-              </a:ext>
-            </a:extLst>
-          </p:cNvPr>
-          <p:cNvPicPr>
-            <a:picLocks noChangeAspect="1"/>
-          </p:cNvPicPr>
-          <p:nvPr/>
-        </p:nvPicPr>
-        <p:blipFill>
-          <a:blip r:embed="rId5">
-            <a:clrChange>
-              <a:clrFrom>
-                <a:srgbClr val="FFFFFF"/>
-              </a:clrFrom>
-              <a:clrTo>
-                <a:srgbClr val="FFFFFF">
-                  <a:alpha val="0"/>
-                </a:srgbClr>
-              </a:clrTo>
-            </a:clrChange>
+          <a:blip r:embed="rId2">
             <a:extLst>
               <a:ext uri="{28A0092B-C50C-407E-A947-70E740481C1C}">
                 <a14:useLocalDpi xmlns:a14="http://schemas.microsoft.com/office/drawing/2010/main" val="0"/>
@@ -9635,18 +9551,169 @@
         </p:blipFill>
         <p:spPr>
           <a:xfrm>
-            <a:off x="5845968" y="36334"/>
-            <a:ext cx="6715593" cy="3200400"/>
+            <a:off x="0" y="523875"/>
+            <a:ext cx="12192000" cy="5810250"/>
           </a:xfrm>
           <a:prstGeom prst="rect">
             <a:avLst/>
           </a:prstGeom>
         </p:spPr>
       </p:pic>
+      <p:sp>
+        <p:nvSpPr>
+          <p:cNvPr id="6" name="TextBox 5">
+            <a:extLst>
+              <a:ext uri="{FF2B5EF4-FFF2-40B4-BE49-F238E27FC236}">
+                <a16:creationId xmlns:a16="http://schemas.microsoft.com/office/drawing/2014/main" id="{F4C0F5D5-ED7A-53CE-C249-C399633A3490}"/>
+              </a:ext>
+            </a:extLst>
+          </p:cNvPr>
+          <p:cNvSpPr txBox="1"/>
+          <p:nvPr/>
+        </p:nvSpPr>
+        <p:spPr>
+          <a:xfrm rot="16200000">
+            <a:off x="-14824" y="3422931"/>
+            <a:ext cx="1127642" cy="369332"/>
+          </a:xfrm>
+          <a:prstGeom prst="rect">
+            <a:avLst/>
+          </a:prstGeom>
+          <a:noFill/>
+        </p:spPr>
+        <p:txBody>
+          <a:bodyPr wrap="square" rtlCol="0">
+            <a:spAutoFit/>
+          </a:bodyPr>
+          <a:lstStyle/>
+          <a:p>
+            <a:r>
+              <a:rPr lang="en-US" dirty="0" err="1"/>
+              <a:t>Nbandits</a:t>
+            </a:r>
+            <a:endParaRPr lang="en-US" dirty="0"/>
+          </a:p>
+        </p:txBody>
+      </p:sp>
+      <p:sp>
+        <p:nvSpPr>
+          <p:cNvPr id="7" name="TextBox 6">
+            <a:extLst>
+              <a:ext uri="{FF2B5EF4-FFF2-40B4-BE49-F238E27FC236}">
+                <a16:creationId xmlns:a16="http://schemas.microsoft.com/office/drawing/2014/main" id="{C73238A2-8839-1C79-0805-C096B68F43AC}"/>
+              </a:ext>
+            </a:extLst>
+          </p:cNvPr>
+          <p:cNvSpPr txBox="1"/>
+          <p:nvPr/>
+        </p:nvSpPr>
+        <p:spPr>
+          <a:xfrm rot="16200000">
+            <a:off x="-1480245" y="3621111"/>
+            <a:ext cx="5311258" cy="369332"/>
+          </a:xfrm>
+          <a:prstGeom prst="rect">
+            <a:avLst/>
+          </a:prstGeom>
+          <a:noFill/>
+        </p:spPr>
+        <p:txBody>
+          <a:bodyPr wrap="square" rtlCol="0">
+            <a:spAutoFit/>
+          </a:bodyPr>
+          <a:lstStyle/>
+          <a:p>
+            <a:r>
+              <a:rPr lang="en-US" dirty="0"/>
+              <a:t>	5		4		3</a:t>
+            </a:r>
+          </a:p>
+        </p:txBody>
+      </p:sp>
+      <p:pic>
+        <p:nvPicPr>
+          <p:cNvPr id="8" name="Picture 2">
+            <a:extLst>
+              <a:ext uri="{FF2B5EF4-FFF2-40B4-BE49-F238E27FC236}">
+                <a16:creationId xmlns:a16="http://schemas.microsoft.com/office/drawing/2014/main" id="{F6712759-A2DE-85B0-0A5D-F84EFDEEE47A}"/>
+              </a:ext>
+            </a:extLst>
+          </p:cNvPr>
+          <p:cNvPicPr>
+            <a:picLocks noChangeAspect="1" noChangeArrowheads="1"/>
+          </p:cNvPicPr>
+          <p:nvPr/>
+        </p:nvPicPr>
+        <p:blipFill rotWithShape="1">
+          <a:blip r:embed="rId3">
+            <a:extLst>
+              <a:ext uri="{28A0092B-C50C-407E-A947-70E740481C1C}">
+                <a14:useLocalDpi xmlns:a14="http://schemas.microsoft.com/office/drawing/2010/main" val="0"/>
+              </a:ext>
+            </a:extLst>
+          </a:blip>
+          <a:srcRect l="78457" t="10697" r="10059" b="70656"/>
+          <a:stretch/>
+        </p:blipFill>
+        <p:spPr bwMode="auto">
+          <a:xfrm>
+            <a:off x="10691809" y="220037"/>
+            <a:ext cx="1400176" cy="1083461"/>
+          </a:xfrm>
+          <a:prstGeom prst="rect">
+            <a:avLst/>
+          </a:prstGeom>
+          <a:noFill/>
+          <a:extLst>
+            <a:ext uri="{909E8E84-426E-40DD-AFC4-6F175D3DCCD1}">
+              <a14:hiddenFill xmlns:a14="http://schemas.microsoft.com/office/drawing/2010/main">
+                <a:solidFill>
+                  <a:srgbClr val="FFFFFF"/>
+                </a:solidFill>
+              </a14:hiddenFill>
+            </a:ext>
+          </a:extLst>
+        </p:spPr>
+      </p:pic>
+      <p:sp>
+        <p:nvSpPr>
+          <p:cNvPr id="9" name="TextBox 8">
+            <a:extLst>
+              <a:ext uri="{FF2B5EF4-FFF2-40B4-BE49-F238E27FC236}">
+                <a16:creationId xmlns:a16="http://schemas.microsoft.com/office/drawing/2014/main" id="{325334D5-3BA4-A903-4965-EA2EB6BDBF73}"/>
+              </a:ext>
+            </a:extLst>
+          </p:cNvPr>
+          <p:cNvSpPr txBox="1"/>
+          <p:nvPr/>
+        </p:nvSpPr>
+        <p:spPr>
+          <a:xfrm>
+            <a:off x="990717" y="813141"/>
+            <a:ext cx="9841232" cy="369332"/>
+          </a:xfrm>
+          <a:prstGeom prst="rect">
+            <a:avLst/>
+          </a:prstGeom>
+          <a:noFill/>
+        </p:spPr>
+        <p:txBody>
+          <a:bodyPr wrap="square" rtlCol="0">
+            <a:spAutoFit/>
+          </a:bodyPr>
+          <a:lstStyle/>
+          <a:p>
+            <a:r>
+              <a:rPr lang="en-US" dirty="0"/>
+              <a:t>		Reward					          Bandit (old vs new)</a:t>
+            </a:r>
+          </a:p>
+        </p:txBody>
+      </p:sp>
     </p:spTree>
     <p:extLst>
       <p:ext uri="{BB962C8B-B14F-4D97-AF65-F5344CB8AC3E}">
-        <p14:creationId xmlns:p14="http://schemas.microsoft.com/office/powerpoint/2010/main" val="3262294933"/>
+        <p14:creationId xmlns:p14="http://schemas.microsoft.com/office/powerpoint/2010/main" val="3422505291"/>
       </p:ext>
     </p:extLst>
   </p:cSld>
